--- a/2022-10-15 Authorization-In-Distributed-Systems/Authorization-In-Distributed-Systems-Short.pptx
+++ b/2022-10-15 Authorization-In-Distributed-Systems/Authorization-In-Distributed-Systems-Short.pptx
@@ -20104,35 +20104,43 @@
             <p:ph idx="1"/>
           </p:nvPr>
         </p:nvSpPr>
-        <p:spPr/>
+        <p:spPr>
+          <a:xfrm>
+            <a:off x="1956019" y="1871205"/>
+            <a:ext cx="9533616" cy="1036846"/>
+          </a:xfrm>
+        </p:spPr>
         <p:txBody>
           <a:bodyPr>
-            <a:normAutofit fontScale="85000" lnSpcReduction="20000"/>
+            <a:noAutofit/>
           </a:bodyPr>
           <a:lstStyle/>
           <a:p>
-            <a:r>
-              <a:rPr lang="en-US" b="1" dirty="0">
+            <a:pPr marL="0" indent="0">
+              <a:buNone/>
+            </a:pPr>
+            <a:r>
+              <a:rPr lang="en-US" sz="2000" b="1" dirty="0">
                 <a:latin typeface="Euclid Circular B" panose="020B0504000000000000" pitchFamily="34" charset="0"/>
                 <a:ea typeface="Euclid Circular B" panose="020B0504000000000000" pitchFamily="34" charset="0"/>
               </a:rPr>
               <a:t>Where </a:t>
             </a:r>
             <a:r>
-              <a:rPr lang="en-US" dirty="0">
+              <a:rPr lang="en-US" sz="2000" dirty="0">
                 <a:latin typeface="Euclid Circular B" panose="020B0504000000000000" pitchFamily="34" charset="0"/>
                 <a:ea typeface="Euclid Circular B" panose="020B0504000000000000" pitchFamily="34" charset="0"/>
               </a:rPr>
               <a:t>to force authorization?</a:t>
             </a:r>
             <a:br>
-              <a:rPr lang="en-US" dirty="0">
+              <a:rPr lang="en-US" sz="2000" dirty="0">
                 <a:latin typeface="Euclid Circular B" panose="020B0504000000000000" pitchFamily="34" charset="0"/>
                 <a:ea typeface="Euclid Circular B" panose="020B0504000000000000" pitchFamily="34" charset="0"/>
               </a:rPr>
             </a:br>
             <a:r>
-              <a:rPr lang="en-US" b="1" i="1" dirty="0">
+              <a:rPr lang="en-US" sz="2000" b="1" i="1" dirty="0">
                 <a:solidFill>
                   <a:srgbClr val="0070C0"/>
                 </a:solidFill>
@@ -20142,7 +20150,7 @@
               <a:t>PEP</a:t>
             </a:r>
             <a:r>
-              <a:rPr lang="en-US" i="1" dirty="0">
+              <a:rPr lang="en-US" sz="2000" i="1" dirty="0">
                 <a:latin typeface="Euclid Circular B" panose="020B0504000000000000" pitchFamily="34" charset="0"/>
                 <a:ea typeface="Euclid Circular B" panose="020B0504000000000000" pitchFamily="34" charset="0"/>
               </a:rPr>
@@ -20150,218 +20158,941 @@
             </a:r>
           </a:p>
           <a:p>
-            <a:pPr lvl="1"/>
-            <a:r>
-              <a:rPr lang="en-US" dirty="0">
+            <a:pPr marL="457200" lvl="1" indent="0">
+              <a:buNone/>
+            </a:pPr>
+            <a:r>
+              <a:rPr lang="en-US" sz="1800" dirty="0">
                 <a:latin typeface="Euclid Circular B" panose="020B0504000000000000" pitchFamily="34" charset="0"/>
                 <a:ea typeface="Euclid Circular B" panose="020B0504000000000000" pitchFamily="34" charset="0"/>
               </a:rPr>
               <a:t>In the API Gateway? In the current service?</a:t>
             </a:r>
+          </a:p>
+        </p:txBody>
+      </p:sp>
+      <p:pic>
+        <p:nvPicPr>
+          <p:cNvPr id="5" name="Picture 4" descr="A mannequin wearing a white suit and blue tie&#10;&#10;Description automatically generated with medium confidence">
+            <a:extLst>
+              <a:ext uri="{FF2B5EF4-FFF2-40B4-BE49-F238E27FC236}">
+                <a16:creationId xmlns:a16="http://schemas.microsoft.com/office/drawing/2014/main" id="{3256022C-417A-BC5B-8CDC-1A1B5AFC41AE}"/>
+              </a:ext>
+            </a:extLst>
+          </p:cNvPr>
+          <p:cNvPicPr>
+            <a:picLocks noChangeAspect="1"/>
+          </p:cNvPicPr>
+          <p:nvPr/>
+        </p:nvPicPr>
+        <p:blipFill>
+          <a:blip r:embed="rId3">
+            <a:extLst>
+              <a:ext uri="{28A0092B-C50C-407E-A947-70E740481C1C}">
+                <a14:useLocalDpi xmlns:a14="http://schemas.microsoft.com/office/drawing/2010/main" val="0"/>
+              </a:ext>
+            </a:extLst>
+          </a:blip>
+          <a:stretch>
+            <a:fillRect/>
+          </a:stretch>
+        </p:blipFill>
+        <p:spPr>
+          <a:xfrm>
+            <a:off x="934940" y="5670576"/>
+            <a:ext cx="862054" cy="862054"/>
+          </a:xfrm>
+          <a:prstGeom prst="rect">
+            <a:avLst/>
+          </a:prstGeom>
+        </p:spPr>
+      </p:pic>
+      <p:pic>
+        <p:nvPicPr>
+          <p:cNvPr id="7" name="Picture 6" descr="Shape&#10;&#10;Description automatically generated with low confidence">
+            <a:extLst>
+              <a:ext uri="{FF2B5EF4-FFF2-40B4-BE49-F238E27FC236}">
+                <a16:creationId xmlns:a16="http://schemas.microsoft.com/office/drawing/2014/main" id="{54EEF0EC-FD8D-25D4-5625-4A2B942650E6}"/>
+              </a:ext>
+            </a:extLst>
+          </p:cNvPr>
+          <p:cNvPicPr>
+            <a:picLocks noChangeAspect="1"/>
+          </p:cNvPicPr>
+          <p:nvPr/>
+        </p:nvPicPr>
+        <p:blipFill>
+          <a:blip r:embed="rId4">
+            <a:extLst>
+              <a:ext uri="{28A0092B-C50C-407E-A947-70E740481C1C}">
+                <a14:useLocalDpi xmlns:a14="http://schemas.microsoft.com/office/drawing/2010/main" val="0"/>
+              </a:ext>
+            </a:extLst>
+          </a:blip>
+          <a:stretch>
+            <a:fillRect/>
+          </a:stretch>
+        </p:blipFill>
+        <p:spPr>
+          <a:xfrm>
+            <a:off x="934940" y="4427287"/>
+            <a:ext cx="862054" cy="862054"/>
+          </a:xfrm>
+          <a:prstGeom prst="rect">
+            <a:avLst/>
+          </a:prstGeom>
+        </p:spPr>
+      </p:pic>
+      <p:pic>
+        <p:nvPicPr>
+          <p:cNvPr id="9" name="Picture 8" descr="Shape&#10;&#10;Description automatically generated with low confidence">
+            <a:extLst>
+              <a:ext uri="{FF2B5EF4-FFF2-40B4-BE49-F238E27FC236}">
+                <a16:creationId xmlns:a16="http://schemas.microsoft.com/office/drawing/2014/main" id="{BBA87048-E2B7-3CFF-76AF-055739043823}"/>
+              </a:ext>
+            </a:extLst>
+          </p:cNvPr>
+          <p:cNvPicPr>
+            <a:picLocks noChangeAspect="1"/>
+          </p:cNvPicPr>
+          <p:nvPr/>
+        </p:nvPicPr>
+        <p:blipFill>
+          <a:blip r:embed="rId5">
+            <a:extLst>
+              <a:ext uri="{28A0092B-C50C-407E-A947-70E740481C1C}">
+                <a14:useLocalDpi xmlns:a14="http://schemas.microsoft.com/office/drawing/2010/main" val="0"/>
+              </a:ext>
+            </a:extLst>
+          </a:blip>
+          <a:stretch>
+            <a:fillRect/>
+          </a:stretch>
+        </p:blipFill>
+        <p:spPr>
+          <a:xfrm>
+            <a:off x="934940" y="3074688"/>
+            <a:ext cx="862055" cy="862055"/>
+          </a:xfrm>
+          <a:prstGeom prst="rect">
+            <a:avLst/>
+          </a:prstGeom>
+        </p:spPr>
+      </p:pic>
+      <p:pic>
+        <p:nvPicPr>
+          <p:cNvPr id="11" name="Picture 10" descr="Icon&#10;&#10;Description automatically generated">
+            <a:extLst>
+              <a:ext uri="{FF2B5EF4-FFF2-40B4-BE49-F238E27FC236}">
+                <a16:creationId xmlns:a16="http://schemas.microsoft.com/office/drawing/2014/main" id="{E207C468-182C-1B5F-BA66-1DCAFA9B1629}"/>
+              </a:ext>
+            </a:extLst>
+          </p:cNvPr>
+          <p:cNvPicPr>
+            <a:picLocks noChangeAspect="1"/>
+          </p:cNvPicPr>
+          <p:nvPr/>
+        </p:nvPicPr>
+        <p:blipFill>
+          <a:blip r:embed="rId6">
+            <a:extLst>
+              <a:ext uri="{28A0092B-C50C-407E-A947-70E740481C1C}">
+                <a14:useLocalDpi xmlns:a14="http://schemas.microsoft.com/office/drawing/2010/main" val="0"/>
+              </a:ext>
+            </a:extLst>
+          </a:blip>
+          <a:stretch>
+            <a:fillRect/>
+          </a:stretch>
+        </p:blipFill>
+        <p:spPr>
+          <a:xfrm>
+            <a:off x="934939" y="1935759"/>
+            <a:ext cx="862054" cy="862054"/>
+          </a:xfrm>
+          <a:prstGeom prst="rect">
+            <a:avLst/>
+          </a:prstGeom>
+        </p:spPr>
+      </p:pic>
+      <p:sp>
+        <p:nvSpPr>
+          <p:cNvPr id="16" name="Content Placeholder 2">
+            <a:extLst>
+              <a:ext uri="{FF2B5EF4-FFF2-40B4-BE49-F238E27FC236}">
+                <a16:creationId xmlns:a16="http://schemas.microsoft.com/office/drawing/2014/main" id="{0076FF15-F467-D5B4-C5C0-F093C5C0DD48}"/>
+              </a:ext>
+            </a:extLst>
+          </p:cNvPr>
+          <p:cNvSpPr txBox="1">
+            <a:spLocks/>
+          </p:cNvSpPr>
+          <p:nvPr/>
+        </p:nvSpPr>
+        <p:spPr>
+          <a:xfrm>
+            <a:off x="1956019" y="3085702"/>
+            <a:ext cx="9533616" cy="1036847"/>
+          </a:xfrm>
+          <a:prstGeom prst="rect">
+            <a:avLst/>
+          </a:prstGeom>
+        </p:spPr>
+        <p:txBody>
+          <a:bodyPr vert="horz" lIns="91440" tIns="45720" rIns="91440" bIns="45720" rtlCol="0">
+            <a:noAutofit/>
+          </a:bodyPr>
+          <a:lstStyle>
+            <a:lvl1pPr marL="228600" indent="-228600" algn="l" defTabSz="914400" rtl="0" eaLnBrk="1" latinLnBrk="0" hangingPunct="1">
+              <a:lnSpc>
+                <a:spcPct val="90000"/>
+              </a:lnSpc>
+              <a:spcBef>
+                <a:spcPts val="1000"/>
+              </a:spcBef>
+              <a:buFont typeface="Arial" panose="020B0604020202020204" pitchFamily="34" charset="0"/>
+              <a:buChar char="•"/>
+              <a:defRPr sz="2800" kern="1200">
+                <a:solidFill>
+                  <a:schemeClr val="tx1"/>
+                </a:solidFill>
+                <a:latin typeface="+mn-lt"/>
+                <a:ea typeface="+mn-ea"/>
+                <a:cs typeface="+mn-cs"/>
+              </a:defRPr>
+            </a:lvl1pPr>
+            <a:lvl2pPr marL="685800" indent="-228600" algn="l" defTabSz="914400" rtl="0" eaLnBrk="1" latinLnBrk="0" hangingPunct="1">
+              <a:lnSpc>
+                <a:spcPct val="90000"/>
+              </a:lnSpc>
+              <a:spcBef>
+                <a:spcPts val="500"/>
+              </a:spcBef>
+              <a:buFont typeface="Arial" panose="020B0604020202020204" pitchFamily="34" charset="0"/>
+              <a:buChar char="•"/>
+              <a:defRPr sz="2400" kern="1200">
+                <a:solidFill>
+                  <a:schemeClr val="tx1"/>
+                </a:solidFill>
+                <a:latin typeface="+mn-lt"/>
+                <a:ea typeface="+mn-ea"/>
+                <a:cs typeface="+mn-cs"/>
+              </a:defRPr>
+            </a:lvl2pPr>
+            <a:lvl3pPr marL="1143000" indent="-228600" algn="l" defTabSz="914400" rtl="0" eaLnBrk="1" latinLnBrk="0" hangingPunct="1">
+              <a:lnSpc>
+                <a:spcPct val="90000"/>
+              </a:lnSpc>
+              <a:spcBef>
+                <a:spcPts val="500"/>
+              </a:spcBef>
+              <a:buFont typeface="Arial" panose="020B0604020202020204" pitchFamily="34" charset="0"/>
+              <a:buChar char="•"/>
+              <a:defRPr sz="2000" kern="1200">
+                <a:solidFill>
+                  <a:schemeClr val="tx1"/>
+                </a:solidFill>
+                <a:latin typeface="+mn-lt"/>
+                <a:ea typeface="+mn-ea"/>
+                <a:cs typeface="+mn-cs"/>
+              </a:defRPr>
+            </a:lvl3pPr>
+            <a:lvl4pPr marL="1600200" indent="-228600" algn="l" defTabSz="914400" rtl="0" eaLnBrk="1" latinLnBrk="0" hangingPunct="1">
+              <a:lnSpc>
+                <a:spcPct val="90000"/>
+              </a:lnSpc>
+              <a:spcBef>
+                <a:spcPts val="500"/>
+              </a:spcBef>
+              <a:buFont typeface="Arial" panose="020B0604020202020204" pitchFamily="34" charset="0"/>
+              <a:buChar char="•"/>
+              <a:defRPr sz="1800" kern="1200">
+                <a:solidFill>
+                  <a:schemeClr val="tx1"/>
+                </a:solidFill>
+                <a:latin typeface="+mn-lt"/>
+                <a:ea typeface="+mn-ea"/>
+                <a:cs typeface="+mn-cs"/>
+              </a:defRPr>
+            </a:lvl4pPr>
+            <a:lvl5pPr marL="2057400" indent="-228600" algn="l" defTabSz="914400" rtl="0" eaLnBrk="1" latinLnBrk="0" hangingPunct="1">
+              <a:lnSpc>
+                <a:spcPct val="90000"/>
+              </a:lnSpc>
+              <a:spcBef>
+                <a:spcPts val="500"/>
+              </a:spcBef>
+              <a:buFont typeface="Arial" panose="020B0604020202020204" pitchFamily="34" charset="0"/>
+              <a:buChar char="•"/>
+              <a:defRPr sz="1800" kern="1200">
+                <a:solidFill>
+                  <a:schemeClr val="tx1"/>
+                </a:solidFill>
+                <a:latin typeface="+mn-lt"/>
+                <a:ea typeface="+mn-ea"/>
+                <a:cs typeface="+mn-cs"/>
+              </a:defRPr>
+            </a:lvl5pPr>
+            <a:lvl6pPr marL="2514600" indent="-228600" algn="l" defTabSz="914400" rtl="0" eaLnBrk="1" latinLnBrk="0" hangingPunct="1">
+              <a:lnSpc>
+                <a:spcPct val="90000"/>
+              </a:lnSpc>
+              <a:spcBef>
+                <a:spcPts val="500"/>
+              </a:spcBef>
+              <a:buFont typeface="Arial" panose="020B0604020202020204" pitchFamily="34" charset="0"/>
+              <a:buChar char="•"/>
+              <a:defRPr sz="1800" kern="1200">
+                <a:solidFill>
+                  <a:schemeClr val="tx1"/>
+                </a:solidFill>
+                <a:latin typeface="+mn-lt"/>
+                <a:ea typeface="+mn-ea"/>
+                <a:cs typeface="+mn-cs"/>
+              </a:defRPr>
+            </a:lvl6pPr>
+            <a:lvl7pPr marL="2971800" indent="-228600" algn="l" defTabSz="914400" rtl="0" eaLnBrk="1" latinLnBrk="0" hangingPunct="1">
+              <a:lnSpc>
+                <a:spcPct val="90000"/>
+              </a:lnSpc>
+              <a:spcBef>
+                <a:spcPts val="500"/>
+              </a:spcBef>
+              <a:buFont typeface="Arial" panose="020B0604020202020204" pitchFamily="34" charset="0"/>
+              <a:buChar char="•"/>
+              <a:defRPr sz="1800" kern="1200">
+                <a:solidFill>
+                  <a:schemeClr val="tx1"/>
+                </a:solidFill>
+                <a:latin typeface="+mn-lt"/>
+                <a:ea typeface="+mn-ea"/>
+                <a:cs typeface="+mn-cs"/>
+              </a:defRPr>
+            </a:lvl7pPr>
+            <a:lvl8pPr marL="3429000" indent="-228600" algn="l" defTabSz="914400" rtl="0" eaLnBrk="1" latinLnBrk="0" hangingPunct="1">
+              <a:lnSpc>
+                <a:spcPct val="90000"/>
+              </a:lnSpc>
+              <a:spcBef>
+                <a:spcPts val="500"/>
+              </a:spcBef>
+              <a:buFont typeface="Arial" panose="020B0604020202020204" pitchFamily="34" charset="0"/>
+              <a:buChar char="•"/>
+              <a:defRPr sz="1800" kern="1200">
+                <a:solidFill>
+                  <a:schemeClr val="tx1"/>
+                </a:solidFill>
+                <a:latin typeface="+mn-lt"/>
+                <a:ea typeface="+mn-ea"/>
+                <a:cs typeface="+mn-cs"/>
+              </a:defRPr>
+            </a:lvl8pPr>
+            <a:lvl9pPr marL="3886200" indent="-228600" algn="l" defTabSz="914400" rtl="0" eaLnBrk="1" latinLnBrk="0" hangingPunct="1">
+              <a:lnSpc>
+                <a:spcPct val="90000"/>
+              </a:lnSpc>
+              <a:spcBef>
+                <a:spcPts val="500"/>
+              </a:spcBef>
+              <a:buFont typeface="Arial" panose="020B0604020202020204" pitchFamily="34" charset="0"/>
+              <a:buChar char="•"/>
+              <a:defRPr sz="1800" kern="1200">
+                <a:solidFill>
+                  <a:schemeClr val="tx1"/>
+                </a:solidFill>
+                <a:latin typeface="+mn-lt"/>
+                <a:ea typeface="+mn-ea"/>
+                <a:cs typeface="+mn-cs"/>
+              </a:defRPr>
+            </a:lvl9pPr>
+          </a:lstStyle>
+          <a:p>
+            <a:pPr marL="0" indent="0">
+              <a:buFont typeface="Arial" panose="020B0604020202020204" pitchFamily="34" charset="0"/>
+              <a:buNone/>
+            </a:pPr>
+            <a:r>
+              <a:rPr lang="en-US" sz="2000" b="1" dirty="0">
+                <a:latin typeface="Euclid Circular B" panose="020B0504000000000000" pitchFamily="34" charset="0"/>
+                <a:ea typeface="Euclid Circular B" panose="020B0504000000000000" pitchFamily="34" charset="0"/>
+              </a:rPr>
+              <a:t>Where </a:t>
+            </a:r>
+            <a:r>
+              <a:rPr lang="en-US" sz="2000" dirty="0">
+                <a:latin typeface="Euclid Circular B" panose="020B0504000000000000" pitchFamily="34" charset="0"/>
+                <a:ea typeface="Euclid Circular B" panose="020B0504000000000000" pitchFamily="34" charset="0"/>
+              </a:rPr>
+              <a:t>to perform the authorization logic?</a:t>
+            </a:r>
             <a:br>
-              <a:rPr lang="en-US" i="1" dirty="0">
+              <a:rPr lang="en-US" sz="2000" dirty="0">
                 <a:latin typeface="Euclid Circular B" panose="020B0504000000000000" pitchFamily="34" charset="0"/>
                 <a:ea typeface="Euclid Circular B" panose="020B0504000000000000" pitchFamily="34" charset="0"/>
               </a:rPr>
             </a:br>
-            <a:endParaRPr lang="en-US" i="1" dirty="0">
+            <a:r>
+              <a:rPr lang="en-US" sz="2000" b="1" i="1" dirty="0">
+                <a:solidFill>
+                  <a:srgbClr val="0070C0"/>
+                </a:solidFill>
+                <a:latin typeface="Euclid Circular B" panose="020B0504000000000000" pitchFamily="34" charset="0"/>
+                <a:ea typeface="Euclid Circular B" panose="020B0504000000000000" pitchFamily="34" charset="0"/>
+              </a:rPr>
+              <a:t>PDP</a:t>
+            </a:r>
+            <a:r>
+              <a:rPr lang="en-US" sz="2000" i="1" dirty="0">
+                <a:latin typeface="Euclid Circular B" panose="020B0504000000000000" pitchFamily="34" charset="0"/>
+                <a:ea typeface="Euclid Circular B" panose="020B0504000000000000" pitchFamily="34" charset="0"/>
+              </a:rPr>
+              <a:t>: Policy Decision Point</a:t>
+            </a:r>
+          </a:p>
+          <a:p>
+            <a:pPr marL="457200" lvl="1" indent="0">
+              <a:buFont typeface="Arial" panose="020B0604020202020204" pitchFamily="34" charset="0"/>
+              <a:buNone/>
+            </a:pPr>
+            <a:r>
+              <a:rPr lang="en-US" sz="1800" dirty="0">
+                <a:latin typeface="Euclid Circular B" panose="020B0504000000000000" pitchFamily="34" charset="0"/>
+                <a:ea typeface="Euclid Circular B" panose="020B0504000000000000" pitchFamily="34" charset="0"/>
+              </a:rPr>
+              <a:t>In the current process? In a dedicated service?</a:t>
+            </a:r>
+            <a:br>
+              <a:rPr lang="en-US" sz="1800" dirty="0">
+                <a:latin typeface="Euclid Circular B" panose="020B0504000000000000" pitchFamily="34" charset="0"/>
+                <a:ea typeface="Euclid Circular B" panose="020B0504000000000000" pitchFamily="34" charset="0"/>
+              </a:rPr>
+            </a:br>
+            <a:endParaRPr lang="en-US" sz="1800" dirty="0">
               <a:latin typeface="Euclid Circular B" panose="020B0504000000000000" pitchFamily="34" charset="0"/>
               <a:ea typeface="Euclid Circular B" panose="020B0504000000000000" pitchFamily="34" charset="0"/>
             </a:endParaRPr>
           </a:p>
-          <a:p>
-            <a:r>
-              <a:rPr lang="en-US" b="1" dirty="0">
+        </p:txBody>
+      </p:sp>
+      <p:sp>
+        <p:nvSpPr>
+          <p:cNvPr id="17" name="Content Placeholder 2">
+            <a:extLst>
+              <a:ext uri="{FF2B5EF4-FFF2-40B4-BE49-F238E27FC236}">
+                <a16:creationId xmlns:a16="http://schemas.microsoft.com/office/drawing/2014/main" id="{D9AD12CA-CA4E-9C73-087C-3D1AB229930B}"/>
+              </a:ext>
+            </a:extLst>
+          </p:cNvPr>
+          <p:cNvSpPr txBox="1">
+            <a:spLocks/>
+          </p:cNvSpPr>
+          <p:nvPr/>
+        </p:nvSpPr>
+        <p:spPr>
+          <a:xfrm>
+            <a:off x="1956019" y="4427287"/>
+            <a:ext cx="9533616" cy="1036847"/>
+          </a:xfrm>
+          <a:prstGeom prst="rect">
+            <a:avLst/>
+          </a:prstGeom>
+        </p:spPr>
+        <p:txBody>
+          <a:bodyPr vert="horz" lIns="91440" tIns="45720" rIns="91440" bIns="45720" rtlCol="0">
+            <a:noAutofit/>
+          </a:bodyPr>
+          <a:lstStyle>
+            <a:lvl1pPr marL="228600" indent="-228600" algn="l" defTabSz="914400" rtl="0" eaLnBrk="1" latinLnBrk="0" hangingPunct="1">
+              <a:lnSpc>
+                <a:spcPct val="90000"/>
+              </a:lnSpc>
+              <a:spcBef>
+                <a:spcPts val="1000"/>
+              </a:spcBef>
+              <a:buFont typeface="Arial" panose="020B0604020202020204" pitchFamily="34" charset="0"/>
+              <a:buChar char="•"/>
+              <a:defRPr sz="2800" kern="1200">
+                <a:solidFill>
+                  <a:schemeClr val="tx1"/>
+                </a:solidFill>
+                <a:latin typeface="+mn-lt"/>
+                <a:ea typeface="+mn-ea"/>
+                <a:cs typeface="+mn-cs"/>
+              </a:defRPr>
+            </a:lvl1pPr>
+            <a:lvl2pPr marL="685800" indent="-228600" algn="l" defTabSz="914400" rtl="0" eaLnBrk="1" latinLnBrk="0" hangingPunct="1">
+              <a:lnSpc>
+                <a:spcPct val="90000"/>
+              </a:lnSpc>
+              <a:spcBef>
+                <a:spcPts val="500"/>
+              </a:spcBef>
+              <a:buFont typeface="Arial" panose="020B0604020202020204" pitchFamily="34" charset="0"/>
+              <a:buChar char="•"/>
+              <a:defRPr sz="2400" kern="1200">
+                <a:solidFill>
+                  <a:schemeClr val="tx1"/>
+                </a:solidFill>
+                <a:latin typeface="+mn-lt"/>
+                <a:ea typeface="+mn-ea"/>
+                <a:cs typeface="+mn-cs"/>
+              </a:defRPr>
+            </a:lvl2pPr>
+            <a:lvl3pPr marL="1143000" indent="-228600" algn="l" defTabSz="914400" rtl="0" eaLnBrk="1" latinLnBrk="0" hangingPunct="1">
+              <a:lnSpc>
+                <a:spcPct val="90000"/>
+              </a:lnSpc>
+              <a:spcBef>
+                <a:spcPts val="500"/>
+              </a:spcBef>
+              <a:buFont typeface="Arial" panose="020B0604020202020204" pitchFamily="34" charset="0"/>
+              <a:buChar char="•"/>
+              <a:defRPr sz="2000" kern="1200">
+                <a:solidFill>
+                  <a:schemeClr val="tx1"/>
+                </a:solidFill>
+                <a:latin typeface="+mn-lt"/>
+                <a:ea typeface="+mn-ea"/>
+                <a:cs typeface="+mn-cs"/>
+              </a:defRPr>
+            </a:lvl3pPr>
+            <a:lvl4pPr marL="1600200" indent="-228600" algn="l" defTabSz="914400" rtl="0" eaLnBrk="1" latinLnBrk="0" hangingPunct="1">
+              <a:lnSpc>
+                <a:spcPct val="90000"/>
+              </a:lnSpc>
+              <a:spcBef>
+                <a:spcPts val="500"/>
+              </a:spcBef>
+              <a:buFont typeface="Arial" panose="020B0604020202020204" pitchFamily="34" charset="0"/>
+              <a:buChar char="•"/>
+              <a:defRPr sz="1800" kern="1200">
+                <a:solidFill>
+                  <a:schemeClr val="tx1"/>
+                </a:solidFill>
+                <a:latin typeface="+mn-lt"/>
+                <a:ea typeface="+mn-ea"/>
+                <a:cs typeface="+mn-cs"/>
+              </a:defRPr>
+            </a:lvl4pPr>
+            <a:lvl5pPr marL="2057400" indent="-228600" algn="l" defTabSz="914400" rtl="0" eaLnBrk="1" latinLnBrk="0" hangingPunct="1">
+              <a:lnSpc>
+                <a:spcPct val="90000"/>
+              </a:lnSpc>
+              <a:spcBef>
+                <a:spcPts val="500"/>
+              </a:spcBef>
+              <a:buFont typeface="Arial" panose="020B0604020202020204" pitchFamily="34" charset="0"/>
+              <a:buChar char="•"/>
+              <a:defRPr sz="1800" kern="1200">
+                <a:solidFill>
+                  <a:schemeClr val="tx1"/>
+                </a:solidFill>
+                <a:latin typeface="+mn-lt"/>
+                <a:ea typeface="+mn-ea"/>
+                <a:cs typeface="+mn-cs"/>
+              </a:defRPr>
+            </a:lvl5pPr>
+            <a:lvl6pPr marL="2514600" indent="-228600" algn="l" defTabSz="914400" rtl="0" eaLnBrk="1" latinLnBrk="0" hangingPunct="1">
+              <a:lnSpc>
+                <a:spcPct val="90000"/>
+              </a:lnSpc>
+              <a:spcBef>
+                <a:spcPts val="500"/>
+              </a:spcBef>
+              <a:buFont typeface="Arial" panose="020B0604020202020204" pitchFamily="34" charset="0"/>
+              <a:buChar char="•"/>
+              <a:defRPr sz="1800" kern="1200">
+                <a:solidFill>
+                  <a:schemeClr val="tx1"/>
+                </a:solidFill>
+                <a:latin typeface="+mn-lt"/>
+                <a:ea typeface="+mn-ea"/>
+                <a:cs typeface="+mn-cs"/>
+              </a:defRPr>
+            </a:lvl6pPr>
+            <a:lvl7pPr marL="2971800" indent="-228600" algn="l" defTabSz="914400" rtl="0" eaLnBrk="1" latinLnBrk="0" hangingPunct="1">
+              <a:lnSpc>
+                <a:spcPct val="90000"/>
+              </a:lnSpc>
+              <a:spcBef>
+                <a:spcPts val="500"/>
+              </a:spcBef>
+              <a:buFont typeface="Arial" panose="020B0604020202020204" pitchFamily="34" charset="0"/>
+              <a:buChar char="•"/>
+              <a:defRPr sz="1800" kern="1200">
+                <a:solidFill>
+                  <a:schemeClr val="tx1"/>
+                </a:solidFill>
+                <a:latin typeface="+mn-lt"/>
+                <a:ea typeface="+mn-ea"/>
+                <a:cs typeface="+mn-cs"/>
+              </a:defRPr>
+            </a:lvl7pPr>
+            <a:lvl8pPr marL="3429000" indent="-228600" algn="l" defTabSz="914400" rtl="0" eaLnBrk="1" latinLnBrk="0" hangingPunct="1">
+              <a:lnSpc>
+                <a:spcPct val="90000"/>
+              </a:lnSpc>
+              <a:spcBef>
+                <a:spcPts val="500"/>
+              </a:spcBef>
+              <a:buFont typeface="Arial" panose="020B0604020202020204" pitchFamily="34" charset="0"/>
+              <a:buChar char="•"/>
+              <a:defRPr sz="1800" kern="1200">
+                <a:solidFill>
+                  <a:schemeClr val="tx1"/>
+                </a:solidFill>
+                <a:latin typeface="+mn-lt"/>
+                <a:ea typeface="+mn-ea"/>
+                <a:cs typeface="+mn-cs"/>
+              </a:defRPr>
+            </a:lvl8pPr>
+            <a:lvl9pPr marL="3886200" indent="-228600" algn="l" defTabSz="914400" rtl="0" eaLnBrk="1" latinLnBrk="0" hangingPunct="1">
+              <a:lnSpc>
+                <a:spcPct val="90000"/>
+              </a:lnSpc>
+              <a:spcBef>
+                <a:spcPts val="500"/>
+              </a:spcBef>
+              <a:buFont typeface="Arial" panose="020B0604020202020204" pitchFamily="34" charset="0"/>
+              <a:buChar char="•"/>
+              <a:defRPr sz="1800" kern="1200">
+                <a:solidFill>
+                  <a:schemeClr val="tx1"/>
+                </a:solidFill>
+                <a:latin typeface="+mn-lt"/>
+                <a:ea typeface="+mn-ea"/>
+                <a:cs typeface="+mn-cs"/>
+              </a:defRPr>
+            </a:lvl9pPr>
+          </a:lstStyle>
+          <a:p>
+            <a:pPr marL="0" indent="0">
+              <a:buFont typeface="Arial" panose="020B0604020202020204" pitchFamily="34" charset="0"/>
+              <a:buNone/>
+            </a:pPr>
+            <a:r>
+              <a:rPr lang="en-US" sz="2000" b="1" dirty="0">
                 <a:latin typeface="Euclid Circular B" panose="020B0504000000000000" pitchFamily="34" charset="0"/>
                 <a:ea typeface="Euclid Circular B" panose="020B0504000000000000" pitchFamily="34" charset="0"/>
               </a:rPr>
               <a:t>Where </a:t>
             </a:r>
             <a:r>
-              <a:rPr lang="en-US" dirty="0">
+              <a:rPr lang="en-US" sz="2000" dirty="0">
+                <a:latin typeface="Euclid Circular B" panose="020B0504000000000000" pitchFamily="34" charset="0"/>
+                <a:ea typeface="Euclid Circular B" panose="020B0504000000000000" pitchFamily="34" charset="0"/>
+              </a:rPr>
+              <a:t>and </a:t>
+            </a:r>
+            <a:r>
+              <a:rPr lang="en-US" sz="2000" b="1" dirty="0">
+                <a:latin typeface="Euclid Circular B" panose="020B0504000000000000" pitchFamily="34" charset="0"/>
+                <a:ea typeface="Euclid Circular B" panose="020B0504000000000000" pitchFamily="34" charset="0"/>
+              </a:rPr>
+              <a:t>how </a:t>
+            </a:r>
+            <a:r>
+              <a:rPr lang="en-US" sz="2000" dirty="0">
+                <a:latin typeface="Euclid Circular B" panose="020B0504000000000000" pitchFamily="34" charset="0"/>
+                <a:ea typeface="Euclid Circular B" panose="020B0504000000000000" pitchFamily="34" charset="0"/>
+              </a:rPr>
+              <a:t>to </a:t>
+            </a:r>
+            <a:r>
+              <a:rPr lang="en-US" sz="2000" b="1" dirty="0">
+                <a:latin typeface="Euclid Circular B" panose="020B0504000000000000" pitchFamily="34" charset="0"/>
+                <a:ea typeface="Euclid Circular B" panose="020B0504000000000000" pitchFamily="34" charset="0"/>
+              </a:rPr>
+              <a:t>obtain the data </a:t>
+            </a:r>
+            <a:r>
+              <a:rPr lang="en-US" sz="2000" dirty="0">
                 <a:latin typeface="Euclid Circular B" panose="020B0504000000000000" pitchFamily="34" charset="0"/>
                 <a:ea typeface="Euclid Circular B" panose="020B0504000000000000" pitchFamily="34" charset="0"/>
               </a:rPr>
               <a:t>to perform the authorization logic?</a:t>
             </a:r>
             <a:br>
-              <a:rPr lang="en-US" dirty="0">
+              <a:rPr lang="en-US" sz="2000" dirty="0">
                 <a:latin typeface="Euclid Circular B" panose="020B0504000000000000" pitchFamily="34" charset="0"/>
                 <a:ea typeface="Euclid Circular B" panose="020B0504000000000000" pitchFamily="34" charset="0"/>
               </a:rPr>
             </a:br>
             <a:r>
-              <a:rPr lang="en-US" b="1" i="1" dirty="0">
+              <a:rPr lang="en-US" sz="2000" b="1" i="1" dirty="0">
                 <a:solidFill>
                   <a:srgbClr val="0070C0"/>
                 </a:solidFill>
                 <a:latin typeface="Euclid Circular B" panose="020B0504000000000000" pitchFamily="34" charset="0"/>
                 <a:ea typeface="Euclid Circular B" panose="020B0504000000000000" pitchFamily="34" charset="0"/>
               </a:rPr>
-              <a:t>PDP</a:t>
-            </a:r>
-            <a:r>
-              <a:rPr lang="en-US" i="1" dirty="0">
-                <a:latin typeface="Euclid Circular B" panose="020B0504000000000000" pitchFamily="34" charset="0"/>
-                <a:ea typeface="Euclid Circular B" panose="020B0504000000000000" pitchFamily="34" charset="0"/>
-              </a:rPr>
-              <a:t>: Policy Decision Point</a:t>
-            </a:r>
-          </a:p>
-          <a:p>
-            <a:pPr lvl="1"/>
-            <a:r>
-              <a:rPr lang="en-US" dirty="0">
-                <a:latin typeface="Euclid Circular B" panose="020B0504000000000000" pitchFamily="34" charset="0"/>
-                <a:ea typeface="Euclid Circular B" panose="020B0504000000000000" pitchFamily="34" charset="0"/>
-              </a:rPr>
-              <a:t>In the current process? In a dedicated service?</a:t>
+              <a:t>PIP</a:t>
+            </a:r>
+            <a:r>
+              <a:rPr lang="en-US" sz="2000" i="1" dirty="0">
+                <a:latin typeface="Euclid Circular B" panose="020B0504000000000000" pitchFamily="34" charset="0"/>
+                <a:ea typeface="Euclid Circular B" panose="020B0504000000000000" pitchFamily="34" charset="0"/>
+              </a:rPr>
+              <a:t>: Policy Information Point</a:t>
+            </a:r>
+          </a:p>
+          <a:p>
+            <a:pPr marL="457200" lvl="1" indent="0">
+              <a:buFont typeface="Arial" panose="020B0604020202020204" pitchFamily="34" charset="0"/>
+              <a:buNone/>
+            </a:pPr>
+            <a:r>
+              <a:rPr lang="en-US" sz="1800" dirty="0">
+                <a:latin typeface="Euclid Circular B" panose="020B0504000000000000" pitchFamily="34" charset="0"/>
+                <a:ea typeface="Euclid Circular B" panose="020B0504000000000000" pitchFamily="34" charset="0"/>
+              </a:rPr>
+              <a:t>Direct database access? Collect on-demand? Pre-duplicate?</a:t>
+            </a:r>
+          </a:p>
+        </p:txBody>
+      </p:sp>
+      <p:sp>
+        <p:nvSpPr>
+          <p:cNvPr id="18" name="Content Placeholder 2">
+            <a:extLst>
+              <a:ext uri="{FF2B5EF4-FFF2-40B4-BE49-F238E27FC236}">
+                <a16:creationId xmlns:a16="http://schemas.microsoft.com/office/drawing/2014/main" id="{2EBB8CEC-2FA4-E262-825B-F13B659A0776}"/>
+              </a:ext>
+            </a:extLst>
+          </p:cNvPr>
+          <p:cNvSpPr txBox="1">
+            <a:spLocks/>
+          </p:cNvSpPr>
+          <p:nvPr/>
+        </p:nvSpPr>
+        <p:spPr>
+          <a:xfrm>
+            <a:off x="1956019" y="5672300"/>
+            <a:ext cx="9533616" cy="1036847"/>
+          </a:xfrm>
+          <a:prstGeom prst="rect">
+            <a:avLst/>
+          </a:prstGeom>
+        </p:spPr>
+        <p:txBody>
+          <a:bodyPr vert="horz" lIns="91440" tIns="45720" rIns="91440" bIns="45720" rtlCol="0">
+            <a:noAutofit/>
+          </a:bodyPr>
+          <a:lstStyle>
+            <a:lvl1pPr marL="228600" indent="-228600" algn="l" defTabSz="914400" rtl="0" eaLnBrk="1" latinLnBrk="0" hangingPunct="1">
+              <a:lnSpc>
+                <a:spcPct val="90000"/>
+              </a:lnSpc>
+              <a:spcBef>
+                <a:spcPts val="1000"/>
+              </a:spcBef>
+              <a:buFont typeface="Arial" panose="020B0604020202020204" pitchFamily="34" charset="0"/>
+              <a:buChar char="•"/>
+              <a:defRPr sz="2800" kern="1200">
+                <a:solidFill>
+                  <a:schemeClr val="tx1"/>
+                </a:solidFill>
+                <a:latin typeface="+mn-lt"/>
+                <a:ea typeface="+mn-ea"/>
+                <a:cs typeface="+mn-cs"/>
+              </a:defRPr>
+            </a:lvl1pPr>
+            <a:lvl2pPr marL="685800" indent="-228600" algn="l" defTabSz="914400" rtl="0" eaLnBrk="1" latinLnBrk="0" hangingPunct="1">
+              <a:lnSpc>
+                <a:spcPct val="90000"/>
+              </a:lnSpc>
+              <a:spcBef>
+                <a:spcPts val="500"/>
+              </a:spcBef>
+              <a:buFont typeface="Arial" panose="020B0604020202020204" pitchFamily="34" charset="0"/>
+              <a:buChar char="•"/>
+              <a:defRPr sz="2400" kern="1200">
+                <a:solidFill>
+                  <a:schemeClr val="tx1"/>
+                </a:solidFill>
+                <a:latin typeface="+mn-lt"/>
+                <a:ea typeface="+mn-ea"/>
+                <a:cs typeface="+mn-cs"/>
+              </a:defRPr>
+            </a:lvl2pPr>
+            <a:lvl3pPr marL="1143000" indent="-228600" algn="l" defTabSz="914400" rtl="0" eaLnBrk="1" latinLnBrk="0" hangingPunct="1">
+              <a:lnSpc>
+                <a:spcPct val="90000"/>
+              </a:lnSpc>
+              <a:spcBef>
+                <a:spcPts val="500"/>
+              </a:spcBef>
+              <a:buFont typeface="Arial" panose="020B0604020202020204" pitchFamily="34" charset="0"/>
+              <a:buChar char="•"/>
+              <a:defRPr sz="2000" kern="1200">
+                <a:solidFill>
+                  <a:schemeClr val="tx1"/>
+                </a:solidFill>
+                <a:latin typeface="+mn-lt"/>
+                <a:ea typeface="+mn-ea"/>
+                <a:cs typeface="+mn-cs"/>
+              </a:defRPr>
+            </a:lvl3pPr>
+            <a:lvl4pPr marL="1600200" indent="-228600" algn="l" defTabSz="914400" rtl="0" eaLnBrk="1" latinLnBrk="0" hangingPunct="1">
+              <a:lnSpc>
+                <a:spcPct val="90000"/>
+              </a:lnSpc>
+              <a:spcBef>
+                <a:spcPts val="500"/>
+              </a:spcBef>
+              <a:buFont typeface="Arial" panose="020B0604020202020204" pitchFamily="34" charset="0"/>
+              <a:buChar char="•"/>
+              <a:defRPr sz="1800" kern="1200">
+                <a:solidFill>
+                  <a:schemeClr val="tx1"/>
+                </a:solidFill>
+                <a:latin typeface="+mn-lt"/>
+                <a:ea typeface="+mn-ea"/>
+                <a:cs typeface="+mn-cs"/>
+              </a:defRPr>
+            </a:lvl4pPr>
+            <a:lvl5pPr marL="2057400" indent="-228600" algn="l" defTabSz="914400" rtl="0" eaLnBrk="1" latinLnBrk="0" hangingPunct="1">
+              <a:lnSpc>
+                <a:spcPct val="90000"/>
+              </a:lnSpc>
+              <a:spcBef>
+                <a:spcPts val="500"/>
+              </a:spcBef>
+              <a:buFont typeface="Arial" panose="020B0604020202020204" pitchFamily="34" charset="0"/>
+              <a:buChar char="•"/>
+              <a:defRPr sz="1800" kern="1200">
+                <a:solidFill>
+                  <a:schemeClr val="tx1"/>
+                </a:solidFill>
+                <a:latin typeface="+mn-lt"/>
+                <a:ea typeface="+mn-ea"/>
+                <a:cs typeface="+mn-cs"/>
+              </a:defRPr>
+            </a:lvl5pPr>
+            <a:lvl6pPr marL="2514600" indent="-228600" algn="l" defTabSz="914400" rtl="0" eaLnBrk="1" latinLnBrk="0" hangingPunct="1">
+              <a:lnSpc>
+                <a:spcPct val="90000"/>
+              </a:lnSpc>
+              <a:spcBef>
+                <a:spcPts val="500"/>
+              </a:spcBef>
+              <a:buFont typeface="Arial" panose="020B0604020202020204" pitchFamily="34" charset="0"/>
+              <a:buChar char="•"/>
+              <a:defRPr sz="1800" kern="1200">
+                <a:solidFill>
+                  <a:schemeClr val="tx1"/>
+                </a:solidFill>
+                <a:latin typeface="+mn-lt"/>
+                <a:ea typeface="+mn-ea"/>
+                <a:cs typeface="+mn-cs"/>
+              </a:defRPr>
+            </a:lvl6pPr>
+            <a:lvl7pPr marL="2971800" indent="-228600" algn="l" defTabSz="914400" rtl="0" eaLnBrk="1" latinLnBrk="0" hangingPunct="1">
+              <a:lnSpc>
+                <a:spcPct val="90000"/>
+              </a:lnSpc>
+              <a:spcBef>
+                <a:spcPts val="500"/>
+              </a:spcBef>
+              <a:buFont typeface="Arial" panose="020B0604020202020204" pitchFamily="34" charset="0"/>
+              <a:buChar char="•"/>
+              <a:defRPr sz="1800" kern="1200">
+                <a:solidFill>
+                  <a:schemeClr val="tx1"/>
+                </a:solidFill>
+                <a:latin typeface="+mn-lt"/>
+                <a:ea typeface="+mn-ea"/>
+                <a:cs typeface="+mn-cs"/>
+              </a:defRPr>
+            </a:lvl7pPr>
+            <a:lvl8pPr marL="3429000" indent="-228600" algn="l" defTabSz="914400" rtl="0" eaLnBrk="1" latinLnBrk="0" hangingPunct="1">
+              <a:lnSpc>
+                <a:spcPct val="90000"/>
+              </a:lnSpc>
+              <a:spcBef>
+                <a:spcPts val="500"/>
+              </a:spcBef>
+              <a:buFont typeface="Arial" panose="020B0604020202020204" pitchFamily="34" charset="0"/>
+              <a:buChar char="•"/>
+              <a:defRPr sz="1800" kern="1200">
+                <a:solidFill>
+                  <a:schemeClr val="tx1"/>
+                </a:solidFill>
+                <a:latin typeface="+mn-lt"/>
+                <a:ea typeface="+mn-ea"/>
+                <a:cs typeface="+mn-cs"/>
+              </a:defRPr>
+            </a:lvl8pPr>
+            <a:lvl9pPr marL="3886200" indent="-228600" algn="l" defTabSz="914400" rtl="0" eaLnBrk="1" latinLnBrk="0" hangingPunct="1">
+              <a:lnSpc>
+                <a:spcPct val="90000"/>
+              </a:lnSpc>
+              <a:spcBef>
+                <a:spcPts val="500"/>
+              </a:spcBef>
+              <a:buFont typeface="Arial" panose="020B0604020202020204" pitchFamily="34" charset="0"/>
+              <a:buChar char="•"/>
+              <a:defRPr sz="1800" kern="1200">
+                <a:solidFill>
+                  <a:schemeClr val="tx1"/>
+                </a:solidFill>
+                <a:latin typeface="+mn-lt"/>
+                <a:ea typeface="+mn-ea"/>
+                <a:cs typeface="+mn-cs"/>
+              </a:defRPr>
+            </a:lvl9pPr>
+          </a:lstStyle>
+          <a:p>
+            <a:pPr marL="0" indent="0">
+              <a:buFont typeface="Arial" panose="020B0604020202020204" pitchFamily="34" charset="0"/>
+              <a:buNone/>
+            </a:pPr>
+            <a:r>
+              <a:rPr lang="en-US" sz="2000" b="1" dirty="0">
+                <a:latin typeface="Euclid Circular B" panose="020B0504000000000000" pitchFamily="34" charset="0"/>
+                <a:ea typeface="Euclid Circular B" panose="020B0504000000000000" pitchFamily="34" charset="0"/>
+              </a:rPr>
+              <a:t>Where </a:t>
+            </a:r>
+            <a:r>
+              <a:rPr lang="en-US" sz="2000" dirty="0">
+                <a:latin typeface="Euclid Circular B" panose="020B0504000000000000" pitchFamily="34" charset="0"/>
+                <a:ea typeface="Euclid Circular B" panose="020B0504000000000000" pitchFamily="34" charset="0"/>
+              </a:rPr>
+              <a:t>and </a:t>
+            </a:r>
+            <a:r>
+              <a:rPr lang="en-US" sz="2000" b="1" dirty="0">
+                <a:latin typeface="Euclid Circular B" panose="020B0504000000000000" pitchFamily="34" charset="0"/>
+                <a:ea typeface="Euclid Circular B" panose="020B0504000000000000" pitchFamily="34" charset="0"/>
+              </a:rPr>
+              <a:t>how </a:t>
+            </a:r>
+            <a:r>
+              <a:rPr lang="en-US" sz="2000" dirty="0">
+                <a:latin typeface="Euclid Circular B" panose="020B0504000000000000" pitchFamily="34" charset="0"/>
+                <a:ea typeface="Euclid Circular B" panose="020B0504000000000000" pitchFamily="34" charset="0"/>
+              </a:rPr>
+              <a:t>to manage policies and permissions?</a:t>
             </a:r>
             <a:br>
-              <a:rPr lang="en-US" dirty="0">
+              <a:rPr lang="en-US" sz="2000" dirty="0">
                 <a:latin typeface="Euclid Circular B" panose="020B0504000000000000" pitchFamily="34" charset="0"/>
                 <a:ea typeface="Euclid Circular B" panose="020B0504000000000000" pitchFamily="34" charset="0"/>
               </a:rPr>
             </a:br>
-            <a:endParaRPr lang="en-US" dirty="0">
-              <a:latin typeface="Euclid Circular B" panose="020B0504000000000000" pitchFamily="34" charset="0"/>
-              <a:ea typeface="Euclid Circular B" panose="020B0504000000000000" pitchFamily="34" charset="0"/>
-            </a:endParaRPr>
-          </a:p>
-          <a:p>
-            <a:r>
-              <a:rPr lang="en-US" b="1" dirty="0">
-                <a:latin typeface="Euclid Circular B" panose="020B0504000000000000" pitchFamily="34" charset="0"/>
-                <a:ea typeface="Euclid Circular B" panose="020B0504000000000000" pitchFamily="34" charset="0"/>
-              </a:rPr>
-              <a:t>Where </a:t>
-            </a:r>
-            <a:r>
-              <a:rPr lang="en-US" dirty="0">
-                <a:latin typeface="Euclid Circular B" panose="020B0504000000000000" pitchFamily="34" charset="0"/>
-                <a:ea typeface="Euclid Circular B" panose="020B0504000000000000" pitchFamily="34" charset="0"/>
-              </a:rPr>
-              <a:t>and </a:t>
-            </a:r>
-            <a:r>
-              <a:rPr lang="en-US" b="1" dirty="0">
-                <a:latin typeface="Euclid Circular B" panose="020B0504000000000000" pitchFamily="34" charset="0"/>
-                <a:ea typeface="Euclid Circular B" panose="020B0504000000000000" pitchFamily="34" charset="0"/>
-              </a:rPr>
-              <a:t>how </a:t>
-            </a:r>
-            <a:r>
-              <a:rPr lang="en-US" dirty="0">
-                <a:latin typeface="Euclid Circular B" panose="020B0504000000000000" pitchFamily="34" charset="0"/>
-                <a:ea typeface="Euclid Circular B" panose="020B0504000000000000" pitchFamily="34" charset="0"/>
-              </a:rPr>
-              <a:t>to </a:t>
-            </a:r>
-            <a:r>
-              <a:rPr lang="en-US" b="1" dirty="0">
-                <a:latin typeface="Euclid Circular B" panose="020B0504000000000000" pitchFamily="34" charset="0"/>
-                <a:ea typeface="Euclid Circular B" panose="020B0504000000000000" pitchFamily="34" charset="0"/>
-              </a:rPr>
-              <a:t>obtain the data </a:t>
-            </a:r>
-            <a:r>
-              <a:rPr lang="en-US" dirty="0">
-                <a:latin typeface="Euclid Circular B" panose="020B0504000000000000" pitchFamily="34" charset="0"/>
-                <a:ea typeface="Euclid Circular B" panose="020B0504000000000000" pitchFamily="34" charset="0"/>
-              </a:rPr>
-              <a:t>to perform the authorization logic?</a:t>
-            </a:r>
-            <a:br>
-              <a:rPr lang="en-US" dirty="0">
-                <a:latin typeface="Euclid Circular B" panose="020B0504000000000000" pitchFamily="34" charset="0"/>
-                <a:ea typeface="Euclid Circular B" panose="020B0504000000000000" pitchFamily="34" charset="0"/>
-              </a:rPr>
-            </a:br>
-            <a:r>
-              <a:rPr lang="en-US" b="1" i="1" dirty="0">
+            <a:r>
+              <a:rPr lang="en-US" sz="2000" b="1" i="1" dirty="0">
                 <a:solidFill>
                   <a:srgbClr val="0070C0"/>
                 </a:solidFill>
                 <a:latin typeface="Euclid Circular B" panose="020B0504000000000000" pitchFamily="34" charset="0"/>
                 <a:ea typeface="Euclid Circular B" panose="020B0504000000000000" pitchFamily="34" charset="0"/>
               </a:rPr>
-              <a:t>PIP</a:t>
-            </a:r>
-            <a:r>
-              <a:rPr lang="en-US" i="1" dirty="0">
-                <a:latin typeface="Euclid Circular B" panose="020B0504000000000000" pitchFamily="34" charset="0"/>
-                <a:ea typeface="Euclid Circular B" panose="020B0504000000000000" pitchFamily="34" charset="0"/>
-              </a:rPr>
-              <a:t>: Policy Information Point</a:t>
-            </a:r>
-          </a:p>
-          <a:p>
-            <a:pPr lvl="1"/>
-            <a:r>
-              <a:rPr lang="en-US" dirty="0">
-                <a:latin typeface="Euclid Circular B" panose="020B0504000000000000" pitchFamily="34" charset="0"/>
-                <a:ea typeface="Euclid Circular B" panose="020B0504000000000000" pitchFamily="34" charset="0"/>
-              </a:rPr>
-              <a:t>Direct database access? Collect on-demand? Pre-duplicate?</a:t>
-            </a:r>
-            <a:br>
-              <a:rPr lang="en-US" dirty="0">
-                <a:latin typeface="Euclid Circular B" panose="020B0504000000000000" pitchFamily="34" charset="0"/>
-                <a:ea typeface="Euclid Circular B" panose="020B0504000000000000" pitchFamily="34" charset="0"/>
-              </a:rPr>
-            </a:br>
-            <a:endParaRPr lang="en-US" dirty="0">
-              <a:latin typeface="Euclid Circular B" panose="020B0504000000000000" pitchFamily="34" charset="0"/>
-              <a:ea typeface="Euclid Circular B" panose="020B0504000000000000" pitchFamily="34" charset="0"/>
-            </a:endParaRPr>
-          </a:p>
-          <a:p>
-            <a:r>
-              <a:rPr lang="en-US" b="1" dirty="0">
-                <a:latin typeface="Euclid Circular B" panose="020B0504000000000000" pitchFamily="34" charset="0"/>
-                <a:ea typeface="Euclid Circular B" panose="020B0504000000000000" pitchFamily="34" charset="0"/>
-              </a:rPr>
-              <a:t>Where </a:t>
-            </a:r>
-            <a:r>
-              <a:rPr lang="en-US" dirty="0">
-                <a:latin typeface="Euclid Circular B" panose="020B0504000000000000" pitchFamily="34" charset="0"/>
-                <a:ea typeface="Euclid Circular B" panose="020B0504000000000000" pitchFamily="34" charset="0"/>
-              </a:rPr>
-              <a:t>and </a:t>
-            </a:r>
-            <a:r>
-              <a:rPr lang="en-US" b="1" dirty="0">
-                <a:latin typeface="Euclid Circular B" panose="020B0504000000000000" pitchFamily="34" charset="0"/>
-                <a:ea typeface="Euclid Circular B" panose="020B0504000000000000" pitchFamily="34" charset="0"/>
-              </a:rPr>
-              <a:t>how </a:t>
-            </a:r>
-            <a:r>
-              <a:rPr lang="en-US" dirty="0">
-                <a:latin typeface="Euclid Circular B" panose="020B0504000000000000" pitchFamily="34" charset="0"/>
-                <a:ea typeface="Euclid Circular B" panose="020B0504000000000000" pitchFamily="34" charset="0"/>
-              </a:rPr>
-              <a:t>to manage policies and permissions?</a:t>
-            </a:r>
-            <a:br>
-              <a:rPr lang="en-US" dirty="0">
-                <a:latin typeface="Euclid Circular B" panose="020B0504000000000000" pitchFamily="34" charset="0"/>
-                <a:ea typeface="Euclid Circular B" panose="020B0504000000000000" pitchFamily="34" charset="0"/>
-              </a:rPr>
-            </a:br>
-            <a:r>
-              <a:rPr lang="en-US" b="1" i="1" dirty="0">
-                <a:solidFill>
-                  <a:srgbClr val="0070C0"/>
-                </a:solidFill>
-                <a:latin typeface="Euclid Circular B" panose="020B0504000000000000" pitchFamily="34" charset="0"/>
-                <a:ea typeface="Euclid Circular B" panose="020B0504000000000000" pitchFamily="34" charset="0"/>
-              </a:rPr>
               <a:t>PAP</a:t>
             </a:r>
             <a:r>
-              <a:rPr lang="en-US" i="1" dirty="0">
+              <a:rPr lang="en-US" sz="2000" i="1" dirty="0">
                 <a:latin typeface="Euclid Circular B" panose="020B0504000000000000" pitchFamily="34" charset="0"/>
                 <a:ea typeface="Euclid Circular B" panose="020B0504000000000000" pitchFamily="34" charset="0"/>
               </a:rPr>
@@ -20369,9 +21100,12 @@
             </a:r>
           </a:p>
           <a:p>
-            <a:pPr lvl="1"/>
-            <a:r>
-              <a:rPr lang="en-US" dirty="0">
+            <a:pPr marL="457200" lvl="1" indent="0">
+              <a:buFont typeface="Arial" panose="020B0604020202020204" pitchFamily="34" charset="0"/>
+              <a:buNone/>
+            </a:pPr>
+            <a:r>
+              <a:rPr lang="en-US" sz="1800" dirty="0">
                 <a:latin typeface="Euclid Circular B" panose="020B0504000000000000" pitchFamily="34" charset="0"/>
                 <a:ea typeface="Euclid Circular B" panose="020B0504000000000000" pitchFamily="34" charset="0"/>
               </a:rPr>
@@ -20411,7 +21145,7 @@
                             </p:stCondLst>
                             <p:childTnLst>
                               <p:par>
-                                <p:cTn id="5" presetID="10" presetClass="entr" presetSubtype="0" fill="hold" nodeType="clickEffect">
+                                <p:cTn id="5" presetID="10" presetClass="entr" presetSubtype="0" fill="hold" grpId="0" nodeType="clickEffect">
                                   <p:stCondLst>
                                     <p:cond delay="0"/>
                                   </p:stCondLst>
@@ -20447,6 +21181,84 @@
                                               <p:pRg st="0" end="0"/>
                                             </p:txEl>
                                           </p:spTgt>
+                                        </p:tgtEl>
+                                      </p:cBhvr>
+                                    </p:animEffect>
+                                  </p:childTnLst>
+                                </p:cTn>
+                              </p:par>
+                              <p:par>
+                                <p:cTn id="8" presetID="10" presetClass="entr" presetSubtype="0" fill="hold" grpId="0" nodeType="withEffect">
+                                  <p:stCondLst>
+                                    <p:cond delay="0"/>
+                                  </p:stCondLst>
+                                  <p:childTnLst>
+                                    <p:set>
+                                      <p:cBhvr>
+                                        <p:cTn id="9" dur="1" fill="hold">
+                                          <p:stCondLst>
+                                            <p:cond delay="0"/>
+                                          </p:stCondLst>
+                                        </p:cTn>
+                                        <p:tgtEl>
+                                          <p:spTgt spid="3">
+                                            <p:txEl>
+                                              <p:pRg st="1" end="1"/>
+                                            </p:txEl>
+                                          </p:spTgt>
+                                        </p:tgtEl>
+                                        <p:attrNameLst>
+                                          <p:attrName>style.visibility</p:attrName>
+                                        </p:attrNameLst>
+                                      </p:cBhvr>
+                                      <p:to>
+                                        <p:strVal val="visible"/>
+                                      </p:to>
+                                    </p:set>
+                                    <p:animEffect transition="in" filter="fade">
+                                      <p:cBhvr>
+                                        <p:cTn id="10" dur="500"/>
+                                        <p:tgtEl>
+                                          <p:spTgt spid="3">
+                                            <p:txEl>
+                                              <p:pRg st="1" end="1"/>
+                                            </p:txEl>
+                                          </p:spTgt>
+                                        </p:tgtEl>
+                                      </p:cBhvr>
+                                    </p:animEffect>
+                                  </p:childTnLst>
+                                </p:cTn>
+                              </p:par>
+                              <p:par>
+                                <p:cTn id="11" presetID="10" presetClass="entr" presetSubtype="0" fill="hold" nodeType="withEffect">
+                                  <p:stCondLst>
+                                    <p:cond delay="0"/>
+                                  </p:stCondLst>
+                                  <p:childTnLst>
+                                    <p:set>
+                                      <p:cBhvr>
+                                        <p:cTn id="12" dur="1" fill="hold">
+                                          <p:stCondLst>
+                                            <p:cond delay="0"/>
+                                          </p:stCondLst>
+                                        </p:cTn>
+                                        <p:tgtEl>
+                                          <p:spTgt spid="11"/>
+                                        </p:tgtEl>
+                                        <p:attrNameLst>
+                                          <p:attrName>style.visibility</p:attrName>
+                                        </p:attrNameLst>
+                                      </p:cBhvr>
+                                      <p:to>
+                                        <p:strVal val="visible"/>
+                                      </p:to>
+                                    </p:set>
+                                    <p:animEffect transition="in" filter="fade">
+                                      <p:cBhvr>
+                                        <p:cTn id="13" dur="500"/>
+                                        <p:tgtEl>
+                                          <p:spTgt spid="11"/>
                                         </p:tgtEl>
                                       </p:cBhvr>
                                     </p:animEffect>
@@ -20460,36 +21272,32 @@
                     </p:cTn>
                   </p:par>
                   <p:par>
-                    <p:cTn id="8" fill="hold">
+                    <p:cTn id="14" fill="hold">
                       <p:stCondLst>
                         <p:cond delay="indefinite"/>
                       </p:stCondLst>
                       <p:childTnLst>
                         <p:par>
-                          <p:cTn id="9" fill="hold">
+                          <p:cTn id="15" fill="hold">
                             <p:stCondLst>
                               <p:cond delay="0"/>
                             </p:stCondLst>
                             <p:childTnLst>
                               <p:par>
-                                <p:cTn id="10" presetID="10" presetClass="entr" presetSubtype="0" fill="hold" nodeType="clickEffect">
+                                <p:cTn id="16" presetID="10" presetClass="entr" presetSubtype="0" fill="hold" grpId="0" nodeType="clickEffect">
                                   <p:stCondLst>
                                     <p:cond delay="0"/>
                                   </p:stCondLst>
                                   <p:childTnLst>
                                     <p:set>
                                       <p:cBhvr>
-                                        <p:cTn id="11" dur="1" fill="hold">
+                                        <p:cTn id="17" dur="1" fill="hold">
                                           <p:stCondLst>
                                             <p:cond delay="0"/>
                                           </p:stCondLst>
                                         </p:cTn>
                                         <p:tgtEl>
-                                          <p:spTgt spid="3">
-                                            <p:txEl>
-                                              <p:pRg st="1" end="1"/>
-                                            </p:txEl>
-                                          </p:spTgt>
+                                          <p:spTgt spid="16"/>
                                         </p:tgtEl>
                                         <p:attrNameLst>
                                           <p:attrName>style.visibility</p:attrName>
@@ -20501,13 +21309,44 @@
                                     </p:set>
                                     <p:animEffect transition="in" filter="fade">
                                       <p:cBhvr>
-                                        <p:cTn id="12" dur="500"/>
-                                        <p:tgtEl>
-                                          <p:spTgt spid="3">
-                                            <p:txEl>
-                                              <p:pRg st="1" end="1"/>
-                                            </p:txEl>
-                                          </p:spTgt>
+                                        <p:cTn id="18" dur="500"/>
+                                        <p:tgtEl>
+                                          <p:spTgt spid="16"/>
+                                        </p:tgtEl>
+                                      </p:cBhvr>
+                                    </p:animEffect>
+                                  </p:childTnLst>
+                                </p:cTn>
+                              </p:par>
+                              <p:par>
+                                <p:cTn id="19" presetID="10" presetClass="entr" presetSubtype="0" fill="hold" nodeType="withEffect">
+                                  <p:stCondLst>
+                                    <p:cond delay="0"/>
+                                  </p:stCondLst>
+                                  <p:childTnLst>
+                                    <p:set>
+                                      <p:cBhvr>
+                                        <p:cTn id="20" dur="1" fill="hold">
+                                          <p:stCondLst>
+                                            <p:cond delay="0"/>
+                                          </p:stCondLst>
+                                        </p:cTn>
+                                        <p:tgtEl>
+                                          <p:spTgt spid="9"/>
+                                        </p:tgtEl>
+                                        <p:attrNameLst>
+                                          <p:attrName>style.visibility</p:attrName>
+                                        </p:attrNameLst>
+                                      </p:cBhvr>
+                                      <p:to>
+                                        <p:strVal val="visible"/>
+                                      </p:to>
+                                    </p:set>
+                                    <p:animEffect transition="in" filter="fade">
+                                      <p:cBhvr>
+                                        <p:cTn id="21" dur="500"/>
+                                        <p:tgtEl>
+                                          <p:spTgt spid="9"/>
                                         </p:tgtEl>
                                       </p:cBhvr>
                                     </p:animEffect>
@@ -20521,36 +21360,32 @@
                     </p:cTn>
                   </p:par>
                   <p:par>
-                    <p:cTn id="13" fill="hold">
+                    <p:cTn id="22" fill="hold">
                       <p:stCondLst>
                         <p:cond delay="indefinite"/>
                       </p:stCondLst>
                       <p:childTnLst>
                         <p:par>
-                          <p:cTn id="14" fill="hold">
+                          <p:cTn id="23" fill="hold">
                             <p:stCondLst>
                               <p:cond delay="0"/>
                             </p:stCondLst>
                             <p:childTnLst>
                               <p:par>
-                                <p:cTn id="15" presetID="10" presetClass="entr" presetSubtype="0" fill="hold" nodeType="clickEffect">
+                                <p:cTn id="24" presetID="10" presetClass="entr" presetSubtype="0" fill="hold" grpId="0" nodeType="clickEffect">
                                   <p:stCondLst>
                                     <p:cond delay="0"/>
                                   </p:stCondLst>
                                   <p:childTnLst>
                                     <p:set>
                                       <p:cBhvr>
-                                        <p:cTn id="16" dur="1" fill="hold">
+                                        <p:cTn id="25" dur="1" fill="hold">
                                           <p:stCondLst>
                                             <p:cond delay="0"/>
                                           </p:stCondLst>
                                         </p:cTn>
                                         <p:tgtEl>
-                                          <p:spTgt spid="3">
-                                            <p:txEl>
-                                              <p:pRg st="2" end="2"/>
-                                            </p:txEl>
-                                          </p:spTgt>
+                                          <p:spTgt spid="17"/>
                                         </p:tgtEl>
                                         <p:attrNameLst>
                                           <p:attrName>style.visibility</p:attrName>
@@ -20562,13 +21397,44 @@
                                     </p:set>
                                     <p:animEffect transition="in" filter="fade">
                                       <p:cBhvr>
-                                        <p:cTn id="17" dur="500"/>
-                                        <p:tgtEl>
-                                          <p:spTgt spid="3">
-                                            <p:txEl>
-                                              <p:pRg st="2" end="2"/>
-                                            </p:txEl>
-                                          </p:spTgt>
+                                        <p:cTn id="26" dur="500"/>
+                                        <p:tgtEl>
+                                          <p:spTgt spid="17"/>
+                                        </p:tgtEl>
+                                      </p:cBhvr>
+                                    </p:animEffect>
+                                  </p:childTnLst>
+                                </p:cTn>
+                              </p:par>
+                              <p:par>
+                                <p:cTn id="27" presetID="10" presetClass="entr" presetSubtype="0" fill="hold" nodeType="withEffect">
+                                  <p:stCondLst>
+                                    <p:cond delay="0"/>
+                                  </p:stCondLst>
+                                  <p:childTnLst>
+                                    <p:set>
+                                      <p:cBhvr>
+                                        <p:cTn id="28" dur="1" fill="hold">
+                                          <p:stCondLst>
+                                            <p:cond delay="0"/>
+                                          </p:stCondLst>
+                                        </p:cTn>
+                                        <p:tgtEl>
+                                          <p:spTgt spid="7"/>
+                                        </p:tgtEl>
+                                        <p:attrNameLst>
+                                          <p:attrName>style.visibility</p:attrName>
+                                        </p:attrNameLst>
+                                      </p:cBhvr>
+                                      <p:to>
+                                        <p:strVal val="visible"/>
+                                      </p:to>
+                                    </p:set>
+                                    <p:animEffect transition="in" filter="fade">
+                                      <p:cBhvr>
+                                        <p:cTn id="29" dur="500"/>
+                                        <p:tgtEl>
+                                          <p:spTgt spid="7"/>
                                         </p:tgtEl>
                                       </p:cBhvr>
                                     </p:animEffect>
@@ -20582,36 +21448,32 @@
                     </p:cTn>
                   </p:par>
                   <p:par>
-                    <p:cTn id="18" fill="hold">
+                    <p:cTn id="30" fill="hold">
                       <p:stCondLst>
                         <p:cond delay="indefinite"/>
                       </p:stCondLst>
                       <p:childTnLst>
                         <p:par>
-                          <p:cTn id="19" fill="hold">
+                          <p:cTn id="31" fill="hold">
                             <p:stCondLst>
                               <p:cond delay="0"/>
                             </p:stCondLst>
                             <p:childTnLst>
                               <p:par>
-                                <p:cTn id="20" presetID="10" presetClass="entr" presetSubtype="0" fill="hold" nodeType="clickEffect">
+                                <p:cTn id="32" presetID="10" presetClass="entr" presetSubtype="0" fill="hold" grpId="0" nodeType="clickEffect">
                                   <p:stCondLst>
                                     <p:cond delay="0"/>
                                   </p:stCondLst>
                                   <p:childTnLst>
                                     <p:set>
                                       <p:cBhvr>
-                                        <p:cTn id="21" dur="1" fill="hold">
+                                        <p:cTn id="33" dur="1" fill="hold">
                                           <p:stCondLst>
                                             <p:cond delay="0"/>
                                           </p:stCondLst>
                                         </p:cTn>
                                         <p:tgtEl>
-                                          <p:spTgt spid="3">
-                                            <p:txEl>
-                                              <p:pRg st="3" end="3"/>
-                                            </p:txEl>
-                                          </p:spTgt>
+                                          <p:spTgt spid="18"/>
                                         </p:tgtEl>
                                         <p:attrNameLst>
                                           <p:attrName>style.visibility</p:attrName>
@@ -20623,56 +21485,30 @@
                                     </p:set>
                                     <p:animEffect transition="in" filter="fade">
                                       <p:cBhvr>
-                                        <p:cTn id="22" dur="500"/>
-                                        <p:tgtEl>
-                                          <p:spTgt spid="3">
-                                            <p:txEl>
-                                              <p:pRg st="3" end="3"/>
-                                            </p:txEl>
-                                          </p:spTgt>
+                                        <p:cTn id="34" dur="500"/>
+                                        <p:tgtEl>
+                                          <p:spTgt spid="18"/>
                                         </p:tgtEl>
                                       </p:cBhvr>
                                     </p:animEffect>
                                   </p:childTnLst>
                                 </p:cTn>
                               </p:par>
-                            </p:childTnLst>
-                          </p:cTn>
-                        </p:par>
-                      </p:childTnLst>
-                    </p:cTn>
-                  </p:par>
-                  <p:par>
-                    <p:cTn id="23" fill="hold">
-                      <p:stCondLst>
-                        <p:cond delay="indefinite"/>
-                      </p:stCondLst>
-                      <p:childTnLst>
-                        <p:par>
-                          <p:cTn id="24" fill="hold">
-                            <p:stCondLst>
-                              <p:cond delay="0"/>
-                            </p:stCondLst>
-                            <p:childTnLst>
                               <p:par>
-                                <p:cTn id="25" presetID="10" presetClass="entr" presetSubtype="0" fill="hold" nodeType="clickEffect">
+                                <p:cTn id="35" presetID="10" presetClass="entr" presetSubtype="0" fill="hold" nodeType="withEffect">
                                   <p:stCondLst>
                                     <p:cond delay="0"/>
                                   </p:stCondLst>
                                   <p:childTnLst>
                                     <p:set>
                                       <p:cBhvr>
-                                        <p:cTn id="26" dur="1" fill="hold">
+                                        <p:cTn id="36" dur="1" fill="hold">
                                           <p:stCondLst>
                                             <p:cond delay="0"/>
                                           </p:stCondLst>
                                         </p:cTn>
                                         <p:tgtEl>
-                                          <p:spTgt spid="3">
-                                            <p:txEl>
-                                              <p:pRg st="4" end="4"/>
-                                            </p:txEl>
-                                          </p:spTgt>
+                                          <p:spTgt spid="5"/>
                                         </p:tgtEl>
                                         <p:attrNameLst>
                                           <p:attrName>style.visibility</p:attrName>
@@ -20684,196 +21520,9 @@
                                     </p:set>
                                     <p:animEffect transition="in" filter="fade">
                                       <p:cBhvr>
-                                        <p:cTn id="27" dur="500"/>
-                                        <p:tgtEl>
-                                          <p:spTgt spid="3">
-                                            <p:txEl>
-                                              <p:pRg st="4" end="4"/>
-                                            </p:txEl>
-                                          </p:spTgt>
-                                        </p:tgtEl>
-                                      </p:cBhvr>
-                                    </p:animEffect>
-                                  </p:childTnLst>
-                                </p:cTn>
-                              </p:par>
-                            </p:childTnLst>
-                          </p:cTn>
-                        </p:par>
-                      </p:childTnLst>
-                    </p:cTn>
-                  </p:par>
-                  <p:par>
-                    <p:cTn id="28" fill="hold">
-                      <p:stCondLst>
-                        <p:cond delay="indefinite"/>
-                      </p:stCondLst>
-                      <p:childTnLst>
-                        <p:par>
-                          <p:cTn id="29" fill="hold">
-                            <p:stCondLst>
-                              <p:cond delay="0"/>
-                            </p:stCondLst>
-                            <p:childTnLst>
-                              <p:par>
-                                <p:cTn id="30" presetID="10" presetClass="entr" presetSubtype="0" fill="hold" nodeType="clickEffect">
-                                  <p:stCondLst>
-                                    <p:cond delay="0"/>
-                                  </p:stCondLst>
-                                  <p:childTnLst>
-                                    <p:set>
-                                      <p:cBhvr>
-                                        <p:cTn id="31" dur="1" fill="hold">
-                                          <p:stCondLst>
-                                            <p:cond delay="0"/>
-                                          </p:stCondLst>
-                                        </p:cTn>
-                                        <p:tgtEl>
-                                          <p:spTgt spid="3">
-                                            <p:txEl>
-                                              <p:pRg st="5" end="5"/>
-                                            </p:txEl>
-                                          </p:spTgt>
-                                        </p:tgtEl>
-                                        <p:attrNameLst>
-                                          <p:attrName>style.visibility</p:attrName>
-                                        </p:attrNameLst>
-                                      </p:cBhvr>
-                                      <p:to>
-                                        <p:strVal val="visible"/>
-                                      </p:to>
-                                    </p:set>
-                                    <p:animEffect transition="in" filter="fade">
-                                      <p:cBhvr>
-                                        <p:cTn id="32" dur="500"/>
-                                        <p:tgtEl>
-                                          <p:spTgt spid="3">
-                                            <p:txEl>
-                                              <p:pRg st="5" end="5"/>
-                                            </p:txEl>
-                                          </p:spTgt>
-                                        </p:tgtEl>
-                                      </p:cBhvr>
-                                    </p:animEffect>
-                                  </p:childTnLst>
-                                </p:cTn>
-                              </p:par>
-                            </p:childTnLst>
-                          </p:cTn>
-                        </p:par>
-                      </p:childTnLst>
-                    </p:cTn>
-                  </p:par>
-                  <p:par>
-                    <p:cTn id="33" fill="hold">
-                      <p:stCondLst>
-                        <p:cond delay="indefinite"/>
-                      </p:stCondLst>
-                      <p:childTnLst>
-                        <p:par>
-                          <p:cTn id="34" fill="hold">
-                            <p:stCondLst>
-                              <p:cond delay="0"/>
-                            </p:stCondLst>
-                            <p:childTnLst>
-                              <p:par>
-                                <p:cTn id="35" presetID="10" presetClass="entr" presetSubtype="0" fill="hold" nodeType="clickEffect">
-                                  <p:stCondLst>
-                                    <p:cond delay="0"/>
-                                  </p:stCondLst>
-                                  <p:childTnLst>
-                                    <p:set>
-                                      <p:cBhvr>
-                                        <p:cTn id="36" dur="1" fill="hold">
-                                          <p:stCondLst>
-                                            <p:cond delay="0"/>
-                                          </p:stCondLst>
-                                        </p:cTn>
-                                        <p:tgtEl>
-                                          <p:spTgt spid="3">
-                                            <p:txEl>
-                                              <p:pRg st="6" end="6"/>
-                                            </p:txEl>
-                                          </p:spTgt>
-                                        </p:tgtEl>
-                                        <p:attrNameLst>
-                                          <p:attrName>style.visibility</p:attrName>
-                                        </p:attrNameLst>
-                                      </p:cBhvr>
-                                      <p:to>
-                                        <p:strVal val="visible"/>
-                                      </p:to>
-                                    </p:set>
-                                    <p:animEffect transition="in" filter="fade">
-                                      <p:cBhvr>
                                         <p:cTn id="37" dur="500"/>
                                         <p:tgtEl>
-                                          <p:spTgt spid="3">
-                                            <p:txEl>
-                                              <p:pRg st="6" end="6"/>
-                                            </p:txEl>
-                                          </p:spTgt>
-                                        </p:tgtEl>
-                                      </p:cBhvr>
-                                    </p:animEffect>
-                                  </p:childTnLst>
-                                </p:cTn>
-                              </p:par>
-                            </p:childTnLst>
-                          </p:cTn>
-                        </p:par>
-                      </p:childTnLst>
-                    </p:cTn>
-                  </p:par>
-                  <p:par>
-                    <p:cTn id="38" fill="hold">
-                      <p:stCondLst>
-                        <p:cond delay="indefinite"/>
-                      </p:stCondLst>
-                      <p:childTnLst>
-                        <p:par>
-                          <p:cTn id="39" fill="hold">
-                            <p:stCondLst>
-                              <p:cond delay="0"/>
-                            </p:stCondLst>
-                            <p:childTnLst>
-                              <p:par>
-                                <p:cTn id="40" presetID="10" presetClass="entr" presetSubtype="0" fill="hold" nodeType="clickEffect">
-                                  <p:stCondLst>
-                                    <p:cond delay="0"/>
-                                  </p:stCondLst>
-                                  <p:childTnLst>
-                                    <p:set>
-                                      <p:cBhvr>
-                                        <p:cTn id="41" dur="1" fill="hold">
-                                          <p:stCondLst>
-                                            <p:cond delay="0"/>
-                                          </p:stCondLst>
-                                        </p:cTn>
-                                        <p:tgtEl>
-                                          <p:spTgt spid="3">
-                                            <p:txEl>
-                                              <p:pRg st="7" end="7"/>
-                                            </p:txEl>
-                                          </p:spTgt>
-                                        </p:tgtEl>
-                                        <p:attrNameLst>
-                                          <p:attrName>style.visibility</p:attrName>
-                                        </p:attrNameLst>
-                                      </p:cBhvr>
-                                      <p:to>
-                                        <p:strVal val="visible"/>
-                                      </p:to>
-                                    </p:set>
-                                    <p:animEffect transition="in" filter="fade">
-                                      <p:cBhvr>
-                                        <p:cTn id="42" dur="500"/>
-                                        <p:tgtEl>
-                                          <p:spTgt spid="3">
-                                            <p:txEl>
-                                              <p:pRg st="7" end="7"/>
-                                            </p:txEl>
-                                          </p:spTgt>
+                                          <p:spTgt spid="5"/>
                                         </p:tgtEl>
                                       </p:cBhvr>
                                     </p:animEffect>
@@ -20907,6 +21556,12 @@
         </p:cTn>
       </p:par>
     </p:tnLst>
+    <p:bldLst>
+      <p:bldP spid="3" grpId="0" build="p"/>
+      <p:bldP spid="16" grpId="0"/>
+      <p:bldP spid="17" grpId="0"/>
+      <p:bldP spid="18" grpId="0"/>
+    </p:bldLst>
   </p:timing>
 </p:sld>
 </file>

--- a/2022-10-15 Authorization-In-Distributed-Systems/Authorization-In-Distributed-Systems-Short.pptx
+++ b/2022-10-15 Authorization-In-Distributed-Systems/Authorization-In-Distributed-Systems-Short.pptx
@@ -6,8 +6,8 @@
   </p:sldMasterIdLst>
   <p:sldIdLst>
     <p:sldId id="256" r:id="rId2"/>
-    <p:sldId id="297" r:id="rId3"/>
-    <p:sldId id="286" r:id="rId4"/>
+    <p:sldId id="286" r:id="rId3"/>
+    <p:sldId id="297" r:id="rId4"/>
     <p:sldId id="266" r:id="rId5"/>
     <p:sldId id="267" r:id="rId6"/>
     <p:sldId id="268" r:id="rId7"/>
@@ -30,7 +30,6 @@
     <p:sldId id="282" r:id="rId24"/>
     <p:sldId id="283" r:id="rId25"/>
     <p:sldId id="289" r:id="rId26"/>
-    <p:sldId id="287" r:id="rId27"/>
   </p:sldIdLst>
   <p:sldSz cx="12192000" cy="6858000"/>
   <p:notesSz cx="6858000" cy="9144000"/>
@@ -284,7 +283,7 @@
           <a:p>
             <a:fld id="{2A14C9FE-EBC3-45D3-899C-58AAF4F8AF71}" type="datetimeFigureOut">
               <a:rPr lang="en-US" smtClean="0"/>
-              <a:t>12-Oct-22</a:t>
+              <a:t>01-Nov-22</a:t>
             </a:fld>
             <a:endParaRPr lang="en-US"/>
           </a:p>
@@ -482,7 +481,7 @@
           <a:p>
             <a:fld id="{2A14C9FE-EBC3-45D3-899C-58AAF4F8AF71}" type="datetimeFigureOut">
               <a:rPr lang="en-US" smtClean="0"/>
-              <a:t>12-Oct-22</a:t>
+              <a:t>01-Nov-22</a:t>
             </a:fld>
             <a:endParaRPr lang="en-US"/>
           </a:p>
@@ -690,7 +689,7 @@
           <a:p>
             <a:fld id="{2A14C9FE-EBC3-45D3-899C-58AAF4F8AF71}" type="datetimeFigureOut">
               <a:rPr lang="en-US" smtClean="0"/>
-              <a:t>12-Oct-22</a:t>
+              <a:t>01-Nov-22</a:t>
             </a:fld>
             <a:endParaRPr lang="en-US"/>
           </a:p>
@@ -888,7 +887,7 @@
           <a:p>
             <a:fld id="{2A14C9FE-EBC3-45D3-899C-58AAF4F8AF71}" type="datetimeFigureOut">
               <a:rPr lang="en-US" smtClean="0"/>
-              <a:t>12-Oct-22</a:t>
+              <a:t>01-Nov-22</a:t>
             </a:fld>
             <a:endParaRPr lang="en-US"/>
           </a:p>
@@ -1163,7 +1162,7 @@
           <a:p>
             <a:fld id="{2A14C9FE-EBC3-45D3-899C-58AAF4F8AF71}" type="datetimeFigureOut">
               <a:rPr lang="en-US" smtClean="0"/>
-              <a:t>12-Oct-22</a:t>
+              <a:t>01-Nov-22</a:t>
             </a:fld>
             <a:endParaRPr lang="en-US"/>
           </a:p>
@@ -1428,7 +1427,7 @@
           <a:p>
             <a:fld id="{2A14C9FE-EBC3-45D3-899C-58AAF4F8AF71}" type="datetimeFigureOut">
               <a:rPr lang="en-US" smtClean="0"/>
-              <a:t>12-Oct-22</a:t>
+              <a:t>01-Nov-22</a:t>
             </a:fld>
             <a:endParaRPr lang="en-US"/>
           </a:p>
@@ -1840,7 +1839,7 @@
           <a:p>
             <a:fld id="{2A14C9FE-EBC3-45D3-899C-58AAF4F8AF71}" type="datetimeFigureOut">
               <a:rPr lang="en-US" smtClean="0"/>
-              <a:t>12-Oct-22</a:t>
+              <a:t>01-Nov-22</a:t>
             </a:fld>
             <a:endParaRPr lang="en-US"/>
           </a:p>
@@ -1981,7 +1980,7 @@
           <a:p>
             <a:fld id="{2A14C9FE-EBC3-45D3-899C-58AAF4F8AF71}" type="datetimeFigureOut">
               <a:rPr lang="en-US" smtClean="0"/>
-              <a:t>12-Oct-22</a:t>
+              <a:t>01-Nov-22</a:t>
             </a:fld>
             <a:endParaRPr lang="en-US"/>
           </a:p>
@@ -2094,7 +2093,7 @@
           <a:p>
             <a:fld id="{2A14C9FE-EBC3-45D3-899C-58AAF4F8AF71}" type="datetimeFigureOut">
               <a:rPr lang="en-US" smtClean="0"/>
-              <a:t>12-Oct-22</a:t>
+              <a:t>01-Nov-22</a:t>
             </a:fld>
             <a:endParaRPr lang="en-US"/>
           </a:p>
@@ -2405,7 +2404,7 @@
           <a:p>
             <a:fld id="{2A14C9FE-EBC3-45D3-899C-58AAF4F8AF71}" type="datetimeFigureOut">
               <a:rPr lang="en-US" smtClean="0"/>
-              <a:t>12-Oct-22</a:t>
+              <a:t>01-Nov-22</a:t>
             </a:fld>
             <a:endParaRPr lang="en-US"/>
           </a:p>
@@ -2693,7 +2692,7 @@
           <a:p>
             <a:fld id="{2A14C9FE-EBC3-45D3-899C-58AAF4F8AF71}" type="datetimeFigureOut">
               <a:rPr lang="en-US" smtClean="0"/>
-              <a:t>12-Oct-22</a:t>
+              <a:t>01-Nov-22</a:t>
             </a:fld>
             <a:endParaRPr lang="en-US"/>
           </a:p>
@@ -2934,7 +2933,7 @@
           <a:p>
             <a:fld id="{2A14C9FE-EBC3-45D3-899C-58AAF4F8AF71}" type="datetimeFigureOut">
               <a:rPr lang="en-US" smtClean="0"/>
-              <a:t>12-Oct-22</a:t>
+              <a:t>01-Nov-22</a:t>
             </a:fld>
             <a:endParaRPr lang="en-US"/>
           </a:p>
@@ -5551,7 +5550,7 @@
         </p:spPr>
         <p:txBody>
           <a:bodyPr>
-            <a:normAutofit/>
+            <a:normAutofit lnSpcReduction="10000"/>
           </a:bodyPr>
           <a:lstStyle/>
           <a:p>
@@ -5611,7 +5610,7 @@
                 <a:latin typeface="Euclid Circular B" panose="020B0504000000000000" pitchFamily="34" charset="0"/>
                 <a:ea typeface="Euclid Circular B" panose="020B0504000000000000" pitchFamily="34" charset="0"/>
               </a:rPr>
-              <a:t>Maps permissions with HTTP details</a:t>
+              <a:t>Maps permissions with HTTP details (like URL, HTTP method and HTTP headers)</a:t>
             </a:r>
           </a:p>
           <a:p>
@@ -5620,7 +5619,7 @@
                 <a:latin typeface="Euclid Circular B" panose="020B0504000000000000" pitchFamily="34" charset="0"/>
                 <a:ea typeface="Euclid Circular B" panose="020B0504000000000000" pitchFamily="34" charset="0"/>
               </a:rPr>
-              <a:t>Can only know the HTTP request details (like route &amp; HTTP method)</a:t>
+              <a:t>And all others…</a:t>
             </a:r>
           </a:p>
         </p:txBody>
@@ -7541,7 +7540,7 @@
                 <a:latin typeface="Euclid Circular B" panose="020B0504000000000000" pitchFamily="34" charset="0"/>
                 <a:ea typeface="Euclid Circular B" panose="020B0504000000000000" pitchFamily="34" charset="0"/>
               </a:rPr>
-              <a:t>, headers, toolbars, etc.</a:t>
+              <a:t>.</a:t>
             </a:r>
           </a:p>
           <a:p>
@@ -7565,7 +7564,7 @@
                 <a:latin typeface="Euclid Circular B" panose="020B0504000000000000" pitchFamily="34" charset="0"/>
                 <a:ea typeface="Euclid Circular B" panose="020B0504000000000000" pitchFamily="34" charset="0"/>
               </a:rPr>
-              <a:t>, buttons, etc.</a:t>
+              <a:t>, buttons, headers, toolbars, etc.</a:t>
             </a:r>
           </a:p>
           <a:p>
@@ -7691,7 +7690,7 @@
                                         <p:tgtEl>
                                           <p:spTgt spid="3">
                                             <p:txEl>
-                                              <p:pRg st="0" end="0"/>
+                                              <p:pRg st="1" end="1"/>
                                             </p:txEl>
                                           </p:spTgt>
                                         </p:tgtEl>
@@ -7709,7 +7708,7 @@
                                         <p:tgtEl>
                                           <p:spTgt spid="3">
                                             <p:txEl>
-                                              <p:pRg st="0" end="0"/>
+                                              <p:pRg st="1" end="1"/>
                                             </p:txEl>
                                           </p:spTgt>
                                         </p:tgtEl>
@@ -7752,7 +7751,7 @@
                                         <p:tgtEl>
                                           <p:spTgt spid="3">
                                             <p:txEl>
-                                              <p:pRg st="1" end="1"/>
+                                              <p:pRg st="2" end="2"/>
                                             </p:txEl>
                                           </p:spTgt>
                                         </p:tgtEl>
@@ -7770,7 +7769,7 @@
                                         <p:tgtEl>
                                           <p:spTgt spid="3">
                                             <p:txEl>
-                                              <p:pRg st="1" end="1"/>
+                                              <p:pRg st="2" end="2"/>
                                             </p:txEl>
                                           </p:spTgt>
                                         </p:tgtEl>
@@ -7813,7 +7812,7 @@
                                         <p:tgtEl>
                                           <p:spTgt spid="3">
                                             <p:txEl>
-                                              <p:pRg st="2" end="2"/>
+                                              <p:pRg st="3" end="3"/>
                                             </p:txEl>
                                           </p:spTgt>
                                         </p:tgtEl>
@@ -7831,7 +7830,7 @@
                                         <p:tgtEl>
                                           <p:spTgt spid="3">
                                             <p:txEl>
-                                              <p:pRg st="2" end="2"/>
+                                              <p:pRg st="3" end="3"/>
                                             </p:txEl>
                                           </p:spTgt>
                                         </p:tgtEl>
@@ -7874,7 +7873,7 @@
                                         <p:tgtEl>
                                           <p:spTgt spid="3">
                                             <p:txEl>
-                                              <p:pRg st="3" end="3"/>
+                                              <p:pRg st="4" end="4"/>
                                             </p:txEl>
                                           </p:spTgt>
                                         </p:tgtEl>
@@ -7889,67 +7888,6 @@
                                     <p:animEffect transition="in" filter="fade">
                                       <p:cBhvr>
                                         <p:cTn id="22" dur="500"/>
-                                        <p:tgtEl>
-                                          <p:spTgt spid="3">
-                                            <p:txEl>
-                                              <p:pRg st="3" end="3"/>
-                                            </p:txEl>
-                                          </p:spTgt>
-                                        </p:tgtEl>
-                                      </p:cBhvr>
-                                    </p:animEffect>
-                                  </p:childTnLst>
-                                </p:cTn>
-                              </p:par>
-                            </p:childTnLst>
-                          </p:cTn>
-                        </p:par>
-                      </p:childTnLst>
-                    </p:cTn>
-                  </p:par>
-                  <p:par>
-                    <p:cTn id="23" fill="hold">
-                      <p:stCondLst>
-                        <p:cond delay="indefinite"/>
-                      </p:stCondLst>
-                      <p:childTnLst>
-                        <p:par>
-                          <p:cTn id="24" fill="hold">
-                            <p:stCondLst>
-                              <p:cond delay="0"/>
-                            </p:stCondLst>
-                            <p:childTnLst>
-                              <p:par>
-                                <p:cTn id="25" presetID="10" presetClass="entr" presetSubtype="0" fill="hold" nodeType="clickEffect">
-                                  <p:stCondLst>
-                                    <p:cond delay="0"/>
-                                  </p:stCondLst>
-                                  <p:childTnLst>
-                                    <p:set>
-                                      <p:cBhvr>
-                                        <p:cTn id="26" dur="1" fill="hold">
-                                          <p:stCondLst>
-                                            <p:cond delay="0"/>
-                                          </p:stCondLst>
-                                        </p:cTn>
-                                        <p:tgtEl>
-                                          <p:spTgt spid="3">
-                                            <p:txEl>
-                                              <p:pRg st="4" end="4"/>
-                                            </p:txEl>
-                                          </p:spTgt>
-                                        </p:tgtEl>
-                                        <p:attrNameLst>
-                                          <p:attrName>style.visibility</p:attrName>
-                                        </p:attrNameLst>
-                                      </p:cBhvr>
-                                      <p:to>
-                                        <p:strVal val="visible"/>
-                                      </p:to>
-                                    </p:set>
-                                    <p:animEffect transition="in" filter="fade">
-                                      <p:cBhvr>
-                                        <p:cTn id="27" dur="500"/>
                                         <p:tgtEl>
                                           <p:spTgt spid="3">
                                             <p:txEl>
@@ -8122,54 +8060,7 @@
                 <a:latin typeface="Euclid Circular B" panose="020B0504000000000000" pitchFamily="34" charset="0"/>
                 <a:ea typeface="Euclid Circular B" panose="020B0504000000000000" pitchFamily="34" charset="0"/>
               </a:rPr>
-              <a:t>for a role or user.</a:t>
-            </a:r>
-          </a:p>
-          <a:p>
-            <a:r>
-              <a:rPr lang="en-US" dirty="0">
-                <a:latin typeface="Euclid Circular B" panose="020B0504000000000000" pitchFamily="34" charset="0"/>
-                <a:ea typeface="Euclid Circular B" panose="020B0504000000000000" pitchFamily="34" charset="0"/>
-              </a:rPr>
-              <a:t>Why we need it?</a:t>
-            </a:r>
-          </a:p>
-          <a:p>
-            <a:pPr lvl="1"/>
-            <a:r>
-              <a:rPr lang="en-US" dirty="0">
-                <a:latin typeface="Euclid Circular B" panose="020B0504000000000000" pitchFamily="34" charset="0"/>
-                <a:ea typeface="Euclid Circular B" panose="020B0504000000000000" pitchFamily="34" charset="0"/>
-              </a:rPr>
-              <a:t>To </a:t>
-            </a:r>
-            <a:r>
-              <a:rPr lang="en-US" b="1" dirty="0">
-                <a:latin typeface="Euclid Circular B" panose="020B0504000000000000" pitchFamily="34" charset="0"/>
-                <a:ea typeface="Euclid Circular B" panose="020B0504000000000000" pitchFamily="34" charset="0"/>
-              </a:rPr>
-              <a:t>manage permissions </a:t>
-            </a:r>
-            <a:r>
-              <a:rPr lang="en-US" dirty="0">
-                <a:latin typeface="Euclid Circular B" panose="020B0504000000000000" pitchFamily="34" charset="0"/>
-                <a:ea typeface="Euclid Circular B" panose="020B0504000000000000" pitchFamily="34" charset="0"/>
-              </a:rPr>
-              <a:t>in a </a:t>
-            </a:r>
-            <a:r>
-              <a:rPr lang="en-US" b="1" dirty="0">
-                <a:latin typeface="Euclid Circular B" panose="020B0504000000000000" pitchFamily="34" charset="0"/>
-                <a:ea typeface="Euclid Circular B" panose="020B0504000000000000" pitchFamily="34" charset="0"/>
-              </a:rPr>
-              <a:t>single place</a:t>
-            </a:r>
-            <a:r>
-              <a:rPr lang="en-US" dirty="0">
-                <a:latin typeface="Euclid Circular B" panose="020B0504000000000000" pitchFamily="34" charset="0"/>
-                <a:ea typeface="Euclid Circular B" panose="020B0504000000000000" pitchFamily="34" charset="0"/>
-              </a:rPr>
-              <a:t> in the application.</a:t>
+              <a:t>for a role or user, in a single place</a:t>
             </a:r>
           </a:p>
         </p:txBody>
@@ -8221,219 +8112,6 @@
   <p:clrMapOvr>
     <a:masterClrMapping/>
   </p:clrMapOvr>
-  <p:timing>
-    <p:tnLst>
-      <p:par>
-        <p:cTn id="1" dur="indefinite" restart="never" nodeType="tmRoot">
-          <p:childTnLst>
-            <p:seq concurrent="1" nextAc="seek">
-              <p:cTn id="2" dur="indefinite" nodeType="mainSeq">
-                <p:childTnLst>
-                  <p:par>
-                    <p:cTn id="3" fill="hold">
-                      <p:stCondLst>
-                        <p:cond delay="indefinite"/>
-                      </p:stCondLst>
-                      <p:childTnLst>
-                        <p:par>
-                          <p:cTn id="4" fill="hold">
-                            <p:stCondLst>
-                              <p:cond delay="0"/>
-                            </p:stCondLst>
-                            <p:childTnLst>
-                              <p:par>
-                                <p:cTn id="5" presetID="10" presetClass="entr" presetSubtype="0" fill="hold" nodeType="clickEffect">
-                                  <p:stCondLst>
-                                    <p:cond delay="0"/>
-                                  </p:stCondLst>
-                                  <p:childTnLst>
-                                    <p:set>
-                                      <p:cBhvr>
-                                        <p:cTn id="6" dur="1" fill="hold">
-                                          <p:stCondLst>
-                                            <p:cond delay="0"/>
-                                          </p:stCondLst>
-                                        </p:cTn>
-                                        <p:tgtEl>
-                                          <p:spTgt spid="3">
-                                            <p:txEl>
-                                              <p:pRg st="0" end="0"/>
-                                            </p:txEl>
-                                          </p:spTgt>
-                                        </p:tgtEl>
-                                        <p:attrNameLst>
-                                          <p:attrName>style.visibility</p:attrName>
-                                        </p:attrNameLst>
-                                      </p:cBhvr>
-                                      <p:to>
-                                        <p:strVal val="visible"/>
-                                      </p:to>
-                                    </p:set>
-                                    <p:animEffect transition="in" filter="fade">
-                                      <p:cBhvr>
-                                        <p:cTn id="7" dur="500"/>
-                                        <p:tgtEl>
-                                          <p:spTgt spid="3">
-                                            <p:txEl>
-                                              <p:pRg st="0" end="0"/>
-                                            </p:txEl>
-                                          </p:spTgt>
-                                        </p:tgtEl>
-                                      </p:cBhvr>
-                                    </p:animEffect>
-                                  </p:childTnLst>
-                                </p:cTn>
-                              </p:par>
-                            </p:childTnLst>
-                          </p:cTn>
-                        </p:par>
-                      </p:childTnLst>
-                    </p:cTn>
-                  </p:par>
-                  <p:par>
-                    <p:cTn id="8" fill="hold">
-                      <p:stCondLst>
-                        <p:cond delay="indefinite"/>
-                      </p:stCondLst>
-                      <p:childTnLst>
-                        <p:par>
-                          <p:cTn id="9" fill="hold">
-                            <p:stCondLst>
-                              <p:cond delay="0"/>
-                            </p:stCondLst>
-                            <p:childTnLst>
-                              <p:par>
-                                <p:cTn id="10" presetID="10" presetClass="entr" presetSubtype="0" fill="hold" nodeType="clickEffect">
-                                  <p:stCondLst>
-                                    <p:cond delay="0"/>
-                                  </p:stCondLst>
-                                  <p:childTnLst>
-                                    <p:set>
-                                      <p:cBhvr>
-                                        <p:cTn id="11" dur="1" fill="hold">
-                                          <p:stCondLst>
-                                            <p:cond delay="0"/>
-                                          </p:stCondLst>
-                                        </p:cTn>
-                                        <p:tgtEl>
-                                          <p:spTgt spid="3">
-                                            <p:txEl>
-                                              <p:pRg st="1" end="1"/>
-                                            </p:txEl>
-                                          </p:spTgt>
-                                        </p:tgtEl>
-                                        <p:attrNameLst>
-                                          <p:attrName>style.visibility</p:attrName>
-                                        </p:attrNameLst>
-                                      </p:cBhvr>
-                                      <p:to>
-                                        <p:strVal val="visible"/>
-                                      </p:to>
-                                    </p:set>
-                                    <p:animEffect transition="in" filter="fade">
-                                      <p:cBhvr>
-                                        <p:cTn id="12" dur="500"/>
-                                        <p:tgtEl>
-                                          <p:spTgt spid="3">
-                                            <p:txEl>
-                                              <p:pRg st="1" end="1"/>
-                                            </p:txEl>
-                                          </p:spTgt>
-                                        </p:tgtEl>
-                                      </p:cBhvr>
-                                    </p:animEffect>
-                                  </p:childTnLst>
-                                </p:cTn>
-                              </p:par>
-                            </p:childTnLst>
-                          </p:cTn>
-                        </p:par>
-                      </p:childTnLst>
-                    </p:cTn>
-                  </p:par>
-                  <p:par>
-                    <p:cTn id="13" fill="hold">
-                      <p:stCondLst>
-                        <p:cond delay="indefinite"/>
-                      </p:stCondLst>
-                      <p:childTnLst>
-                        <p:par>
-                          <p:cTn id="14" fill="hold">
-                            <p:stCondLst>
-                              <p:cond delay="0"/>
-                            </p:stCondLst>
-                            <p:childTnLst>
-                              <p:par>
-                                <p:cTn id="15" presetID="10" presetClass="entr" presetSubtype="0" fill="hold" nodeType="clickEffect">
-                                  <p:stCondLst>
-                                    <p:cond delay="0"/>
-                                  </p:stCondLst>
-                                  <p:childTnLst>
-                                    <p:set>
-                                      <p:cBhvr>
-                                        <p:cTn id="16" dur="1" fill="hold">
-                                          <p:stCondLst>
-                                            <p:cond delay="0"/>
-                                          </p:stCondLst>
-                                        </p:cTn>
-                                        <p:tgtEl>
-                                          <p:spTgt spid="3">
-                                            <p:txEl>
-                                              <p:pRg st="2" end="2"/>
-                                            </p:txEl>
-                                          </p:spTgt>
-                                        </p:tgtEl>
-                                        <p:attrNameLst>
-                                          <p:attrName>style.visibility</p:attrName>
-                                        </p:attrNameLst>
-                                      </p:cBhvr>
-                                      <p:to>
-                                        <p:strVal val="visible"/>
-                                      </p:to>
-                                    </p:set>
-                                    <p:animEffect transition="in" filter="fade">
-                                      <p:cBhvr>
-                                        <p:cTn id="17" dur="500"/>
-                                        <p:tgtEl>
-                                          <p:spTgt spid="3">
-                                            <p:txEl>
-                                              <p:pRg st="2" end="2"/>
-                                            </p:txEl>
-                                          </p:spTgt>
-                                        </p:tgtEl>
-                                      </p:cBhvr>
-                                    </p:animEffect>
-                                  </p:childTnLst>
-                                </p:cTn>
-                              </p:par>
-                            </p:childTnLst>
-                          </p:cTn>
-                        </p:par>
-                      </p:childTnLst>
-                    </p:cTn>
-                  </p:par>
-                </p:childTnLst>
-              </p:cTn>
-              <p:prevCondLst>
-                <p:cond evt="onPrev" delay="0">
-                  <p:tgtEl>
-                    <p:sldTgt/>
-                  </p:tgtEl>
-                </p:cond>
-              </p:prevCondLst>
-              <p:nextCondLst>
-                <p:cond evt="onNext" delay="0">
-                  <p:tgtEl>
-                    <p:sldTgt/>
-                  </p:tgtEl>
-                </p:cond>
-              </p:nextCondLst>
-            </p:seq>
-          </p:childTnLst>
-        </p:cTn>
-      </p:par>
-    </p:tnLst>
-  </p:timing>
 </p:sld>
 </file>
 
@@ -12162,76 +11840,484 @@
         </p:nvSpPr>
         <p:spPr/>
         <p:txBody>
-          <a:bodyPr/>
+          <a:bodyPr>
+            <a:normAutofit/>
+          </a:bodyPr>
           <a:lstStyle/>
           <a:p>
             <a:r>
-              <a:rPr lang="en-US" b="1" dirty="0">
+              <a:rPr lang="en-US" sz="4000" b="1" dirty="0">
                 <a:solidFill>
                   <a:srgbClr val="292D33"/>
                 </a:solidFill>
                 <a:latin typeface="Euclid Circular B" panose="020B0504000000000000" pitchFamily="34" charset="0"/>
                 <a:ea typeface="Euclid Circular B" panose="020B0504000000000000" pitchFamily="34" charset="0"/>
               </a:rPr>
-              <a:t>Agenda</a:t>
+              <a:t>About Me: Halil İbrahim Kalkan</a:t>
+            </a:r>
+          </a:p>
+        </p:txBody>
+      </p:sp>
+      <p:pic>
+        <p:nvPicPr>
+          <p:cNvPr id="9" name="Picture 8" descr="Logo&#10;&#10;Description automatically generated">
+            <a:extLst>
+              <a:ext uri="{FF2B5EF4-FFF2-40B4-BE49-F238E27FC236}">
+                <a16:creationId xmlns:a16="http://schemas.microsoft.com/office/drawing/2014/main" id="{BC5C6BCD-C50A-8C90-FB14-EFE4E01A92AB}"/>
+              </a:ext>
+            </a:extLst>
+          </p:cNvPr>
+          <p:cNvPicPr>
+            <a:picLocks noChangeAspect="1"/>
+          </p:cNvPicPr>
+          <p:nvPr/>
+        </p:nvPicPr>
+        <p:blipFill>
+          <a:blip r:embed="rId3">
+            <a:extLst>
+              <a:ext uri="{28A0092B-C50C-407E-A947-70E740481C1C}">
+                <a14:useLocalDpi xmlns:a14="http://schemas.microsoft.com/office/drawing/2010/main" val="0"/>
+              </a:ext>
+            </a:extLst>
+          </a:blip>
+          <a:stretch>
+            <a:fillRect/>
+          </a:stretch>
+        </p:blipFill>
+        <p:spPr>
+          <a:xfrm>
+            <a:off x="838200" y="3299202"/>
+            <a:ext cx="2349905" cy="574845"/>
+          </a:xfrm>
+          <a:prstGeom prst="rect">
+            <a:avLst/>
+          </a:prstGeom>
+        </p:spPr>
+      </p:pic>
+      <p:pic>
+        <p:nvPicPr>
+          <p:cNvPr id="11" name="Picture 10" descr="Logo&#10;&#10;Description automatically generated with low confidence">
+            <a:extLst>
+              <a:ext uri="{FF2B5EF4-FFF2-40B4-BE49-F238E27FC236}">
+                <a16:creationId xmlns:a16="http://schemas.microsoft.com/office/drawing/2014/main" id="{24CAD372-B142-4EB8-EC23-BF7ACEF3233D}"/>
+              </a:ext>
+            </a:extLst>
+          </p:cNvPr>
+          <p:cNvPicPr>
+            <a:picLocks noChangeAspect="1"/>
+          </p:cNvPicPr>
+          <p:nvPr/>
+        </p:nvPicPr>
+        <p:blipFill>
+          <a:blip r:embed="rId4">
+            <a:extLst>
+              <a:ext uri="{28A0092B-C50C-407E-A947-70E740481C1C}">
+                <a14:useLocalDpi xmlns:a14="http://schemas.microsoft.com/office/drawing/2010/main" val="0"/>
+              </a:ext>
+            </a:extLst>
+          </a:blip>
+          <a:stretch>
+            <a:fillRect/>
+          </a:stretch>
+        </p:blipFill>
+        <p:spPr>
+          <a:xfrm>
+            <a:off x="838200" y="4152677"/>
+            <a:ext cx="1669819" cy="574844"/>
+          </a:xfrm>
+          <a:prstGeom prst="rect">
+            <a:avLst/>
+          </a:prstGeom>
+        </p:spPr>
+      </p:pic>
+      <p:pic>
+        <p:nvPicPr>
+          <p:cNvPr id="15" name="Picture 14" descr="Shape&#10;&#10;Description automatically generated with low confidence">
+            <a:extLst>
+              <a:ext uri="{FF2B5EF4-FFF2-40B4-BE49-F238E27FC236}">
+                <a16:creationId xmlns:a16="http://schemas.microsoft.com/office/drawing/2014/main" id="{B7BD4D82-3C27-5D80-7E8A-A7C68B2A71B0}"/>
+              </a:ext>
+            </a:extLst>
+          </p:cNvPr>
+          <p:cNvPicPr>
+            <a:picLocks noChangeAspect="1"/>
+          </p:cNvPicPr>
+          <p:nvPr/>
+        </p:nvPicPr>
+        <p:blipFill>
+          <a:blip r:embed="rId5">
+            <a:extLst>
+              <a:ext uri="{28A0092B-C50C-407E-A947-70E740481C1C}">
+                <a14:useLocalDpi xmlns:a14="http://schemas.microsoft.com/office/drawing/2010/main" val="0"/>
+              </a:ext>
+            </a:extLst>
+          </a:blip>
+          <a:stretch>
+            <a:fillRect/>
+          </a:stretch>
+        </p:blipFill>
+        <p:spPr>
+          <a:xfrm>
+            <a:off x="838200" y="1690688"/>
+            <a:ext cx="574845" cy="574845"/>
+          </a:xfrm>
+          <a:prstGeom prst="rect">
+            <a:avLst/>
+          </a:prstGeom>
+        </p:spPr>
+      </p:pic>
+      <p:pic>
+        <p:nvPicPr>
+          <p:cNvPr id="17" name="Picture 16" descr="Graphical user interface&#10;&#10;Description automatically generated">
+            <a:extLst>
+              <a:ext uri="{FF2B5EF4-FFF2-40B4-BE49-F238E27FC236}">
+                <a16:creationId xmlns:a16="http://schemas.microsoft.com/office/drawing/2014/main" id="{FB89352D-BFA5-997E-F2D4-59FF9598F283}"/>
+              </a:ext>
+            </a:extLst>
+          </p:cNvPr>
+          <p:cNvPicPr>
+            <a:picLocks noChangeAspect="1"/>
+          </p:cNvPicPr>
+          <p:nvPr/>
+        </p:nvPicPr>
+        <p:blipFill>
+          <a:blip r:embed="rId6">
+            <a:extLst>
+              <a:ext uri="{28A0092B-C50C-407E-A947-70E740481C1C}">
+                <a14:useLocalDpi xmlns:a14="http://schemas.microsoft.com/office/drawing/2010/main" val="0"/>
+              </a:ext>
+            </a:extLst>
+          </a:blip>
+          <a:stretch>
+            <a:fillRect/>
+          </a:stretch>
+        </p:blipFill>
+        <p:spPr>
+          <a:xfrm>
+            <a:off x="842521" y="2445727"/>
+            <a:ext cx="570524" cy="570524"/>
+          </a:xfrm>
+          <a:prstGeom prst="rect">
+            <a:avLst/>
+          </a:prstGeom>
+        </p:spPr>
+      </p:pic>
+      <p:sp>
+        <p:nvSpPr>
+          <p:cNvPr id="18" name="TextBox 17">
+            <a:extLst>
+              <a:ext uri="{FF2B5EF4-FFF2-40B4-BE49-F238E27FC236}">
+                <a16:creationId xmlns:a16="http://schemas.microsoft.com/office/drawing/2014/main" id="{ABF7FED6-A3A2-912F-A643-6446D108DC37}"/>
+              </a:ext>
+            </a:extLst>
+          </p:cNvPr>
+          <p:cNvSpPr txBox="1"/>
+          <p:nvPr/>
+        </p:nvSpPr>
+        <p:spPr>
+          <a:xfrm>
+            <a:off x="1593619" y="1793444"/>
+            <a:ext cx="6294076" cy="369332"/>
+          </a:xfrm>
+          <a:prstGeom prst="rect">
+            <a:avLst/>
+          </a:prstGeom>
+          <a:noFill/>
+        </p:spPr>
+        <p:txBody>
+          <a:bodyPr wrap="square" rtlCol="0">
+            <a:spAutoFit/>
+          </a:bodyPr>
+          <a:lstStyle/>
+          <a:p>
+            <a:r>
+              <a:rPr lang="en-US" dirty="0"/>
+              <a:t>2007, Computer Engineering, </a:t>
+            </a:r>
+            <a:r>
+              <a:rPr lang="en-US" dirty="0" err="1"/>
+              <a:t>Sakarya</a:t>
+            </a:r>
+            <a:r>
+              <a:rPr lang="en-US" dirty="0"/>
+              <a:t> University</a:t>
             </a:r>
           </a:p>
         </p:txBody>
       </p:sp>
       <p:sp>
         <p:nvSpPr>
-          <p:cNvPr id="3" name="Content Placeholder 2">
-            <a:extLst>
-              <a:ext uri="{FF2B5EF4-FFF2-40B4-BE49-F238E27FC236}">
-                <a16:creationId xmlns:a16="http://schemas.microsoft.com/office/drawing/2014/main" id="{891C7693-D3DF-4635-96F4-97F3B4136FDF}"/>
-              </a:ext>
-            </a:extLst>
-          </p:cNvPr>
-          <p:cNvSpPr>
-            <a:spLocks noGrp="1"/>
-          </p:cNvSpPr>
-          <p:nvPr>
-            <p:ph idx="1"/>
-          </p:nvPr>
+          <p:cNvPr id="19" name="TextBox 18">
+            <a:extLst>
+              <a:ext uri="{FF2B5EF4-FFF2-40B4-BE49-F238E27FC236}">
+                <a16:creationId xmlns:a16="http://schemas.microsoft.com/office/drawing/2014/main" id="{96E30803-2304-9731-D2EB-5D546AEED5BE}"/>
+              </a:ext>
+            </a:extLst>
+          </p:cNvPr>
+          <p:cNvSpPr txBox="1"/>
+          <p:nvPr/>
         </p:nvSpPr>
-        <p:spPr/>
+        <p:spPr>
+          <a:xfrm>
+            <a:off x="1593618" y="2546323"/>
+            <a:ext cx="7264135" cy="369332"/>
+          </a:xfrm>
+          <a:prstGeom prst="rect">
+            <a:avLst/>
+          </a:prstGeom>
+          <a:noFill/>
+        </p:spPr>
         <p:txBody>
-          <a:bodyPr/>
+          <a:bodyPr wrap="square" rtlCol="0">
+            <a:spAutoFit/>
+          </a:bodyPr>
           <a:lstStyle/>
           <a:p>
             <a:r>
-              <a:rPr lang="en-US" dirty="0">
-                <a:latin typeface="Euclid Circular B" panose="020B0504000000000000" pitchFamily="34" charset="0"/>
-                <a:ea typeface="Euclid Circular B" panose="020B0504000000000000" pitchFamily="34" charset="0"/>
-              </a:rPr>
-              <a:t>Authentication &amp; Authorization</a:t>
-            </a:r>
-          </a:p>
-          <a:p>
-            <a:r>
-              <a:rPr lang="en-US" dirty="0">
-                <a:latin typeface="Euclid Circular B" panose="020B0504000000000000" pitchFamily="34" charset="0"/>
-                <a:ea typeface="Euclid Circular B" panose="020B0504000000000000" pitchFamily="34" charset="0"/>
-              </a:rPr>
-              <a:t>Authorization Types &amp; Requirements</a:t>
-            </a:r>
-          </a:p>
-          <a:p>
-            <a:r>
-              <a:rPr lang="en-US" dirty="0">
-                <a:latin typeface="Euclid Circular B" panose="020B0504000000000000" pitchFamily="34" charset="0"/>
-                <a:ea typeface="Euclid Circular B" panose="020B0504000000000000" pitchFamily="34" charset="0"/>
-              </a:rPr>
-              <a:t>Architectural Discussions</a:t>
-            </a:r>
-          </a:p>
-          <a:p>
-            <a:r>
-              <a:rPr lang="en-US" dirty="0">
-                <a:latin typeface="Euclid Circular B" panose="020B0504000000000000" pitchFamily="34" charset="0"/>
-                <a:ea typeface="Euclid Circular B" panose="020B0504000000000000" pitchFamily="34" charset="0"/>
-              </a:rPr>
-              <a:t>Solutions and Tradeoffs</a:t>
+              <a:rPr lang="en-US" dirty="0"/>
+              <a:t>2007 - 2015: Software developer, software architect, team leader</a:t>
+            </a:r>
+          </a:p>
+        </p:txBody>
+      </p:sp>
+      <p:sp>
+        <p:nvSpPr>
+          <p:cNvPr id="20" name="TextBox 19">
+            <a:extLst>
+              <a:ext uri="{FF2B5EF4-FFF2-40B4-BE49-F238E27FC236}">
+                <a16:creationId xmlns:a16="http://schemas.microsoft.com/office/drawing/2014/main" id="{8ECC5B27-88E5-0AFE-50E3-E8E181CCE32D}"/>
+              </a:ext>
+            </a:extLst>
+          </p:cNvPr>
+          <p:cNvSpPr txBox="1"/>
+          <p:nvPr/>
+        </p:nvSpPr>
+        <p:spPr>
+          <a:xfrm>
+            <a:off x="3399890" y="3401958"/>
+            <a:ext cx="5569182" cy="369332"/>
+          </a:xfrm>
+          <a:prstGeom prst="rect">
+            <a:avLst/>
+          </a:prstGeom>
+          <a:noFill/>
+        </p:spPr>
+        <p:txBody>
+          <a:bodyPr wrap="square" rtlCol="0">
+            <a:spAutoFit/>
+          </a:bodyPr>
+          <a:lstStyle/>
+          <a:p>
+            <a:r>
+              <a:rPr lang="en-US" dirty="0"/>
+              <a:t>2016 - ∞: Co-founder, software architect</a:t>
+            </a:r>
+          </a:p>
+        </p:txBody>
+      </p:sp>
+      <p:sp>
+        <p:nvSpPr>
+          <p:cNvPr id="21" name="TextBox 20">
+            <a:extLst>
+              <a:ext uri="{FF2B5EF4-FFF2-40B4-BE49-F238E27FC236}">
+                <a16:creationId xmlns:a16="http://schemas.microsoft.com/office/drawing/2014/main" id="{2DEB5F01-E10C-2B2C-9A70-8D981E493A3D}"/>
+              </a:ext>
+            </a:extLst>
+          </p:cNvPr>
+          <p:cNvSpPr txBox="1"/>
+          <p:nvPr/>
+        </p:nvSpPr>
+        <p:spPr>
+          <a:xfrm>
+            <a:off x="2693548" y="4255433"/>
+            <a:ext cx="6164205" cy="369332"/>
+          </a:xfrm>
+          <a:prstGeom prst="rect">
+            <a:avLst/>
+          </a:prstGeom>
+          <a:noFill/>
+        </p:spPr>
+        <p:txBody>
+          <a:bodyPr wrap="square" rtlCol="0">
+            <a:spAutoFit/>
+          </a:bodyPr>
+          <a:lstStyle/>
+          <a:p>
+            <a:r>
+              <a:rPr lang="en-US" dirty="0"/>
+              <a:t>2013 - ∞: Lead developer of the open source ABP Framework</a:t>
+            </a:r>
+          </a:p>
+        </p:txBody>
+      </p:sp>
+      <p:pic>
+        <p:nvPicPr>
+          <p:cNvPr id="27" name="Picture 26">
+            <a:extLst>
+              <a:ext uri="{FF2B5EF4-FFF2-40B4-BE49-F238E27FC236}">
+                <a16:creationId xmlns:a16="http://schemas.microsoft.com/office/drawing/2014/main" id="{5CB99BCC-210F-CBDF-B4EF-31DD71338D96}"/>
+              </a:ext>
+            </a:extLst>
+          </p:cNvPr>
+          <p:cNvPicPr>
+            <a:picLocks noChangeAspect="1"/>
+          </p:cNvPicPr>
+          <p:nvPr/>
+        </p:nvPicPr>
+        <p:blipFill>
+          <a:blip r:embed="rId7">
+            <a:extLst>
+              <a:ext uri="{28A0092B-C50C-407E-A947-70E740481C1C}">
+                <a14:useLocalDpi xmlns:a14="http://schemas.microsoft.com/office/drawing/2010/main" val="0"/>
+              </a:ext>
+            </a:extLst>
+          </a:blip>
+          <a:stretch>
+            <a:fillRect/>
+          </a:stretch>
+        </p:blipFill>
+        <p:spPr>
+          <a:xfrm>
+            <a:off x="838200" y="4907716"/>
+            <a:ext cx="570524" cy="570524"/>
+          </a:xfrm>
+          <a:prstGeom prst="rect">
+            <a:avLst/>
+          </a:prstGeom>
+        </p:spPr>
+      </p:pic>
+      <p:sp>
+        <p:nvSpPr>
+          <p:cNvPr id="28" name="TextBox 27">
+            <a:extLst>
+              <a:ext uri="{FF2B5EF4-FFF2-40B4-BE49-F238E27FC236}">
+                <a16:creationId xmlns:a16="http://schemas.microsoft.com/office/drawing/2014/main" id="{5CBC9451-9C27-831B-914E-11C7A47DA08F}"/>
+              </a:ext>
+            </a:extLst>
+          </p:cNvPr>
+          <p:cNvSpPr txBox="1"/>
+          <p:nvPr/>
+        </p:nvSpPr>
+        <p:spPr>
+          <a:xfrm>
+            <a:off x="1523382" y="5006151"/>
+            <a:ext cx="7445689" cy="369332"/>
+          </a:xfrm>
+          <a:prstGeom prst="rect">
+            <a:avLst/>
+          </a:prstGeom>
+          <a:noFill/>
+        </p:spPr>
+        <p:txBody>
+          <a:bodyPr wrap="square" rtlCol="0">
+            <a:spAutoFit/>
+          </a:bodyPr>
+          <a:lstStyle/>
+          <a:p>
+            <a:r>
+              <a:rPr lang="en-US" dirty="0"/>
+              <a:t>Multi-threading, distributed systems, OOP, DDD, software architectures.. etc.</a:t>
+            </a:r>
+          </a:p>
+        </p:txBody>
+      </p:sp>
+      <p:pic>
+        <p:nvPicPr>
+          <p:cNvPr id="30" name="Picture 29">
+            <a:extLst>
+              <a:ext uri="{FF2B5EF4-FFF2-40B4-BE49-F238E27FC236}">
+                <a16:creationId xmlns:a16="http://schemas.microsoft.com/office/drawing/2014/main" id="{27CD280A-7CB2-02B4-5153-3806AE320127}"/>
+              </a:ext>
+            </a:extLst>
+          </p:cNvPr>
+          <p:cNvPicPr>
+            <a:picLocks noChangeAspect="1"/>
+          </p:cNvPicPr>
+          <p:nvPr/>
+        </p:nvPicPr>
+        <p:blipFill>
+          <a:blip r:embed="rId8"/>
+          <a:stretch>
+            <a:fillRect/>
+          </a:stretch>
+        </p:blipFill>
+        <p:spPr>
+          <a:xfrm>
+            <a:off x="8857753" y="390996"/>
+            <a:ext cx="3027844" cy="6177614"/>
+          </a:xfrm>
+          <a:prstGeom prst="rect">
+            <a:avLst/>
+          </a:prstGeom>
+        </p:spPr>
+      </p:pic>
+      <p:pic>
+        <p:nvPicPr>
+          <p:cNvPr id="34" name="Picture 33" descr="Shape&#10;&#10;Description automatically generated with low confidence">
+            <a:extLst>
+              <a:ext uri="{FF2B5EF4-FFF2-40B4-BE49-F238E27FC236}">
+                <a16:creationId xmlns:a16="http://schemas.microsoft.com/office/drawing/2014/main" id="{B9FF7D09-B135-8B4C-D55E-374A94A95630}"/>
+              </a:ext>
+            </a:extLst>
+          </p:cNvPr>
+          <p:cNvPicPr>
+            <a:picLocks noChangeAspect="1"/>
+          </p:cNvPicPr>
+          <p:nvPr/>
+        </p:nvPicPr>
+        <p:blipFill>
+          <a:blip r:embed="rId9">
+            <a:extLst>
+              <a:ext uri="{28A0092B-C50C-407E-A947-70E740481C1C}">
+                <a14:useLocalDpi xmlns:a14="http://schemas.microsoft.com/office/drawing/2010/main" val="0"/>
+              </a:ext>
+            </a:extLst>
+          </a:blip>
+          <a:stretch>
+            <a:fillRect/>
+          </a:stretch>
+        </p:blipFill>
+        <p:spPr>
+          <a:xfrm>
+            <a:off x="838200" y="5662755"/>
+            <a:ext cx="570524" cy="570524"/>
+          </a:xfrm>
+          <a:prstGeom prst="rect">
+            <a:avLst/>
+          </a:prstGeom>
+        </p:spPr>
+      </p:pic>
+      <p:sp>
+        <p:nvSpPr>
+          <p:cNvPr id="35" name="TextBox 34">
+            <a:extLst>
+              <a:ext uri="{FF2B5EF4-FFF2-40B4-BE49-F238E27FC236}">
+                <a16:creationId xmlns:a16="http://schemas.microsoft.com/office/drawing/2014/main" id="{822178D7-97A8-AF48-763E-FDEDC7F66668}"/>
+              </a:ext>
+            </a:extLst>
+          </p:cNvPr>
+          <p:cNvSpPr txBox="1"/>
+          <p:nvPr/>
+        </p:nvSpPr>
+        <p:spPr>
+          <a:xfrm>
+            <a:off x="1523382" y="5763351"/>
+            <a:ext cx="6873196" cy="369332"/>
+          </a:xfrm>
+          <a:prstGeom prst="rect">
+            <a:avLst/>
+          </a:prstGeom>
+          <a:noFill/>
+        </p:spPr>
+        <p:txBody>
+          <a:bodyPr wrap="square" rtlCol="0">
+            <a:spAutoFit/>
+          </a:bodyPr>
+          <a:lstStyle/>
+          <a:p>
+            <a:r>
+              <a:rPr lang="en-US" dirty="0"/>
+              <a:t>Highly active coder, mostly open source.</a:t>
             </a:r>
           </a:p>
         </p:txBody>
@@ -12239,7 +12325,7 @@
     </p:spTree>
     <p:extLst>
       <p:ext uri="{BB962C8B-B14F-4D97-AF65-F5344CB8AC3E}">
-        <p14:creationId xmlns:p14="http://schemas.microsoft.com/office/powerpoint/2010/main" val="2127823828"/>
+        <p14:creationId xmlns:p14="http://schemas.microsoft.com/office/powerpoint/2010/main" val="759667148"/>
       </p:ext>
     </p:extLst>
   </p:cSld>
@@ -12280,11 +12366,7 @@
                                           </p:stCondLst>
                                         </p:cTn>
                                         <p:tgtEl>
-                                          <p:spTgt spid="3">
-                                            <p:txEl>
-                                              <p:pRg st="0" end="0"/>
-                                            </p:txEl>
-                                          </p:spTgt>
+                                          <p:spTgt spid="15"/>
                                         </p:tgtEl>
                                         <p:attrNameLst>
                                           <p:attrName>style.visibility</p:attrName>
@@ -12298,11 +12380,42 @@
                                       <p:cBhvr>
                                         <p:cTn id="7" dur="500"/>
                                         <p:tgtEl>
-                                          <p:spTgt spid="3">
-                                            <p:txEl>
-                                              <p:pRg st="0" end="0"/>
-                                            </p:txEl>
-                                          </p:spTgt>
+                                          <p:spTgt spid="15"/>
+                                        </p:tgtEl>
+                                      </p:cBhvr>
+                                    </p:animEffect>
+                                  </p:childTnLst>
+                                </p:cTn>
+                              </p:par>
+                              <p:par>
+                                <p:cTn id="8" presetID="10" presetClass="entr" presetSubtype="0" fill="hold" grpId="0" nodeType="withEffect">
+                                  <p:stCondLst>
+                                    <p:cond delay="0"/>
+                                  </p:stCondLst>
+                                  <p:childTnLst>
+                                    <p:set>
+                                      <p:cBhvr>
+                                        <p:cTn id="9" dur="1" fill="hold">
+                                          <p:stCondLst>
+                                            <p:cond delay="0"/>
+                                          </p:stCondLst>
+                                        </p:cTn>
+                                        <p:tgtEl>
+                                          <p:spTgt spid="18"/>
+                                        </p:tgtEl>
+                                        <p:attrNameLst>
+                                          <p:attrName>style.visibility</p:attrName>
+                                        </p:attrNameLst>
+                                      </p:cBhvr>
+                                      <p:to>
+                                        <p:strVal val="visible"/>
+                                      </p:to>
+                                    </p:set>
+                                    <p:animEffect transition="in" filter="fade">
+                                      <p:cBhvr>
+                                        <p:cTn id="10" dur="500"/>
+                                        <p:tgtEl>
+                                          <p:spTgt spid="18"/>
                                         </p:tgtEl>
                                       </p:cBhvr>
                                     </p:animEffect>
@@ -12316,36 +12429,32 @@
                     </p:cTn>
                   </p:par>
                   <p:par>
-                    <p:cTn id="8" fill="hold">
+                    <p:cTn id="11" fill="hold">
                       <p:stCondLst>
                         <p:cond delay="indefinite"/>
                       </p:stCondLst>
                       <p:childTnLst>
                         <p:par>
-                          <p:cTn id="9" fill="hold">
+                          <p:cTn id="12" fill="hold">
                             <p:stCondLst>
                               <p:cond delay="0"/>
                             </p:stCondLst>
                             <p:childTnLst>
                               <p:par>
-                                <p:cTn id="10" presetID="10" presetClass="entr" presetSubtype="0" fill="hold" nodeType="clickEffect">
+                                <p:cTn id="13" presetID="10" presetClass="entr" presetSubtype="0" fill="hold" nodeType="clickEffect">
                                   <p:stCondLst>
                                     <p:cond delay="0"/>
                                   </p:stCondLst>
                                   <p:childTnLst>
                                     <p:set>
                                       <p:cBhvr>
-                                        <p:cTn id="11" dur="1" fill="hold">
+                                        <p:cTn id="14" dur="1" fill="hold">
                                           <p:stCondLst>
                                             <p:cond delay="0"/>
                                           </p:stCondLst>
                                         </p:cTn>
                                         <p:tgtEl>
-                                          <p:spTgt spid="3">
-                                            <p:txEl>
-                                              <p:pRg st="1" end="1"/>
-                                            </p:txEl>
-                                          </p:spTgt>
+                                          <p:spTgt spid="17"/>
                                         </p:tgtEl>
                                         <p:attrNameLst>
                                           <p:attrName>style.visibility</p:attrName>
@@ -12357,13 +12466,44 @@
                                     </p:set>
                                     <p:animEffect transition="in" filter="fade">
                                       <p:cBhvr>
-                                        <p:cTn id="12" dur="500"/>
-                                        <p:tgtEl>
-                                          <p:spTgt spid="3">
-                                            <p:txEl>
-                                              <p:pRg st="1" end="1"/>
-                                            </p:txEl>
-                                          </p:spTgt>
+                                        <p:cTn id="15" dur="500"/>
+                                        <p:tgtEl>
+                                          <p:spTgt spid="17"/>
+                                        </p:tgtEl>
+                                      </p:cBhvr>
+                                    </p:animEffect>
+                                  </p:childTnLst>
+                                </p:cTn>
+                              </p:par>
+                              <p:par>
+                                <p:cTn id="16" presetID="10" presetClass="entr" presetSubtype="0" fill="hold" grpId="0" nodeType="withEffect">
+                                  <p:stCondLst>
+                                    <p:cond delay="0"/>
+                                  </p:stCondLst>
+                                  <p:childTnLst>
+                                    <p:set>
+                                      <p:cBhvr>
+                                        <p:cTn id="17" dur="1" fill="hold">
+                                          <p:stCondLst>
+                                            <p:cond delay="0"/>
+                                          </p:stCondLst>
+                                        </p:cTn>
+                                        <p:tgtEl>
+                                          <p:spTgt spid="19"/>
+                                        </p:tgtEl>
+                                        <p:attrNameLst>
+                                          <p:attrName>style.visibility</p:attrName>
+                                        </p:attrNameLst>
+                                      </p:cBhvr>
+                                      <p:to>
+                                        <p:strVal val="visible"/>
+                                      </p:to>
+                                    </p:set>
+                                    <p:animEffect transition="in" filter="fade">
+                                      <p:cBhvr>
+                                        <p:cTn id="18" dur="500"/>
+                                        <p:tgtEl>
+                                          <p:spTgt spid="19"/>
                                         </p:tgtEl>
                                       </p:cBhvr>
                                     </p:animEffect>
@@ -12377,36 +12517,32 @@
                     </p:cTn>
                   </p:par>
                   <p:par>
-                    <p:cTn id="13" fill="hold">
+                    <p:cTn id="19" fill="hold">
                       <p:stCondLst>
                         <p:cond delay="indefinite"/>
                       </p:stCondLst>
                       <p:childTnLst>
                         <p:par>
-                          <p:cTn id="14" fill="hold">
+                          <p:cTn id="20" fill="hold">
                             <p:stCondLst>
                               <p:cond delay="0"/>
                             </p:stCondLst>
                             <p:childTnLst>
                               <p:par>
-                                <p:cTn id="15" presetID="10" presetClass="entr" presetSubtype="0" fill="hold" nodeType="clickEffect">
+                                <p:cTn id="21" presetID="10" presetClass="entr" presetSubtype="0" fill="hold" grpId="0" nodeType="clickEffect">
                                   <p:stCondLst>
                                     <p:cond delay="0"/>
                                   </p:stCondLst>
                                   <p:childTnLst>
                                     <p:set>
                                       <p:cBhvr>
-                                        <p:cTn id="16" dur="1" fill="hold">
+                                        <p:cTn id="22" dur="1" fill="hold">
                                           <p:stCondLst>
                                             <p:cond delay="0"/>
                                           </p:stCondLst>
                                         </p:cTn>
                                         <p:tgtEl>
-                                          <p:spTgt spid="3">
-                                            <p:txEl>
-                                              <p:pRg st="2" end="2"/>
-                                            </p:txEl>
-                                          </p:spTgt>
+                                          <p:spTgt spid="20"/>
                                         </p:tgtEl>
                                         <p:attrNameLst>
                                           <p:attrName>style.visibility</p:attrName>
@@ -12418,13 +12554,44 @@
                                     </p:set>
                                     <p:animEffect transition="in" filter="fade">
                                       <p:cBhvr>
-                                        <p:cTn id="17" dur="500"/>
-                                        <p:tgtEl>
-                                          <p:spTgt spid="3">
-                                            <p:txEl>
-                                              <p:pRg st="2" end="2"/>
-                                            </p:txEl>
-                                          </p:spTgt>
+                                        <p:cTn id="23" dur="500"/>
+                                        <p:tgtEl>
+                                          <p:spTgt spid="20"/>
+                                        </p:tgtEl>
+                                      </p:cBhvr>
+                                    </p:animEffect>
+                                  </p:childTnLst>
+                                </p:cTn>
+                              </p:par>
+                              <p:par>
+                                <p:cTn id="24" presetID="10" presetClass="entr" presetSubtype="0" fill="hold" nodeType="withEffect">
+                                  <p:stCondLst>
+                                    <p:cond delay="0"/>
+                                  </p:stCondLst>
+                                  <p:childTnLst>
+                                    <p:set>
+                                      <p:cBhvr>
+                                        <p:cTn id="25" dur="1" fill="hold">
+                                          <p:stCondLst>
+                                            <p:cond delay="0"/>
+                                          </p:stCondLst>
+                                        </p:cTn>
+                                        <p:tgtEl>
+                                          <p:spTgt spid="9"/>
+                                        </p:tgtEl>
+                                        <p:attrNameLst>
+                                          <p:attrName>style.visibility</p:attrName>
+                                        </p:attrNameLst>
+                                      </p:cBhvr>
+                                      <p:to>
+                                        <p:strVal val="visible"/>
+                                      </p:to>
+                                    </p:set>
+                                    <p:animEffect transition="in" filter="fade">
+                                      <p:cBhvr>
+                                        <p:cTn id="26" dur="500"/>
+                                        <p:tgtEl>
+                                          <p:spTgt spid="9"/>
                                         </p:tgtEl>
                                       </p:cBhvr>
                                     </p:animEffect>
@@ -12438,36 +12605,32 @@
                     </p:cTn>
                   </p:par>
                   <p:par>
-                    <p:cTn id="18" fill="hold">
+                    <p:cTn id="27" fill="hold">
                       <p:stCondLst>
                         <p:cond delay="indefinite"/>
                       </p:stCondLst>
                       <p:childTnLst>
                         <p:par>
-                          <p:cTn id="19" fill="hold">
+                          <p:cTn id="28" fill="hold">
                             <p:stCondLst>
                               <p:cond delay="0"/>
                             </p:stCondLst>
                             <p:childTnLst>
                               <p:par>
-                                <p:cTn id="20" presetID="10" presetClass="entr" presetSubtype="0" fill="hold" nodeType="clickEffect">
+                                <p:cTn id="29" presetID="10" presetClass="entr" presetSubtype="0" fill="hold" grpId="0" nodeType="clickEffect">
                                   <p:stCondLst>
                                     <p:cond delay="0"/>
                                   </p:stCondLst>
                                   <p:childTnLst>
                                     <p:set>
                                       <p:cBhvr>
-                                        <p:cTn id="21" dur="1" fill="hold">
+                                        <p:cTn id="30" dur="1" fill="hold">
                                           <p:stCondLst>
                                             <p:cond delay="0"/>
                                           </p:stCondLst>
                                         </p:cTn>
                                         <p:tgtEl>
-                                          <p:spTgt spid="3">
-                                            <p:txEl>
-                                              <p:pRg st="3" end="3"/>
-                                            </p:txEl>
-                                          </p:spTgt>
+                                          <p:spTgt spid="21"/>
                                         </p:tgtEl>
                                         <p:attrNameLst>
                                           <p:attrName>style.visibility</p:attrName>
@@ -12479,13 +12642,255 @@
                                     </p:set>
                                     <p:animEffect transition="in" filter="fade">
                                       <p:cBhvr>
-                                        <p:cTn id="22" dur="500"/>
-                                        <p:tgtEl>
-                                          <p:spTgt spid="3">
-                                            <p:txEl>
-                                              <p:pRg st="3" end="3"/>
-                                            </p:txEl>
-                                          </p:spTgt>
+                                        <p:cTn id="31" dur="500"/>
+                                        <p:tgtEl>
+                                          <p:spTgt spid="21"/>
+                                        </p:tgtEl>
+                                      </p:cBhvr>
+                                    </p:animEffect>
+                                  </p:childTnLst>
+                                </p:cTn>
+                              </p:par>
+                              <p:par>
+                                <p:cTn id="32" presetID="10" presetClass="entr" presetSubtype="0" fill="hold" nodeType="withEffect">
+                                  <p:stCondLst>
+                                    <p:cond delay="0"/>
+                                  </p:stCondLst>
+                                  <p:childTnLst>
+                                    <p:set>
+                                      <p:cBhvr>
+                                        <p:cTn id="33" dur="1" fill="hold">
+                                          <p:stCondLst>
+                                            <p:cond delay="0"/>
+                                          </p:stCondLst>
+                                        </p:cTn>
+                                        <p:tgtEl>
+                                          <p:spTgt spid="11"/>
+                                        </p:tgtEl>
+                                        <p:attrNameLst>
+                                          <p:attrName>style.visibility</p:attrName>
+                                        </p:attrNameLst>
+                                      </p:cBhvr>
+                                      <p:to>
+                                        <p:strVal val="visible"/>
+                                      </p:to>
+                                    </p:set>
+                                    <p:animEffect transition="in" filter="fade">
+                                      <p:cBhvr>
+                                        <p:cTn id="34" dur="500"/>
+                                        <p:tgtEl>
+                                          <p:spTgt spid="11"/>
+                                        </p:tgtEl>
+                                      </p:cBhvr>
+                                    </p:animEffect>
+                                  </p:childTnLst>
+                                </p:cTn>
+                              </p:par>
+                            </p:childTnLst>
+                          </p:cTn>
+                        </p:par>
+                      </p:childTnLst>
+                    </p:cTn>
+                  </p:par>
+                  <p:par>
+                    <p:cTn id="35" fill="hold">
+                      <p:stCondLst>
+                        <p:cond delay="indefinite"/>
+                      </p:stCondLst>
+                      <p:childTnLst>
+                        <p:par>
+                          <p:cTn id="36" fill="hold">
+                            <p:stCondLst>
+                              <p:cond delay="0"/>
+                            </p:stCondLst>
+                            <p:childTnLst>
+                              <p:par>
+                                <p:cTn id="37" presetID="10" presetClass="entr" presetSubtype="0" fill="hold" grpId="0" nodeType="clickEffect">
+                                  <p:stCondLst>
+                                    <p:cond delay="0"/>
+                                  </p:stCondLst>
+                                  <p:childTnLst>
+                                    <p:set>
+                                      <p:cBhvr>
+                                        <p:cTn id="38" dur="1" fill="hold">
+                                          <p:stCondLst>
+                                            <p:cond delay="0"/>
+                                          </p:stCondLst>
+                                        </p:cTn>
+                                        <p:tgtEl>
+                                          <p:spTgt spid="28"/>
+                                        </p:tgtEl>
+                                        <p:attrNameLst>
+                                          <p:attrName>style.visibility</p:attrName>
+                                        </p:attrNameLst>
+                                      </p:cBhvr>
+                                      <p:to>
+                                        <p:strVal val="visible"/>
+                                      </p:to>
+                                    </p:set>
+                                    <p:animEffect transition="in" filter="fade">
+                                      <p:cBhvr>
+                                        <p:cTn id="39" dur="500"/>
+                                        <p:tgtEl>
+                                          <p:spTgt spid="28"/>
+                                        </p:tgtEl>
+                                      </p:cBhvr>
+                                    </p:animEffect>
+                                  </p:childTnLst>
+                                </p:cTn>
+                              </p:par>
+                              <p:par>
+                                <p:cTn id="40" presetID="10" presetClass="entr" presetSubtype="0" fill="hold" nodeType="withEffect">
+                                  <p:stCondLst>
+                                    <p:cond delay="0"/>
+                                  </p:stCondLst>
+                                  <p:childTnLst>
+                                    <p:set>
+                                      <p:cBhvr>
+                                        <p:cTn id="41" dur="1" fill="hold">
+                                          <p:stCondLst>
+                                            <p:cond delay="0"/>
+                                          </p:stCondLst>
+                                        </p:cTn>
+                                        <p:tgtEl>
+                                          <p:spTgt spid="27"/>
+                                        </p:tgtEl>
+                                        <p:attrNameLst>
+                                          <p:attrName>style.visibility</p:attrName>
+                                        </p:attrNameLst>
+                                      </p:cBhvr>
+                                      <p:to>
+                                        <p:strVal val="visible"/>
+                                      </p:to>
+                                    </p:set>
+                                    <p:animEffect transition="in" filter="fade">
+                                      <p:cBhvr>
+                                        <p:cTn id="42" dur="500"/>
+                                        <p:tgtEl>
+                                          <p:spTgt spid="27"/>
+                                        </p:tgtEl>
+                                      </p:cBhvr>
+                                    </p:animEffect>
+                                  </p:childTnLst>
+                                </p:cTn>
+                              </p:par>
+                            </p:childTnLst>
+                          </p:cTn>
+                        </p:par>
+                      </p:childTnLst>
+                    </p:cTn>
+                  </p:par>
+                  <p:par>
+                    <p:cTn id="43" fill="hold">
+                      <p:stCondLst>
+                        <p:cond delay="indefinite"/>
+                      </p:stCondLst>
+                      <p:childTnLst>
+                        <p:par>
+                          <p:cTn id="44" fill="hold">
+                            <p:stCondLst>
+                              <p:cond delay="0"/>
+                            </p:stCondLst>
+                            <p:childTnLst>
+                              <p:par>
+                                <p:cTn id="45" presetID="10" presetClass="entr" presetSubtype="0" fill="hold" grpId="0" nodeType="clickEffect">
+                                  <p:stCondLst>
+                                    <p:cond delay="0"/>
+                                  </p:stCondLst>
+                                  <p:childTnLst>
+                                    <p:set>
+                                      <p:cBhvr>
+                                        <p:cTn id="46" dur="1" fill="hold">
+                                          <p:stCondLst>
+                                            <p:cond delay="0"/>
+                                          </p:stCondLst>
+                                        </p:cTn>
+                                        <p:tgtEl>
+                                          <p:spTgt spid="35"/>
+                                        </p:tgtEl>
+                                        <p:attrNameLst>
+                                          <p:attrName>style.visibility</p:attrName>
+                                        </p:attrNameLst>
+                                      </p:cBhvr>
+                                      <p:to>
+                                        <p:strVal val="visible"/>
+                                      </p:to>
+                                    </p:set>
+                                    <p:animEffect transition="in" filter="fade">
+                                      <p:cBhvr>
+                                        <p:cTn id="47" dur="500"/>
+                                        <p:tgtEl>
+                                          <p:spTgt spid="35"/>
+                                        </p:tgtEl>
+                                      </p:cBhvr>
+                                    </p:animEffect>
+                                  </p:childTnLst>
+                                </p:cTn>
+                              </p:par>
+                              <p:par>
+                                <p:cTn id="48" presetID="10" presetClass="entr" presetSubtype="0" fill="hold" nodeType="withEffect">
+                                  <p:stCondLst>
+                                    <p:cond delay="0"/>
+                                  </p:stCondLst>
+                                  <p:childTnLst>
+                                    <p:set>
+                                      <p:cBhvr>
+                                        <p:cTn id="49" dur="1" fill="hold">
+                                          <p:stCondLst>
+                                            <p:cond delay="0"/>
+                                          </p:stCondLst>
+                                        </p:cTn>
+                                        <p:tgtEl>
+                                          <p:spTgt spid="34"/>
+                                        </p:tgtEl>
+                                        <p:attrNameLst>
+                                          <p:attrName>style.visibility</p:attrName>
+                                        </p:attrNameLst>
+                                      </p:cBhvr>
+                                      <p:to>
+                                        <p:strVal val="visible"/>
+                                      </p:to>
+                                    </p:set>
+                                    <p:animEffect transition="in" filter="fade">
+                                      <p:cBhvr>
+                                        <p:cTn id="50" dur="500"/>
+                                        <p:tgtEl>
+                                          <p:spTgt spid="34"/>
+                                        </p:tgtEl>
+                                      </p:cBhvr>
+                                    </p:animEffect>
+                                  </p:childTnLst>
+                                </p:cTn>
+                              </p:par>
+                              <p:par>
+                                <p:cTn id="51" presetID="10" presetClass="entr" presetSubtype="0" fill="hold" nodeType="withEffect">
+                                  <p:stCondLst>
+                                    <p:cond delay="0"/>
+                                  </p:stCondLst>
+                                  <p:childTnLst>
+                                    <p:set>
+                                      <p:cBhvr>
+                                        <p:cTn id="52" dur="1" fill="hold">
+                                          <p:stCondLst>
+                                            <p:cond delay="0"/>
+                                          </p:stCondLst>
+                                        </p:cTn>
+                                        <p:tgtEl>
+                                          <p:spTgt spid="30"/>
+                                        </p:tgtEl>
+                                        <p:attrNameLst>
+                                          <p:attrName>style.visibility</p:attrName>
+                                        </p:attrNameLst>
+                                      </p:cBhvr>
+                                      <p:to>
+                                        <p:strVal val="visible"/>
+                                      </p:to>
+                                    </p:set>
+                                    <p:animEffect transition="in" filter="fade">
+                                      <p:cBhvr>
+                                        <p:cTn id="53" dur="500"/>
+                                        <p:tgtEl>
+                                          <p:spTgt spid="30"/>
                                         </p:tgtEl>
                                       </p:cBhvr>
                                     </p:animEffect>
@@ -12519,6 +12924,14 @@
         </p:cTn>
       </p:par>
     </p:tnLst>
+    <p:bldLst>
+      <p:bldP spid="18" grpId="0"/>
+      <p:bldP spid="19" grpId="0"/>
+      <p:bldP spid="20" grpId="0"/>
+      <p:bldP spid="21" grpId="0"/>
+      <p:bldP spid="28" grpId="0"/>
+      <p:bldP spid="35" grpId="0"/>
+    </p:bldLst>
   </p:timing>
 </p:sld>
 </file>
@@ -16823,115 +17236,6 @@
 </p:sld>
 </file>
 
-<file path=ppt/slides/slide26.xml><?xml version="1.0" encoding="utf-8"?>
-<p:sld xmlns:a="http://schemas.openxmlformats.org/drawingml/2006/main" xmlns:r="http://schemas.openxmlformats.org/officeDocument/2006/relationships" xmlns:p="http://schemas.openxmlformats.org/presentationml/2006/main">
-  <p:cSld>
-    <p:bg>
-      <p:bgPr>
-        <a:blipFill dpi="0" rotWithShape="1">
-          <a:blip r:embed="rId2">
-            <a:lum/>
-          </a:blip>
-          <a:srcRect/>
-          <a:stretch>
-            <a:fillRect/>
-          </a:stretch>
-        </a:blipFill>
-        <a:effectLst/>
-      </p:bgPr>
-    </p:bg>
-    <p:spTree>
-      <p:nvGrpSpPr>
-        <p:cNvPr id="1" name=""/>
-        <p:cNvGrpSpPr/>
-        <p:nvPr/>
-      </p:nvGrpSpPr>
-      <p:grpSpPr>
-        <a:xfrm>
-          <a:off x="0" y="0"/>
-          <a:ext cx="0" cy="0"/>
-          <a:chOff x="0" y="0"/>
-          <a:chExt cx="0" cy="0"/>
-        </a:xfrm>
-      </p:grpSpPr>
-      <p:sp>
-        <p:nvSpPr>
-          <p:cNvPr id="2" name="Title 1">
-            <a:extLst>
-              <a:ext uri="{FF2B5EF4-FFF2-40B4-BE49-F238E27FC236}">
-                <a16:creationId xmlns:a16="http://schemas.microsoft.com/office/drawing/2014/main" id="{55E11F08-6CA0-48F1-AD67-97430DDA07F0}"/>
-              </a:ext>
-            </a:extLst>
-          </p:cNvPr>
-          <p:cNvSpPr>
-            <a:spLocks noGrp="1"/>
-          </p:cNvSpPr>
-          <p:nvPr>
-            <p:ph type="title"/>
-          </p:nvPr>
-        </p:nvSpPr>
-        <p:spPr/>
-        <p:txBody>
-          <a:bodyPr/>
-          <a:lstStyle/>
-          <a:p>
-            <a:r>
-              <a:rPr lang="en-US" b="1" dirty="0">
-                <a:solidFill>
-                  <a:srgbClr val="292D33"/>
-                </a:solidFill>
-                <a:latin typeface="Euclid Circular B" panose="020B0504000000000000" pitchFamily="34" charset="0"/>
-                <a:ea typeface="Euclid Circular B" panose="020B0504000000000000" pitchFamily="34" charset="0"/>
-              </a:rPr>
-              <a:t>Topic title</a:t>
-            </a:r>
-          </a:p>
-        </p:txBody>
-      </p:sp>
-      <p:sp>
-        <p:nvSpPr>
-          <p:cNvPr id="3" name="Content Placeholder 2">
-            <a:extLst>
-              <a:ext uri="{FF2B5EF4-FFF2-40B4-BE49-F238E27FC236}">
-                <a16:creationId xmlns:a16="http://schemas.microsoft.com/office/drawing/2014/main" id="{891C7693-D3DF-4635-96F4-97F3B4136FDF}"/>
-              </a:ext>
-            </a:extLst>
-          </p:cNvPr>
-          <p:cNvSpPr>
-            <a:spLocks noGrp="1"/>
-          </p:cNvSpPr>
-          <p:nvPr>
-            <p:ph idx="1"/>
-          </p:nvPr>
-        </p:nvSpPr>
-        <p:spPr/>
-        <p:txBody>
-          <a:bodyPr/>
-          <a:lstStyle/>
-          <a:p>
-            <a:r>
-              <a:rPr lang="en-US" dirty="0">
-                <a:latin typeface="Euclid Circular B" panose="020B0504000000000000" pitchFamily="34" charset="0"/>
-                <a:ea typeface="Euclid Circular B" panose="020B0504000000000000" pitchFamily="34" charset="0"/>
-              </a:rPr>
-              <a:t>Content</a:t>
-            </a:r>
-          </a:p>
-        </p:txBody>
-      </p:sp>
-    </p:spTree>
-    <p:extLst>
-      <p:ext uri="{BB962C8B-B14F-4D97-AF65-F5344CB8AC3E}">
-        <p14:creationId xmlns:p14="http://schemas.microsoft.com/office/powerpoint/2010/main" val="3118168783"/>
-      </p:ext>
-    </p:extLst>
-  </p:cSld>
-  <p:clrMapOvr>
-    <a:masterClrMapping/>
-  </p:clrMapOvr>
-</p:sld>
-</file>
-
 <file path=ppt/slides/slide3.xml><?xml version="1.0" encoding="utf-8"?>
 <p:sld xmlns:a="http://schemas.openxmlformats.org/drawingml/2006/main" xmlns:r="http://schemas.openxmlformats.org/officeDocument/2006/relationships" xmlns:p="http://schemas.openxmlformats.org/presentationml/2006/main">
   <p:cSld>
@@ -16981,484 +17285,76 @@
         </p:nvSpPr>
         <p:spPr/>
         <p:txBody>
-          <a:bodyPr>
-            <a:normAutofit/>
-          </a:bodyPr>
+          <a:bodyPr/>
           <a:lstStyle/>
           <a:p>
             <a:r>
-              <a:rPr lang="en-US" sz="4000" b="1" dirty="0">
+              <a:rPr lang="en-US" b="1" dirty="0">
                 <a:solidFill>
                   <a:srgbClr val="292D33"/>
                 </a:solidFill>
                 <a:latin typeface="Euclid Circular B" panose="020B0504000000000000" pitchFamily="34" charset="0"/>
                 <a:ea typeface="Euclid Circular B" panose="020B0504000000000000" pitchFamily="34" charset="0"/>
               </a:rPr>
-              <a:t>About Me: Halil İbrahim Kalkan</a:t>
-            </a:r>
-          </a:p>
-        </p:txBody>
-      </p:sp>
-      <p:pic>
-        <p:nvPicPr>
-          <p:cNvPr id="9" name="Picture 8" descr="Logo&#10;&#10;Description automatically generated">
-            <a:extLst>
-              <a:ext uri="{FF2B5EF4-FFF2-40B4-BE49-F238E27FC236}">
-                <a16:creationId xmlns:a16="http://schemas.microsoft.com/office/drawing/2014/main" id="{BC5C6BCD-C50A-8C90-FB14-EFE4E01A92AB}"/>
-              </a:ext>
-            </a:extLst>
-          </p:cNvPr>
-          <p:cNvPicPr>
-            <a:picLocks noChangeAspect="1"/>
-          </p:cNvPicPr>
-          <p:nvPr/>
-        </p:nvPicPr>
-        <p:blipFill>
-          <a:blip r:embed="rId3">
-            <a:extLst>
-              <a:ext uri="{28A0092B-C50C-407E-A947-70E740481C1C}">
-                <a14:useLocalDpi xmlns:a14="http://schemas.microsoft.com/office/drawing/2010/main" val="0"/>
-              </a:ext>
-            </a:extLst>
-          </a:blip>
-          <a:stretch>
-            <a:fillRect/>
-          </a:stretch>
-        </p:blipFill>
-        <p:spPr>
-          <a:xfrm>
-            <a:off x="838200" y="3299202"/>
-            <a:ext cx="2349905" cy="574845"/>
-          </a:xfrm>
-          <a:prstGeom prst="rect">
-            <a:avLst/>
-          </a:prstGeom>
-        </p:spPr>
-      </p:pic>
-      <p:pic>
-        <p:nvPicPr>
-          <p:cNvPr id="11" name="Picture 10" descr="Logo&#10;&#10;Description automatically generated with low confidence">
-            <a:extLst>
-              <a:ext uri="{FF2B5EF4-FFF2-40B4-BE49-F238E27FC236}">
-                <a16:creationId xmlns:a16="http://schemas.microsoft.com/office/drawing/2014/main" id="{24CAD372-B142-4EB8-EC23-BF7ACEF3233D}"/>
-              </a:ext>
-            </a:extLst>
-          </p:cNvPr>
-          <p:cNvPicPr>
-            <a:picLocks noChangeAspect="1"/>
-          </p:cNvPicPr>
-          <p:nvPr/>
-        </p:nvPicPr>
-        <p:blipFill>
-          <a:blip r:embed="rId4">
-            <a:extLst>
-              <a:ext uri="{28A0092B-C50C-407E-A947-70E740481C1C}">
-                <a14:useLocalDpi xmlns:a14="http://schemas.microsoft.com/office/drawing/2010/main" val="0"/>
-              </a:ext>
-            </a:extLst>
-          </a:blip>
-          <a:stretch>
-            <a:fillRect/>
-          </a:stretch>
-        </p:blipFill>
-        <p:spPr>
-          <a:xfrm>
-            <a:off x="838200" y="4152677"/>
-            <a:ext cx="1669819" cy="574844"/>
-          </a:xfrm>
-          <a:prstGeom prst="rect">
-            <a:avLst/>
-          </a:prstGeom>
-        </p:spPr>
-      </p:pic>
-      <p:pic>
-        <p:nvPicPr>
-          <p:cNvPr id="15" name="Picture 14" descr="Shape&#10;&#10;Description automatically generated with low confidence">
-            <a:extLst>
-              <a:ext uri="{FF2B5EF4-FFF2-40B4-BE49-F238E27FC236}">
-                <a16:creationId xmlns:a16="http://schemas.microsoft.com/office/drawing/2014/main" id="{B7BD4D82-3C27-5D80-7E8A-A7C68B2A71B0}"/>
-              </a:ext>
-            </a:extLst>
-          </p:cNvPr>
-          <p:cNvPicPr>
-            <a:picLocks noChangeAspect="1"/>
-          </p:cNvPicPr>
-          <p:nvPr/>
-        </p:nvPicPr>
-        <p:blipFill>
-          <a:blip r:embed="rId5">
-            <a:extLst>
-              <a:ext uri="{28A0092B-C50C-407E-A947-70E740481C1C}">
-                <a14:useLocalDpi xmlns:a14="http://schemas.microsoft.com/office/drawing/2010/main" val="0"/>
-              </a:ext>
-            </a:extLst>
-          </a:blip>
-          <a:stretch>
-            <a:fillRect/>
-          </a:stretch>
-        </p:blipFill>
-        <p:spPr>
-          <a:xfrm>
-            <a:off x="838200" y="1690688"/>
-            <a:ext cx="574845" cy="574845"/>
-          </a:xfrm>
-          <a:prstGeom prst="rect">
-            <a:avLst/>
-          </a:prstGeom>
-        </p:spPr>
-      </p:pic>
-      <p:pic>
-        <p:nvPicPr>
-          <p:cNvPr id="17" name="Picture 16" descr="Graphical user interface&#10;&#10;Description automatically generated">
-            <a:extLst>
-              <a:ext uri="{FF2B5EF4-FFF2-40B4-BE49-F238E27FC236}">
-                <a16:creationId xmlns:a16="http://schemas.microsoft.com/office/drawing/2014/main" id="{FB89352D-BFA5-997E-F2D4-59FF9598F283}"/>
-              </a:ext>
-            </a:extLst>
-          </p:cNvPr>
-          <p:cNvPicPr>
-            <a:picLocks noChangeAspect="1"/>
-          </p:cNvPicPr>
-          <p:nvPr/>
-        </p:nvPicPr>
-        <p:blipFill>
-          <a:blip r:embed="rId6">
-            <a:extLst>
-              <a:ext uri="{28A0092B-C50C-407E-A947-70E740481C1C}">
-                <a14:useLocalDpi xmlns:a14="http://schemas.microsoft.com/office/drawing/2010/main" val="0"/>
-              </a:ext>
-            </a:extLst>
-          </a:blip>
-          <a:stretch>
-            <a:fillRect/>
-          </a:stretch>
-        </p:blipFill>
-        <p:spPr>
-          <a:xfrm>
-            <a:off x="842521" y="2445727"/>
-            <a:ext cx="570524" cy="570524"/>
-          </a:xfrm>
-          <a:prstGeom prst="rect">
-            <a:avLst/>
-          </a:prstGeom>
-        </p:spPr>
-      </p:pic>
-      <p:sp>
-        <p:nvSpPr>
-          <p:cNvPr id="18" name="TextBox 17">
-            <a:extLst>
-              <a:ext uri="{FF2B5EF4-FFF2-40B4-BE49-F238E27FC236}">
-                <a16:creationId xmlns:a16="http://schemas.microsoft.com/office/drawing/2014/main" id="{ABF7FED6-A3A2-912F-A643-6446D108DC37}"/>
-              </a:ext>
-            </a:extLst>
-          </p:cNvPr>
-          <p:cNvSpPr txBox="1"/>
-          <p:nvPr/>
-        </p:nvSpPr>
-        <p:spPr>
-          <a:xfrm>
-            <a:off x="1593619" y="1793444"/>
-            <a:ext cx="6294076" cy="369332"/>
-          </a:xfrm>
-          <a:prstGeom prst="rect">
-            <a:avLst/>
-          </a:prstGeom>
-          <a:noFill/>
-        </p:spPr>
-        <p:txBody>
-          <a:bodyPr wrap="square" rtlCol="0">
-            <a:spAutoFit/>
-          </a:bodyPr>
-          <a:lstStyle/>
-          <a:p>
-            <a:r>
-              <a:rPr lang="en-US" dirty="0"/>
-              <a:t>2007, Computer Engineering, </a:t>
-            </a:r>
-            <a:r>
-              <a:rPr lang="en-US" dirty="0" err="1"/>
-              <a:t>Sakarya</a:t>
-            </a:r>
-            <a:r>
-              <a:rPr lang="en-US" dirty="0"/>
-              <a:t> University</a:t>
+              <a:t>Agenda</a:t>
             </a:r>
           </a:p>
         </p:txBody>
       </p:sp>
       <p:sp>
         <p:nvSpPr>
-          <p:cNvPr id="19" name="TextBox 18">
-            <a:extLst>
-              <a:ext uri="{FF2B5EF4-FFF2-40B4-BE49-F238E27FC236}">
-                <a16:creationId xmlns:a16="http://schemas.microsoft.com/office/drawing/2014/main" id="{96E30803-2304-9731-D2EB-5D546AEED5BE}"/>
-              </a:ext>
-            </a:extLst>
-          </p:cNvPr>
-          <p:cNvSpPr txBox="1"/>
-          <p:nvPr/>
+          <p:cNvPr id="3" name="Content Placeholder 2">
+            <a:extLst>
+              <a:ext uri="{FF2B5EF4-FFF2-40B4-BE49-F238E27FC236}">
+                <a16:creationId xmlns:a16="http://schemas.microsoft.com/office/drawing/2014/main" id="{891C7693-D3DF-4635-96F4-97F3B4136FDF}"/>
+              </a:ext>
+            </a:extLst>
+          </p:cNvPr>
+          <p:cNvSpPr>
+            <a:spLocks noGrp="1"/>
+          </p:cNvSpPr>
+          <p:nvPr>
+            <p:ph idx="1"/>
+          </p:nvPr>
         </p:nvSpPr>
-        <p:spPr>
-          <a:xfrm>
-            <a:off x="1593618" y="2546323"/>
-            <a:ext cx="7264135" cy="369332"/>
-          </a:xfrm>
-          <a:prstGeom prst="rect">
-            <a:avLst/>
-          </a:prstGeom>
-          <a:noFill/>
-        </p:spPr>
+        <p:spPr/>
         <p:txBody>
-          <a:bodyPr wrap="square" rtlCol="0">
-            <a:spAutoFit/>
-          </a:bodyPr>
+          <a:bodyPr/>
           <a:lstStyle/>
           <a:p>
             <a:r>
-              <a:rPr lang="en-US" dirty="0"/>
-              <a:t>2007 - 2015: Software developer, software architect, team leader</a:t>
-            </a:r>
-          </a:p>
-        </p:txBody>
-      </p:sp>
-      <p:sp>
-        <p:nvSpPr>
-          <p:cNvPr id="20" name="TextBox 19">
-            <a:extLst>
-              <a:ext uri="{FF2B5EF4-FFF2-40B4-BE49-F238E27FC236}">
-                <a16:creationId xmlns:a16="http://schemas.microsoft.com/office/drawing/2014/main" id="{8ECC5B27-88E5-0AFE-50E3-E8E181CCE32D}"/>
-              </a:ext>
-            </a:extLst>
-          </p:cNvPr>
-          <p:cNvSpPr txBox="1"/>
-          <p:nvPr/>
-        </p:nvSpPr>
-        <p:spPr>
-          <a:xfrm>
-            <a:off x="3399890" y="3401958"/>
-            <a:ext cx="5569182" cy="369332"/>
-          </a:xfrm>
-          <a:prstGeom prst="rect">
-            <a:avLst/>
-          </a:prstGeom>
-          <a:noFill/>
-        </p:spPr>
-        <p:txBody>
-          <a:bodyPr wrap="square" rtlCol="0">
-            <a:spAutoFit/>
-          </a:bodyPr>
-          <a:lstStyle/>
-          <a:p>
-            <a:r>
-              <a:rPr lang="en-US" dirty="0"/>
-              <a:t>2016 - ∞: Co-founder, software architect</a:t>
-            </a:r>
-          </a:p>
-        </p:txBody>
-      </p:sp>
-      <p:sp>
-        <p:nvSpPr>
-          <p:cNvPr id="21" name="TextBox 20">
-            <a:extLst>
-              <a:ext uri="{FF2B5EF4-FFF2-40B4-BE49-F238E27FC236}">
-                <a16:creationId xmlns:a16="http://schemas.microsoft.com/office/drawing/2014/main" id="{2DEB5F01-E10C-2B2C-9A70-8D981E493A3D}"/>
-              </a:ext>
-            </a:extLst>
-          </p:cNvPr>
-          <p:cNvSpPr txBox="1"/>
-          <p:nvPr/>
-        </p:nvSpPr>
-        <p:spPr>
-          <a:xfrm>
-            <a:off x="2693548" y="4255433"/>
-            <a:ext cx="6164205" cy="369332"/>
-          </a:xfrm>
-          <a:prstGeom prst="rect">
-            <a:avLst/>
-          </a:prstGeom>
-          <a:noFill/>
-        </p:spPr>
-        <p:txBody>
-          <a:bodyPr wrap="square" rtlCol="0">
-            <a:spAutoFit/>
-          </a:bodyPr>
-          <a:lstStyle/>
-          <a:p>
-            <a:r>
-              <a:rPr lang="en-US" dirty="0"/>
-              <a:t>2013 - ∞: Lead developer of the open source ABP Framework</a:t>
-            </a:r>
-          </a:p>
-        </p:txBody>
-      </p:sp>
-      <p:pic>
-        <p:nvPicPr>
-          <p:cNvPr id="27" name="Picture 26">
-            <a:extLst>
-              <a:ext uri="{FF2B5EF4-FFF2-40B4-BE49-F238E27FC236}">
-                <a16:creationId xmlns:a16="http://schemas.microsoft.com/office/drawing/2014/main" id="{5CB99BCC-210F-CBDF-B4EF-31DD71338D96}"/>
-              </a:ext>
-            </a:extLst>
-          </p:cNvPr>
-          <p:cNvPicPr>
-            <a:picLocks noChangeAspect="1"/>
-          </p:cNvPicPr>
-          <p:nvPr/>
-        </p:nvPicPr>
-        <p:blipFill>
-          <a:blip r:embed="rId7">
-            <a:extLst>
-              <a:ext uri="{28A0092B-C50C-407E-A947-70E740481C1C}">
-                <a14:useLocalDpi xmlns:a14="http://schemas.microsoft.com/office/drawing/2010/main" val="0"/>
-              </a:ext>
-            </a:extLst>
-          </a:blip>
-          <a:stretch>
-            <a:fillRect/>
-          </a:stretch>
-        </p:blipFill>
-        <p:spPr>
-          <a:xfrm>
-            <a:off x="838200" y="4907716"/>
-            <a:ext cx="570524" cy="570524"/>
-          </a:xfrm>
-          <a:prstGeom prst="rect">
-            <a:avLst/>
-          </a:prstGeom>
-        </p:spPr>
-      </p:pic>
-      <p:sp>
-        <p:nvSpPr>
-          <p:cNvPr id="28" name="TextBox 27">
-            <a:extLst>
-              <a:ext uri="{FF2B5EF4-FFF2-40B4-BE49-F238E27FC236}">
-                <a16:creationId xmlns:a16="http://schemas.microsoft.com/office/drawing/2014/main" id="{5CBC9451-9C27-831B-914E-11C7A47DA08F}"/>
-              </a:ext>
-            </a:extLst>
-          </p:cNvPr>
-          <p:cNvSpPr txBox="1"/>
-          <p:nvPr/>
-        </p:nvSpPr>
-        <p:spPr>
-          <a:xfrm>
-            <a:off x="1523382" y="5006151"/>
-            <a:ext cx="7445689" cy="369332"/>
-          </a:xfrm>
-          <a:prstGeom prst="rect">
-            <a:avLst/>
-          </a:prstGeom>
-          <a:noFill/>
-        </p:spPr>
-        <p:txBody>
-          <a:bodyPr wrap="square" rtlCol="0">
-            <a:spAutoFit/>
-          </a:bodyPr>
-          <a:lstStyle/>
-          <a:p>
-            <a:r>
-              <a:rPr lang="en-US" dirty="0"/>
-              <a:t>Multi-threading, distributed systems, OOP, DDD, software architectures.. etc.</a:t>
-            </a:r>
-          </a:p>
-        </p:txBody>
-      </p:sp>
-      <p:pic>
-        <p:nvPicPr>
-          <p:cNvPr id="30" name="Picture 29">
-            <a:extLst>
-              <a:ext uri="{FF2B5EF4-FFF2-40B4-BE49-F238E27FC236}">
-                <a16:creationId xmlns:a16="http://schemas.microsoft.com/office/drawing/2014/main" id="{27CD280A-7CB2-02B4-5153-3806AE320127}"/>
-              </a:ext>
-            </a:extLst>
-          </p:cNvPr>
-          <p:cNvPicPr>
-            <a:picLocks noChangeAspect="1"/>
-          </p:cNvPicPr>
-          <p:nvPr/>
-        </p:nvPicPr>
-        <p:blipFill>
-          <a:blip r:embed="rId8"/>
-          <a:stretch>
-            <a:fillRect/>
-          </a:stretch>
-        </p:blipFill>
-        <p:spPr>
-          <a:xfrm>
-            <a:off x="8857753" y="390996"/>
-            <a:ext cx="3027844" cy="6177614"/>
-          </a:xfrm>
-          <a:prstGeom prst="rect">
-            <a:avLst/>
-          </a:prstGeom>
-        </p:spPr>
-      </p:pic>
-      <p:pic>
-        <p:nvPicPr>
-          <p:cNvPr id="34" name="Picture 33" descr="Shape&#10;&#10;Description automatically generated with low confidence">
-            <a:extLst>
-              <a:ext uri="{FF2B5EF4-FFF2-40B4-BE49-F238E27FC236}">
-                <a16:creationId xmlns:a16="http://schemas.microsoft.com/office/drawing/2014/main" id="{B9FF7D09-B135-8B4C-D55E-374A94A95630}"/>
-              </a:ext>
-            </a:extLst>
-          </p:cNvPr>
-          <p:cNvPicPr>
-            <a:picLocks noChangeAspect="1"/>
-          </p:cNvPicPr>
-          <p:nvPr/>
-        </p:nvPicPr>
-        <p:blipFill>
-          <a:blip r:embed="rId9">
-            <a:extLst>
-              <a:ext uri="{28A0092B-C50C-407E-A947-70E740481C1C}">
-                <a14:useLocalDpi xmlns:a14="http://schemas.microsoft.com/office/drawing/2010/main" val="0"/>
-              </a:ext>
-            </a:extLst>
-          </a:blip>
-          <a:stretch>
-            <a:fillRect/>
-          </a:stretch>
-        </p:blipFill>
-        <p:spPr>
-          <a:xfrm>
-            <a:off x="838200" y="5662755"/>
-            <a:ext cx="570524" cy="570524"/>
-          </a:xfrm>
-          <a:prstGeom prst="rect">
-            <a:avLst/>
-          </a:prstGeom>
-        </p:spPr>
-      </p:pic>
-      <p:sp>
-        <p:nvSpPr>
-          <p:cNvPr id="35" name="TextBox 34">
-            <a:extLst>
-              <a:ext uri="{FF2B5EF4-FFF2-40B4-BE49-F238E27FC236}">
-                <a16:creationId xmlns:a16="http://schemas.microsoft.com/office/drawing/2014/main" id="{822178D7-97A8-AF48-763E-FDEDC7F66668}"/>
-              </a:ext>
-            </a:extLst>
-          </p:cNvPr>
-          <p:cNvSpPr txBox="1"/>
-          <p:nvPr/>
-        </p:nvSpPr>
-        <p:spPr>
-          <a:xfrm>
-            <a:off x="1523382" y="5763351"/>
-            <a:ext cx="6873196" cy="369332"/>
-          </a:xfrm>
-          <a:prstGeom prst="rect">
-            <a:avLst/>
-          </a:prstGeom>
-          <a:noFill/>
-        </p:spPr>
-        <p:txBody>
-          <a:bodyPr wrap="square" rtlCol="0">
-            <a:spAutoFit/>
-          </a:bodyPr>
-          <a:lstStyle/>
-          <a:p>
-            <a:r>
-              <a:rPr lang="en-US" dirty="0"/>
-              <a:t>Highly active coder, mostly open source.</a:t>
+              <a:rPr lang="en-US" dirty="0">
+                <a:latin typeface="Euclid Circular B" panose="020B0504000000000000" pitchFamily="34" charset="0"/>
+                <a:ea typeface="Euclid Circular B" panose="020B0504000000000000" pitchFamily="34" charset="0"/>
+              </a:rPr>
+              <a:t>Authentication &amp; Authorization</a:t>
+            </a:r>
+          </a:p>
+          <a:p>
+            <a:r>
+              <a:rPr lang="en-US" dirty="0">
+                <a:latin typeface="Euclid Circular B" panose="020B0504000000000000" pitchFamily="34" charset="0"/>
+                <a:ea typeface="Euclid Circular B" panose="020B0504000000000000" pitchFamily="34" charset="0"/>
+              </a:rPr>
+              <a:t>Authorization Types &amp; Requirements</a:t>
+            </a:r>
+          </a:p>
+          <a:p>
+            <a:r>
+              <a:rPr lang="en-US" dirty="0">
+                <a:latin typeface="Euclid Circular B" panose="020B0504000000000000" pitchFamily="34" charset="0"/>
+                <a:ea typeface="Euclid Circular B" panose="020B0504000000000000" pitchFamily="34" charset="0"/>
+              </a:rPr>
+              <a:t>Architectural Discussions</a:t>
+            </a:r>
+          </a:p>
+          <a:p>
+            <a:r>
+              <a:rPr lang="en-US" dirty="0">
+                <a:latin typeface="Euclid Circular B" panose="020B0504000000000000" pitchFamily="34" charset="0"/>
+                <a:ea typeface="Euclid Circular B" panose="020B0504000000000000" pitchFamily="34" charset="0"/>
+              </a:rPr>
+              <a:t>Solutions and Tradeoffs</a:t>
             </a:r>
           </a:p>
         </p:txBody>
@@ -17466,7 +17362,7 @@
     </p:spTree>
     <p:extLst>
       <p:ext uri="{BB962C8B-B14F-4D97-AF65-F5344CB8AC3E}">
-        <p14:creationId xmlns:p14="http://schemas.microsoft.com/office/powerpoint/2010/main" val="759667148"/>
+        <p14:creationId xmlns:p14="http://schemas.microsoft.com/office/powerpoint/2010/main" val="2127823828"/>
       </p:ext>
     </p:extLst>
   </p:cSld>
@@ -17507,7 +17403,11 @@
                                           </p:stCondLst>
                                         </p:cTn>
                                         <p:tgtEl>
-                                          <p:spTgt spid="15"/>
+                                          <p:spTgt spid="3">
+                                            <p:txEl>
+                                              <p:pRg st="0" end="0"/>
+                                            </p:txEl>
+                                          </p:spTgt>
                                         </p:tgtEl>
                                         <p:attrNameLst>
                                           <p:attrName>style.visibility</p:attrName>
@@ -17521,42 +17421,11 @@
                                       <p:cBhvr>
                                         <p:cTn id="7" dur="500"/>
                                         <p:tgtEl>
-                                          <p:spTgt spid="15"/>
-                                        </p:tgtEl>
-                                      </p:cBhvr>
-                                    </p:animEffect>
-                                  </p:childTnLst>
-                                </p:cTn>
-                              </p:par>
-                              <p:par>
-                                <p:cTn id="8" presetID="10" presetClass="entr" presetSubtype="0" fill="hold" grpId="0" nodeType="withEffect">
-                                  <p:stCondLst>
-                                    <p:cond delay="0"/>
-                                  </p:stCondLst>
-                                  <p:childTnLst>
-                                    <p:set>
-                                      <p:cBhvr>
-                                        <p:cTn id="9" dur="1" fill="hold">
-                                          <p:stCondLst>
-                                            <p:cond delay="0"/>
-                                          </p:stCondLst>
-                                        </p:cTn>
-                                        <p:tgtEl>
-                                          <p:spTgt spid="18"/>
-                                        </p:tgtEl>
-                                        <p:attrNameLst>
-                                          <p:attrName>style.visibility</p:attrName>
-                                        </p:attrNameLst>
-                                      </p:cBhvr>
-                                      <p:to>
-                                        <p:strVal val="visible"/>
-                                      </p:to>
-                                    </p:set>
-                                    <p:animEffect transition="in" filter="fade">
-                                      <p:cBhvr>
-                                        <p:cTn id="10" dur="500"/>
-                                        <p:tgtEl>
-                                          <p:spTgt spid="18"/>
+                                          <p:spTgt spid="3">
+                                            <p:txEl>
+                                              <p:pRg st="0" end="0"/>
+                                            </p:txEl>
+                                          </p:spTgt>
                                         </p:tgtEl>
                                       </p:cBhvr>
                                     </p:animEffect>
@@ -17570,32 +17439,36 @@
                     </p:cTn>
                   </p:par>
                   <p:par>
-                    <p:cTn id="11" fill="hold">
+                    <p:cTn id="8" fill="hold">
                       <p:stCondLst>
                         <p:cond delay="indefinite"/>
                       </p:stCondLst>
                       <p:childTnLst>
                         <p:par>
-                          <p:cTn id="12" fill="hold">
+                          <p:cTn id="9" fill="hold">
                             <p:stCondLst>
                               <p:cond delay="0"/>
                             </p:stCondLst>
                             <p:childTnLst>
                               <p:par>
-                                <p:cTn id="13" presetID="10" presetClass="entr" presetSubtype="0" fill="hold" nodeType="clickEffect">
+                                <p:cTn id="10" presetID="10" presetClass="entr" presetSubtype="0" fill="hold" nodeType="clickEffect">
                                   <p:stCondLst>
                                     <p:cond delay="0"/>
                                   </p:stCondLst>
                                   <p:childTnLst>
                                     <p:set>
                                       <p:cBhvr>
-                                        <p:cTn id="14" dur="1" fill="hold">
+                                        <p:cTn id="11" dur="1" fill="hold">
                                           <p:stCondLst>
                                             <p:cond delay="0"/>
                                           </p:stCondLst>
                                         </p:cTn>
                                         <p:tgtEl>
-                                          <p:spTgt spid="17"/>
+                                          <p:spTgt spid="3">
+                                            <p:txEl>
+                                              <p:pRg st="1" end="1"/>
+                                            </p:txEl>
+                                          </p:spTgt>
                                         </p:tgtEl>
                                         <p:attrNameLst>
                                           <p:attrName>style.visibility</p:attrName>
@@ -17607,44 +17480,13 @@
                                     </p:set>
                                     <p:animEffect transition="in" filter="fade">
                                       <p:cBhvr>
-                                        <p:cTn id="15" dur="500"/>
-                                        <p:tgtEl>
-                                          <p:spTgt spid="17"/>
-                                        </p:tgtEl>
-                                      </p:cBhvr>
-                                    </p:animEffect>
-                                  </p:childTnLst>
-                                </p:cTn>
-                              </p:par>
-                              <p:par>
-                                <p:cTn id="16" presetID="10" presetClass="entr" presetSubtype="0" fill="hold" grpId="0" nodeType="withEffect">
-                                  <p:stCondLst>
-                                    <p:cond delay="0"/>
-                                  </p:stCondLst>
-                                  <p:childTnLst>
-                                    <p:set>
-                                      <p:cBhvr>
-                                        <p:cTn id="17" dur="1" fill="hold">
-                                          <p:stCondLst>
-                                            <p:cond delay="0"/>
-                                          </p:stCondLst>
-                                        </p:cTn>
-                                        <p:tgtEl>
-                                          <p:spTgt spid="19"/>
-                                        </p:tgtEl>
-                                        <p:attrNameLst>
-                                          <p:attrName>style.visibility</p:attrName>
-                                        </p:attrNameLst>
-                                      </p:cBhvr>
-                                      <p:to>
-                                        <p:strVal val="visible"/>
-                                      </p:to>
-                                    </p:set>
-                                    <p:animEffect transition="in" filter="fade">
-                                      <p:cBhvr>
-                                        <p:cTn id="18" dur="500"/>
-                                        <p:tgtEl>
-                                          <p:spTgt spid="19"/>
+                                        <p:cTn id="12" dur="500"/>
+                                        <p:tgtEl>
+                                          <p:spTgt spid="3">
+                                            <p:txEl>
+                                              <p:pRg st="1" end="1"/>
+                                            </p:txEl>
+                                          </p:spTgt>
                                         </p:tgtEl>
                                       </p:cBhvr>
                                     </p:animEffect>
@@ -17658,32 +17500,36 @@
                     </p:cTn>
                   </p:par>
                   <p:par>
-                    <p:cTn id="19" fill="hold">
+                    <p:cTn id="13" fill="hold">
                       <p:stCondLst>
                         <p:cond delay="indefinite"/>
                       </p:stCondLst>
                       <p:childTnLst>
                         <p:par>
-                          <p:cTn id="20" fill="hold">
+                          <p:cTn id="14" fill="hold">
                             <p:stCondLst>
                               <p:cond delay="0"/>
                             </p:stCondLst>
                             <p:childTnLst>
                               <p:par>
-                                <p:cTn id="21" presetID="10" presetClass="entr" presetSubtype="0" fill="hold" grpId="0" nodeType="clickEffect">
+                                <p:cTn id="15" presetID="10" presetClass="entr" presetSubtype="0" fill="hold" nodeType="clickEffect">
                                   <p:stCondLst>
                                     <p:cond delay="0"/>
                                   </p:stCondLst>
                                   <p:childTnLst>
                                     <p:set>
                                       <p:cBhvr>
-                                        <p:cTn id="22" dur="1" fill="hold">
+                                        <p:cTn id="16" dur="1" fill="hold">
                                           <p:stCondLst>
                                             <p:cond delay="0"/>
                                           </p:stCondLst>
                                         </p:cTn>
                                         <p:tgtEl>
-                                          <p:spTgt spid="20"/>
+                                          <p:spTgt spid="3">
+                                            <p:txEl>
+                                              <p:pRg st="2" end="2"/>
+                                            </p:txEl>
+                                          </p:spTgt>
                                         </p:tgtEl>
                                         <p:attrNameLst>
                                           <p:attrName>style.visibility</p:attrName>
@@ -17695,44 +17541,13 @@
                                     </p:set>
                                     <p:animEffect transition="in" filter="fade">
                                       <p:cBhvr>
-                                        <p:cTn id="23" dur="500"/>
-                                        <p:tgtEl>
-                                          <p:spTgt spid="20"/>
-                                        </p:tgtEl>
-                                      </p:cBhvr>
-                                    </p:animEffect>
-                                  </p:childTnLst>
-                                </p:cTn>
-                              </p:par>
-                              <p:par>
-                                <p:cTn id="24" presetID="10" presetClass="entr" presetSubtype="0" fill="hold" nodeType="withEffect">
-                                  <p:stCondLst>
-                                    <p:cond delay="0"/>
-                                  </p:stCondLst>
-                                  <p:childTnLst>
-                                    <p:set>
-                                      <p:cBhvr>
-                                        <p:cTn id="25" dur="1" fill="hold">
-                                          <p:stCondLst>
-                                            <p:cond delay="0"/>
-                                          </p:stCondLst>
-                                        </p:cTn>
-                                        <p:tgtEl>
-                                          <p:spTgt spid="9"/>
-                                        </p:tgtEl>
-                                        <p:attrNameLst>
-                                          <p:attrName>style.visibility</p:attrName>
-                                        </p:attrNameLst>
-                                      </p:cBhvr>
-                                      <p:to>
-                                        <p:strVal val="visible"/>
-                                      </p:to>
-                                    </p:set>
-                                    <p:animEffect transition="in" filter="fade">
-                                      <p:cBhvr>
-                                        <p:cTn id="26" dur="500"/>
-                                        <p:tgtEl>
-                                          <p:spTgt spid="9"/>
+                                        <p:cTn id="17" dur="500"/>
+                                        <p:tgtEl>
+                                          <p:spTgt spid="3">
+                                            <p:txEl>
+                                              <p:pRg st="2" end="2"/>
+                                            </p:txEl>
+                                          </p:spTgt>
                                         </p:tgtEl>
                                       </p:cBhvr>
                                     </p:animEffect>
@@ -17746,32 +17561,36 @@
                     </p:cTn>
                   </p:par>
                   <p:par>
-                    <p:cTn id="27" fill="hold">
+                    <p:cTn id="18" fill="hold">
                       <p:stCondLst>
                         <p:cond delay="indefinite"/>
                       </p:stCondLst>
                       <p:childTnLst>
                         <p:par>
-                          <p:cTn id="28" fill="hold">
+                          <p:cTn id="19" fill="hold">
                             <p:stCondLst>
                               <p:cond delay="0"/>
                             </p:stCondLst>
                             <p:childTnLst>
                               <p:par>
-                                <p:cTn id="29" presetID="10" presetClass="entr" presetSubtype="0" fill="hold" grpId="0" nodeType="clickEffect">
+                                <p:cTn id="20" presetID="10" presetClass="entr" presetSubtype="0" fill="hold" nodeType="clickEffect">
                                   <p:stCondLst>
                                     <p:cond delay="0"/>
                                   </p:stCondLst>
                                   <p:childTnLst>
                                     <p:set>
                                       <p:cBhvr>
-                                        <p:cTn id="30" dur="1" fill="hold">
+                                        <p:cTn id="21" dur="1" fill="hold">
                                           <p:stCondLst>
                                             <p:cond delay="0"/>
                                           </p:stCondLst>
                                         </p:cTn>
                                         <p:tgtEl>
-                                          <p:spTgt spid="21"/>
+                                          <p:spTgt spid="3">
+                                            <p:txEl>
+                                              <p:pRg st="3" end="3"/>
+                                            </p:txEl>
+                                          </p:spTgt>
                                         </p:tgtEl>
                                         <p:attrNameLst>
                                           <p:attrName>style.visibility</p:attrName>
@@ -17783,255 +17602,13 @@
                                     </p:set>
                                     <p:animEffect transition="in" filter="fade">
                                       <p:cBhvr>
-                                        <p:cTn id="31" dur="500"/>
-                                        <p:tgtEl>
-                                          <p:spTgt spid="21"/>
-                                        </p:tgtEl>
-                                      </p:cBhvr>
-                                    </p:animEffect>
-                                  </p:childTnLst>
-                                </p:cTn>
-                              </p:par>
-                              <p:par>
-                                <p:cTn id="32" presetID="10" presetClass="entr" presetSubtype="0" fill="hold" nodeType="withEffect">
-                                  <p:stCondLst>
-                                    <p:cond delay="0"/>
-                                  </p:stCondLst>
-                                  <p:childTnLst>
-                                    <p:set>
-                                      <p:cBhvr>
-                                        <p:cTn id="33" dur="1" fill="hold">
-                                          <p:stCondLst>
-                                            <p:cond delay="0"/>
-                                          </p:stCondLst>
-                                        </p:cTn>
-                                        <p:tgtEl>
-                                          <p:spTgt spid="11"/>
-                                        </p:tgtEl>
-                                        <p:attrNameLst>
-                                          <p:attrName>style.visibility</p:attrName>
-                                        </p:attrNameLst>
-                                      </p:cBhvr>
-                                      <p:to>
-                                        <p:strVal val="visible"/>
-                                      </p:to>
-                                    </p:set>
-                                    <p:animEffect transition="in" filter="fade">
-                                      <p:cBhvr>
-                                        <p:cTn id="34" dur="500"/>
-                                        <p:tgtEl>
-                                          <p:spTgt spid="11"/>
-                                        </p:tgtEl>
-                                      </p:cBhvr>
-                                    </p:animEffect>
-                                  </p:childTnLst>
-                                </p:cTn>
-                              </p:par>
-                            </p:childTnLst>
-                          </p:cTn>
-                        </p:par>
-                      </p:childTnLst>
-                    </p:cTn>
-                  </p:par>
-                  <p:par>
-                    <p:cTn id="35" fill="hold">
-                      <p:stCondLst>
-                        <p:cond delay="indefinite"/>
-                      </p:stCondLst>
-                      <p:childTnLst>
-                        <p:par>
-                          <p:cTn id="36" fill="hold">
-                            <p:stCondLst>
-                              <p:cond delay="0"/>
-                            </p:stCondLst>
-                            <p:childTnLst>
-                              <p:par>
-                                <p:cTn id="37" presetID="10" presetClass="entr" presetSubtype="0" fill="hold" grpId="0" nodeType="clickEffect">
-                                  <p:stCondLst>
-                                    <p:cond delay="0"/>
-                                  </p:stCondLst>
-                                  <p:childTnLst>
-                                    <p:set>
-                                      <p:cBhvr>
-                                        <p:cTn id="38" dur="1" fill="hold">
-                                          <p:stCondLst>
-                                            <p:cond delay="0"/>
-                                          </p:stCondLst>
-                                        </p:cTn>
-                                        <p:tgtEl>
-                                          <p:spTgt spid="28"/>
-                                        </p:tgtEl>
-                                        <p:attrNameLst>
-                                          <p:attrName>style.visibility</p:attrName>
-                                        </p:attrNameLst>
-                                      </p:cBhvr>
-                                      <p:to>
-                                        <p:strVal val="visible"/>
-                                      </p:to>
-                                    </p:set>
-                                    <p:animEffect transition="in" filter="fade">
-                                      <p:cBhvr>
-                                        <p:cTn id="39" dur="500"/>
-                                        <p:tgtEl>
-                                          <p:spTgt spid="28"/>
-                                        </p:tgtEl>
-                                      </p:cBhvr>
-                                    </p:animEffect>
-                                  </p:childTnLst>
-                                </p:cTn>
-                              </p:par>
-                              <p:par>
-                                <p:cTn id="40" presetID="10" presetClass="entr" presetSubtype="0" fill="hold" nodeType="withEffect">
-                                  <p:stCondLst>
-                                    <p:cond delay="0"/>
-                                  </p:stCondLst>
-                                  <p:childTnLst>
-                                    <p:set>
-                                      <p:cBhvr>
-                                        <p:cTn id="41" dur="1" fill="hold">
-                                          <p:stCondLst>
-                                            <p:cond delay="0"/>
-                                          </p:stCondLst>
-                                        </p:cTn>
-                                        <p:tgtEl>
-                                          <p:spTgt spid="27"/>
-                                        </p:tgtEl>
-                                        <p:attrNameLst>
-                                          <p:attrName>style.visibility</p:attrName>
-                                        </p:attrNameLst>
-                                      </p:cBhvr>
-                                      <p:to>
-                                        <p:strVal val="visible"/>
-                                      </p:to>
-                                    </p:set>
-                                    <p:animEffect transition="in" filter="fade">
-                                      <p:cBhvr>
-                                        <p:cTn id="42" dur="500"/>
-                                        <p:tgtEl>
-                                          <p:spTgt spid="27"/>
-                                        </p:tgtEl>
-                                      </p:cBhvr>
-                                    </p:animEffect>
-                                  </p:childTnLst>
-                                </p:cTn>
-                              </p:par>
-                            </p:childTnLst>
-                          </p:cTn>
-                        </p:par>
-                      </p:childTnLst>
-                    </p:cTn>
-                  </p:par>
-                  <p:par>
-                    <p:cTn id="43" fill="hold">
-                      <p:stCondLst>
-                        <p:cond delay="indefinite"/>
-                      </p:stCondLst>
-                      <p:childTnLst>
-                        <p:par>
-                          <p:cTn id="44" fill="hold">
-                            <p:stCondLst>
-                              <p:cond delay="0"/>
-                            </p:stCondLst>
-                            <p:childTnLst>
-                              <p:par>
-                                <p:cTn id="45" presetID="10" presetClass="entr" presetSubtype="0" fill="hold" grpId="0" nodeType="clickEffect">
-                                  <p:stCondLst>
-                                    <p:cond delay="0"/>
-                                  </p:stCondLst>
-                                  <p:childTnLst>
-                                    <p:set>
-                                      <p:cBhvr>
-                                        <p:cTn id="46" dur="1" fill="hold">
-                                          <p:stCondLst>
-                                            <p:cond delay="0"/>
-                                          </p:stCondLst>
-                                        </p:cTn>
-                                        <p:tgtEl>
-                                          <p:spTgt spid="35"/>
-                                        </p:tgtEl>
-                                        <p:attrNameLst>
-                                          <p:attrName>style.visibility</p:attrName>
-                                        </p:attrNameLst>
-                                      </p:cBhvr>
-                                      <p:to>
-                                        <p:strVal val="visible"/>
-                                      </p:to>
-                                    </p:set>
-                                    <p:animEffect transition="in" filter="fade">
-                                      <p:cBhvr>
-                                        <p:cTn id="47" dur="500"/>
-                                        <p:tgtEl>
-                                          <p:spTgt spid="35"/>
-                                        </p:tgtEl>
-                                      </p:cBhvr>
-                                    </p:animEffect>
-                                  </p:childTnLst>
-                                </p:cTn>
-                              </p:par>
-                              <p:par>
-                                <p:cTn id="48" presetID="10" presetClass="entr" presetSubtype="0" fill="hold" nodeType="withEffect">
-                                  <p:stCondLst>
-                                    <p:cond delay="0"/>
-                                  </p:stCondLst>
-                                  <p:childTnLst>
-                                    <p:set>
-                                      <p:cBhvr>
-                                        <p:cTn id="49" dur="1" fill="hold">
-                                          <p:stCondLst>
-                                            <p:cond delay="0"/>
-                                          </p:stCondLst>
-                                        </p:cTn>
-                                        <p:tgtEl>
-                                          <p:spTgt spid="34"/>
-                                        </p:tgtEl>
-                                        <p:attrNameLst>
-                                          <p:attrName>style.visibility</p:attrName>
-                                        </p:attrNameLst>
-                                      </p:cBhvr>
-                                      <p:to>
-                                        <p:strVal val="visible"/>
-                                      </p:to>
-                                    </p:set>
-                                    <p:animEffect transition="in" filter="fade">
-                                      <p:cBhvr>
-                                        <p:cTn id="50" dur="500"/>
-                                        <p:tgtEl>
-                                          <p:spTgt spid="34"/>
-                                        </p:tgtEl>
-                                      </p:cBhvr>
-                                    </p:animEffect>
-                                  </p:childTnLst>
-                                </p:cTn>
-                              </p:par>
-                              <p:par>
-                                <p:cTn id="51" presetID="10" presetClass="entr" presetSubtype="0" fill="hold" nodeType="withEffect">
-                                  <p:stCondLst>
-                                    <p:cond delay="0"/>
-                                  </p:stCondLst>
-                                  <p:childTnLst>
-                                    <p:set>
-                                      <p:cBhvr>
-                                        <p:cTn id="52" dur="1" fill="hold">
-                                          <p:stCondLst>
-                                            <p:cond delay="0"/>
-                                          </p:stCondLst>
-                                        </p:cTn>
-                                        <p:tgtEl>
-                                          <p:spTgt spid="30"/>
-                                        </p:tgtEl>
-                                        <p:attrNameLst>
-                                          <p:attrName>style.visibility</p:attrName>
-                                        </p:attrNameLst>
-                                      </p:cBhvr>
-                                      <p:to>
-                                        <p:strVal val="visible"/>
-                                      </p:to>
-                                    </p:set>
-                                    <p:animEffect transition="in" filter="fade">
-                                      <p:cBhvr>
-                                        <p:cTn id="53" dur="500"/>
-                                        <p:tgtEl>
-                                          <p:spTgt spid="30"/>
+                                        <p:cTn id="22" dur="500"/>
+                                        <p:tgtEl>
+                                          <p:spTgt spid="3">
+                                            <p:txEl>
+                                              <p:pRg st="3" end="3"/>
+                                            </p:txEl>
+                                          </p:spTgt>
                                         </p:tgtEl>
                                       </p:cBhvr>
                                     </p:animEffect>
@@ -18065,14 +17642,6 @@
         </p:cTn>
       </p:par>
     </p:tnLst>
-    <p:bldLst>
-      <p:bldP spid="18" grpId="0"/>
-      <p:bldP spid="19" grpId="0"/>
-      <p:bldP spid="20" grpId="0"/>
-      <p:bldP spid="21" grpId="0"/>
-      <p:bldP spid="28" grpId="0"/>
-      <p:bldP spid="35" grpId="0"/>
-    </p:bldLst>
   </p:timing>
 </p:sld>
 </file>

--- a/2022-10-15 Authorization-In-Distributed-Systems/Authorization-In-Distributed-Systems-Short.pptx
+++ b/2022-10-15 Authorization-In-Distributed-Systems/Authorization-In-Distributed-Systems-Short.pptx
@@ -283,7 +283,7 @@
           <a:p>
             <a:fld id="{2A14C9FE-EBC3-45D3-899C-58AAF4F8AF71}" type="datetimeFigureOut">
               <a:rPr lang="en-US" smtClean="0"/>
-              <a:t>01-Nov-22</a:t>
+              <a:t>02-Nov-22</a:t>
             </a:fld>
             <a:endParaRPr lang="en-US"/>
           </a:p>
@@ -481,7 +481,7 @@
           <a:p>
             <a:fld id="{2A14C9FE-EBC3-45D3-899C-58AAF4F8AF71}" type="datetimeFigureOut">
               <a:rPr lang="en-US" smtClean="0"/>
-              <a:t>01-Nov-22</a:t>
+              <a:t>02-Nov-22</a:t>
             </a:fld>
             <a:endParaRPr lang="en-US"/>
           </a:p>
@@ -689,7 +689,7 @@
           <a:p>
             <a:fld id="{2A14C9FE-EBC3-45D3-899C-58AAF4F8AF71}" type="datetimeFigureOut">
               <a:rPr lang="en-US" smtClean="0"/>
-              <a:t>01-Nov-22</a:t>
+              <a:t>02-Nov-22</a:t>
             </a:fld>
             <a:endParaRPr lang="en-US"/>
           </a:p>
@@ -887,7 +887,7 @@
           <a:p>
             <a:fld id="{2A14C9FE-EBC3-45D3-899C-58AAF4F8AF71}" type="datetimeFigureOut">
               <a:rPr lang="en-US" smtClean="0"/>
-              <a:t>01-Nov-22</a:t>
+              <a:t>02-Nov-22</a:t>
             </a:fld>
             <a:endParaRPr lang="en-US"/>
           </a:p>
@@ -1162,7 +1162,7 @@
           <a:p>
             <a:fld id="{2A14C9FE-EBC3-45D3-899C-58AAF4F8AF71}" type="datetimeFigureOut">
               <a:rPr lang="en-US" smtClean="0"/>
-              <a:t>01-Nov-22</a:t>
+              <a:t>02-Nov-22</a:t>
             </a:fld>
             <a:endParaRPr lang="en-US"/>
           </a:p>
@@ -1427,7 +1427,7 @@
           <a:p>
             <a:fld id="{2A14C9FE-EBC3-45D3-899C-58AAF4F8AF71}" type="datetimeFigureOut">
               <a:rPr lang="en-US" smtClean="0"/>
-              <a:t>01-Nov-22</a:t>
+              <a:t>02-Nov-22</a:t>
             </a:fld>
             <a:endParaRPr lang="en-US"/>
           </a:p>
@@ -1839,7 +1839,7 @@
           <a:p>
             <a:fld id="{2A14C9FE-EBC3-45D3-899C-58AAF4F8AF71}" type="datetimeFigureOut">
               <a:rPr lang="en-US" smtClean="0"/>
-              <a:t>01-Nov-22</a:t>
+              <a:t>02-Nov-22</a:t>
             </a:fld>
             <a:endParaRPr lang="en-US"/>
           </a:p>
@@ -1980,7 +1980,7 @@
           <a:p>
             <a:fld id="{2A14C9FE-EBC3-45D3-899C-58AAF4F8AF71}" type="datetimeFigureOut">
               <a:rPr lang="en-US" smtClean="0"/>
-              <a:t>01-Nov-22</a:t>
+              <a:t>02-Nov-22</a:t>
             </a:fld>
             <a:endParaRPr lang="en-US"/>
           </a:p>
@@ -2093,7 +2093,7 @@
           <a:p>
             <a:fld id="{2A14C9FE-EBC3-45D3-899C-58AAF4F8AF71}" type="datetimeFigureOut">
               <a:rPr lang="en-US" smtClean="0"/>
-              <a:t>01-Nov-22</a:t>
+              <a:t>02-Nov-22</a:t>
             </a:fld>
             <a:endParaRPr lang="en-US"/>
           </a:p>
@@ -2404,7 +2404,7 @@
           <a:p>
             <a:fld id="{2A14C9FE-EBC3-45D3-899C-58AAF4F8AF71}" type="datetimeFigureOut">
               <a:rPr lang="en-US" smtClean="0"/>
-              <a:t>01-Nov-22</a:t>
+              <a:t>02-Nov-22</a:t>
             </a:fld>
             <a:endParaRPr lang="en-US"/>
           </a:p>
@@ -2692,7 +2692,7 @@
           <a:p>
             <a:fld id="{2A14C9FE-EBC3-45D3-899C-58AAF4F8AF71}" type="datetimeFigureOut">
               <a:rPr lang="en-US" smtClean="0"/>
-              <a:t>01-Nov-22</a:t>
+              <a:t>02-Nov-22</a:t>
             </a:fld>
             <a:endParaRPr lang="en-US"/>
           </a:p>
@@ -2933,7 +2933,7 @@
           <a:p>
             <a:fld id="{2A14C9FE-EBC3-45D3-899C-58AAF4F8AF71}" type="datetimeFigureOut">
               <a:rPr lang="en-US" smtClean="0"/>
-              <a:t>01-Nov-22</a:t>
+              <a:t>02-Nov-22</a:t>
             </a:fld>
             <a:endParaRPr lang="en-US"/>
           </a:p>
@@ -11237,7 +11237,7 @@
                                           </p:stCondLst>
                                         </p:cTn>
                                         <p:tgtEl>
-                                          <p:spTgt spid="6"/>
+                                          <p:spTgt spid="8"/>
                                         </p:tgtEl>
                                         <p:attrNameLst>
                                           <p:attrName>style.visibility</p:attrName>
@@ -11251,77 +11251,7 @@
                                       <p:cBhvr>
                                         <p:cTn id="7" dur="500"/>
                                         <p:tgtEl>
-                                          <p:spTgt spid="6"/>
-                                        </p:tgtEl>
-                                      </p:cBhvr>
-                                    </p:animEffect>
-                                  </p:childTnLst>
-                                </p:cTn>
-                              </p:par>
-                              <p:par>
-                                <p:cTn id="8" presetID="10" presetClass="entr" presetSubtype="0" fill="hold" grpId="0" nodeType="withEffect">
-                                  <p:stCondLst>
-                                    <p:cond delay="0"/>
-                                  </p:stCondLst>
-                                  <p:childTnLst>
-                                    <p:set>
-                                      <p:cBhvr>
-                                        <p:cTn id="9" dur="1" fill="hold">
-                                          <p:stCondLst>
-                                            <p:cond delay="0"/>
-                                          </p:stCondLst>
-                                        </p:cTn>
-                                        <p:tgtEl>
-                                          <p:spTgt spid="27"/>
-                                        </p:tgtEl>
-                                        <p:attrNameLst>
-                                          <p:attrName>style.visibility</p:attrName>
-                                        </p:attrNameLst>
-                                      </p:cBhvr>
-                                      <p:to>
-                                        <p:strVal val="visible"/>
-                                      </p:to>
-                                    </p:set>
-                                    <p:animEffect transition="in" filter="fade">
-                                      <p:cBhvr>
-                                        <p:cTn id="10" dur="500"/>
-                                        <p:tgtEl>
-                                          <p:spTgt spid="27"/>
-                                        </p:tgtEl>
-                                      </p:cBhvr>
-                                    </p:animEffect>
-                                  </p:childTnLst>
-                                </p:cTn>
-                              </p:par>
-                              <p:par>
-                                <p:cTn id="11" presetID="10" presetClass="entr" presetSubtype="0" fill="hold" nodeType="withEffect">
-                                  <p:stCondLst>
-                                    <p:cond delay="0"/>
-                                  </p:stCondLst>
-                                  <p:childTnLst>
-                                    <p:set>
-                                      <p:cBhvr>
-                                        <p:cTn id="12" dur="1" fill="hold">
-                                          <p:stCondLst>
-                                            <p:cond delay="0"/>
-                                          </p:stCondLst>
-                                        </p:cTn>
-                                        <p:tgtEl>
-                                          <p:spTgt spid="11"/>
-                                        </p:tgtEl>
-                                        <p:attrNameLst>
-                                          <p:attrName>style.visibility</p:attrName>
-                                        </p:attrNameLst>
-                                      </p:cBhvr>
-                                      <p:to>
-                                        <p:strVal val="visible"/>
-                                      </p:to>
-                                    </p:set>
-                                    <p:animEffect transition="in" filter="fade">
-                                      <p:cBhvr>
-                                        <p:cTn id="13" dur="500"/>
-                                        <p:tgtEl>
-                                          <p:spTgt spid="11"/>
+                                          <p:spTgt spid="8"/>
                                         </p:tgtEl>
                                       </p:cBhvr>
                                     </p:animEffect>
@@ -11335,32 +11265,102 @@
                     </p:cTn>
                   </p:par>
                   <p:par>
-                    <p:cTn id="14" fill="hold">
+                    <p:cTn id="8" fill="hold">
                       <p:stCondLst>
                         <p:cond delay="indefinite"/>
                       </p:stCondLst>
                       <p:childTnLst>
                         <p:par>
-                          <p:cTn id="15" fill="hold">
+                          <p:cTn id="9" fill="hold">
                             <p:stCondLst>
                               <p:cond delay="0"/>
                             </p:stCondLst>
                             <p:childTnLst>
                               <p:par>
-                                <p:cTn id="16" presetID="10" presetClass="entr" presetSubtype="0" fill="hold" grpId="0" nodeType="clickEffect">
+                                <p:cTn id="10" presetID="10" presetClass="entr" presetSubtype="0" fill="hold" grpId="0" nodeType="clickEffect">
                                   <p:stCondLst>
                                     <p:cond delay="0"/>
                                   </p:stCondLst>
                                   <p:childTnLst>
                                     <p:set>
                                       <p:cBhvr>
+                                        <p:cTn id="11" dur="1" fill="hold">
+                                          <p:stCondLst>
+                                            <p:cond delay="0"/>
+                                          </p:stCondLst>
+                                        </p:cTn>
+                                        <p:tgtEl>
+                                          <p:spTgt spid="6"/>
+                                        </p:tgtEl>
+                                        <p:attrNameLst>
+                                          <p:attrName>style.visibility</p:attrName>
+                                        </p:attrNameLst>
+                                      </p:cBhvr>
+                                      <p:to>
+                                        <p:strVal val="visible"/>
+                                      </p:to>
+                                    </p:set>
+                                    <p:animEffect transition="in" filter="fade">
+                                      <p:cBhvr>
+                                        <p:cTn id="12" dur="500"/>
+                                        <p:tgtEl>
+                                          <p:spTgt spid="6"/>
+                                        </p:tgtEl>
+                                      </p:cBhvr>
+                                    </p:animEffect>
+                                  </p:childTnLst>
+                                </p:cTn>
+                              </p:par>
+                              <p:par>
+                                <p:cTn id="13" presetID="10" presetClass="entr" presetSubtype="0" fill="hold" grpId="0" nodeType="withEffect">
+                                  <p:stCondLst>
+                                    <p:cond delay="0"/>
+                                  </p:stCondLst>
+                                  <p:childTnLst>
+                                    <p:set>
+                                      <p:cBhvr>
+                                        <p:cTn id="14" dur="1" fill="hold">
+                                          <p:stCondLst>
+                                            <p:cond delay="0"/>
+                                          </p:stCondLst>
+                                        </p:cTn>
+                                        <p:tgtEl>
+                                          <p:spTgt spid="27"/>
+                                        </p:tgtEl>
+                                        <p:attrNameLst>
+                                          <p:attrName>style.visibility</p:attrName>
+                                        </p:attrNameLst>
+                                      </p:cBhvr>
+                                      <p:to>
+                                        <p:strVal val="visible"/>
+                                      </p:to>
+                                    </p:set>
+                                    <p:animEffect transition="in" filter="fade">
+                                      <p:cBhvr>
+                                        <p:cTn id="15" dur="500"/>
+                                        <p:tgtEl>
+                                          <p:spTgt spid="27"/>
+                                        </p:tgtEl>
+                                      </p:cBhvr>
+                                    </p:animEffect>
+                                  </p:childTnLst>
+                                </p:cTn>
+                              </p:par>
+                              <p:par>
+                                <p:cTn id="16" presetID="10" presetClass="entr" presetSubtype="0" fill="hold" nodeType="withEffect">
+                                  <p:stCondLst>
+                                    <p:cond delay="0"/>
+                                  </p:stCondLst>
+                                  <p:childTnLst>
+                                    <p:set>
+                                      <p:cBhvr>
                                         <p:cTn id="17" dur="1" fill="hold">
                                           <p:stCondLst>
                                             <p:cond delay="0"/>
                                           </p:stCondLst>
                                         </p:cTn>
                                         <p:tgtEl>
-                                          <p:spTgt spid="7"/>
+                                          <p:spTgt spid="11"/>
                                         </p:tgtEl>
                                         <p:attrNameLst>
                                           <p:attrName>style.visibility</p:attrName>
@@ -11374,77 +11374,7 @@
                                       <p:cBhvr>
                                         <p:cTn id="18" dur="500"/>
                                         <p:tgtEl>
-                                          <p:spTgt spid="7"/>
-                                        </p:tgtEl>
-                                      </p:cBhvr>
-                                    </p:animEffect>
-                                  </p:childTnLst>
-                                </p:cTn>
-                              </p:par>
-                              <p:par>
-                                <p:cTn id="19" presetID="10" presetClass="entr" presetSubtype="0" fill="hold" nodeType="withEffect">
-                                  <p:stCondLst>
-                                    <p:cond delay="0"/>
-                                  </p:stCondLst>
-                                  <p:childTnLst>
-                                    <p:set>
-                                      <p:cBhvr>
-                                        <p:cTn id="20" dur="1" fill="hold">
-                                          <p:stCondLst>
-                                            <p:cond delay="0"/>
-                                          </p:stCondLst>
-                                        </p:cTn>
-                                        <p:tgtEl>
-                                          <p:spTgt spid="12"/>
-                                        </p:tgtEl>
-                                        <p:attrNameLst>
-                                          <p:attrName>style.visibility</p:attrName>
-                                        </p:attrNameLst>
-                                      </p:cBhvr>
-                                      <p:to>
-                                        <p:strVal val="visible"/>
-                                      </p:to>
-                                    </p:set>
-                                    <p:animEffect transition="in" filter="fade">
-                                      <p:cBhvr>
-                                        <p:cTn id="21" dur="500"/>
-                                        <p:tgtEl>
-                                          <p:spTgt spid="12"/>
-                                        </p:tgtEl>
-                                      </p:cBhvr>
-                                    </p:animEffect>
-                                  </p:childTnLst>
-                                </p:cTn>
-                              </p:par>
-                              <p:par>
-                                <p:cTn id="22" presetID="10" presetClass="entr" presetSubtype="0" fill="hold" grpId="0" nodeType="withEffect">
-                                  <p:stCondLst>
-                                    <p:cond delay="0"/>
-                                  </p:stCondLst>
-                                  <p:childTnLst>
-                                    <p:set>
-                                      <p:cBhvr>
-                                        <p:cTn id="23" dur="1" fill="hold">
-                                          <p:stCondLst>
-                                            <p:cond delay="0"/>
-                                          </p:stCondLst>
-                                        </p:cTn>
-                                        <p:tgtEl>
-                                          <p:spTgt spid="28"/>
-                                        </p:tgtEl>
-                                        <p:attrNameLst>
-                                          <p:attrName>style.visibility</p:attrName>
-                                        </p:attrNameLst>
-                                      </p:cBhvr>
-                                      <p:to>
-                                        <p:strVal val="visible"/>
-                                      </p:to>
-                                    </p:set>
-                                    <p:animEffect transition="in" filter="fade">
-                                      <p:cBhvr>
-                                        <p:cTn id="24" dur="500"/>
-                                        <p:tgtEl>
-                                          <p:spTgt spid="28"/>
+                                          <p:spTgt spid="11"/>
                                         </p:tgtEl>
                                       </p:cBhvr>
                                     </p:animEffect>
@@ -11458,32 +11388,102 @@
                     </p:cTn>
                   </p:par>
                   <p:par>
-                    <p:cTn id="25" fill="hold">
+                    <p:cTn id="19" fill="hold">
                       <p:stCondLst>
                         <p:cond delay="indefinite"/>
                       </p:stCondLst>
                       <p:childTnLst>
                         <p:par>
-                          <p:cTn id="26" fill="hold">
+                          <p:cTn id="20" fill="hold">
                             <p:stCondLst>
                               <p:cond delay="0"/>
                             </p:stCondLst>
                             <p:childTnLst>
                               <p:par>
-                                <p:cTn id="27" presetID="10" presetClass="entr" presetSubtype="0" fill="hold" grpId="0" nodeType="clickEffect">
+                                <p:cTn id="21" presetID="10" presetClass="entr" presetSubtype="0" fill="hold" grpId="0" nodeType="clickEffect">
                                   <p:stCondLst>
                                     <p:cond delay="0"/>
                                   </p:stCondLst>
                                   <p:childTnLst>
                                     <p:set>
                                       <p:cBhvr>
+                                        <p:cTn id="22" dur="1" fill="hold">
+                                          <p:stCondLst>
+                                            <p:cond delay="0"/>
+                                          </p:stCondLst>
+                                        </p:cTn>
+                                        <p:tgtEl>
+                                          <p:spTgt spid="7"/>
+                                        </p:tgtEl>
+                                        <p:attrNameLst>
+                                          <p:attrName>style.visibility</p:attrName>
+                                        </p:attrNameLst>
+                                      </p:cBhvr>
+                                      <p:to>
+                                        <p:strVal val="visible"/>
+                                      </p:to>
+                                    </p:set>
+                                    <p:animEffect transition="in" filter="fade">
+                                      <p:cBhvr>
+                                        <p:cTn id="23" dur="500"/>
+                                        <p:tgtEl>
+                                          <p:spTgt spid="7"/>
+                                        </p:tgtEl>
+                                      </p:cBhvr>
+                                    </p:animEffect>
+                                  </p:childTnLst>
+                                </p:cTn>
+                              </p:par>
+                              <p:par>
+                                <p:cTn id="24" presetID="10" presetClass="entr" presetSubtype="0" fill="hold" nodeType="withEffect">
+                                  <p:stCondLst>
+                                    <p:cond delay="0"/>
+                                  </p:stCondLst>
+                                  <p:childTnLst>
+                                    <p:set>
+                                      <p:cBhvr>
+                                        <p:cTn id="25" dur="1" fill="hold">
+                                          <p:stCondLst>
+                                            <p:cond delay="0"/>
+                                          </p:stCondLst>
+                                        </p:cTn>
+                                        <p:tgtEl>
+                                          <p:spTgt spid="12"/>
+                                        </p:tgtEl>
+                                        <p:attrNameLst>
+                                          <p:attrName>style.visibility</p:attrName>
+                                        </p:attrNameLst>
+                                      </p:cBhvr>
+                                      <p:to>
+                                        <p:strVal val="visible"/>
+                                      </p:to>
+                                    </p:set>
+                                    <p:animEffect transition="in" filter="fade">
+                                      <p:cBhvr>
+                                        <p:cTn id="26" dur="500"/>
+                                        <p:tgtEl>
+                                          <p:spTgt spid="12"/>
+                                        </p:tgtEl>
+                                      </p:cBhvr>
+                                    </p:animEffect>
+                                  </p:childTnLst>
+                                </p:cTn>
+                              </p:par>
+                              <p:par>
+                                <p:cTn id="27" presetID="10" presetClass="entr" presetSubtype="0" fill="hold" grpId="0" nodeType="withEffect">
+                                  <p:stCondLst>
+                                    <p:cond delay="0"/>
+                                  </p:stCondLst>
+                                  <p:childTnLst>
+                                    <p:set>
+                                      <p:cBhvr>
                                         <p:cTn id="28" dur="1" fill="hold">
                                           <p:stCondLst>
                                             <p:cond delay="0"/>
                                           </p:stCondLst>
                                         </p:cTn>
                                         <p:tgtEl>
-                                          <p:spTgt spid="9"/>
+                                          <p:spTgt spid="28"/>
                                         </p:tgtEl>
                                         <p:attrNameLst>
                                           <p:attrName>style.visibility</p:attrName>
@@ -11497,77 +11497,7 @@
                                       <p:cBhvr>
                                         <p:cTn id="29" dur="500"/>
                                         <p:tgtEl>
-                                          <p:spTgt spid="9"/>
-                                        </p:tgtEl>
-                                      </p:cBhvr>
-                                    </p:animEffect>
-                                  </p:childTnLst>
-                                </p:cTn>
-                              </p:par>
-                              <p:par>
-                                <p:cTn id="30" presetID="10" presetClass="entr" presetSubtype="0" fill="hold" nodeType="withEffect">
-                                  <p:stCondLst>
-                                    <p:cond delay="0"/>
-                                  </p:stCondLst>
-                                  <p:childTnLst>
-                                    <p:set>
-                                      <p:cBhvr>
-                                        <p:cTn id="31" dur="1" fill="hold">
-                                          <p:stCondLst>
-                                            <p:cond delay="0"/>
-                                          </p:stCondLst>
-                                        </p:cTn>
-                                        <p:tgtEl>
-                                          <p:spTgt spid="13"/>
-                                        </p:tgtEl>
-                                        <p:attrNameLst>
-                                          <p:attrName>style.visibility</p:attrName>
-                                        </p:attrNameLst>
-                                      </p:cBhvr>
-                                      <p:to>
-                                        <p:strVal val="visible"/>
-                                      </p:to>
-                                    </p:set>
-                                    <p:animEffect transition="in" filter="fade">
-                                      <p:cBhvr>
-                                        <p:cTn id="32" dur="500"/>
-                                        <p:tgtEl>
-                                          <p:spTgt spid="13"/>
-                                        </p:tgtEl>
-                                      </p:cBhvr>
-                                    </p:animEffect>
-                                  </p:childTnLst>
-                                </p:cTn>
-                              </p:par>
-                              <p:par>
-                                <p:cTn id="33" presetID="10" presetClass="entr" presetSubtype="0" fill="hold" grpId="0" nodeType="withEffect">
-                                  <p:stCondLst>
-                                    <p:cond delay="0"/>
-                                  </p:stCondLst>
-                                  <p:childTnLst>
-                                    <p:set>
-                                      <p:cBhvr>
-                                        <p:cTn id="34" dur="1" fill="hold">
-                                          <p:stCondLst>
-                                            <p:cond delay="0"/>
-                                          </p:stCondLst>
-                                        </p:cTn>
-                                        <p:tgtEl>
-                                          <p:spTgt spid="29"/>
-                                        </p:tgtEl>
-                                        <p:attrNameLst>
-                                          <p:attrName>style.visibility</p:attrName>
-                                        </p:attrNameLst>
-                                      </p:cBhvr>
-                                      <p:to>
-                                        <p:strVal val="visible"/>
-                                      </p:to>
-                                    </p:set>
-                                    <p:animEffect transition="in" filter="fade">
-                                      <p:cBhvr>
-                                        <p:cTn id="35" dur="500"/>
-                                        <p:tgtEl>
-                                          <p:spTgt spid="29"/>
+                                          <p:spTgt spid="28"/>
                                         </p:tgtEl>
                                       </p:cBhvr>
                                     </p:animEffect>
@@ -11581,32 +11511,102 @@
                     </p:cTn>
                   </p:par>
                   <p:par>
-                    <p:cTn id="36" fill="hold">
+                    <p:cTn id="30" fill="hold">
                       <p:stCondLst>
                         <p:cond delay="indefinite"/>
                       </p:stCondLst>
                       <p:childTnLst>
                         <p:par>
-                          <p:cTn id="37" fill="hold">
+                          <p:cTn id="31" fill="hold">
                             <p:stCondLst>
                               <p:cond delay="0"/>
                             </p:stCondLst>
                             <p:childTnLst>
                               <p:par>
-                                <p:cTn id="38" presetID="10" presetClass="entr" presetSubtype="0" fill="hold" nodeType="clickEffect">
+                                <p:cTn id="32" presetID="10" presetClass="entr" presetSubtype="0" fill="hold" grpId="0" nodeType="clickEffect">
                                   <p:stCondLst>
                                     <p:cond delay="0"/>
                                   </p:stCondLst>
                                   <p:childTnLst>
                                     <p:set>
                                       <p:cBhvr>
+                                        <p:cTn id="33" dur="1" fill="hold">
+                                          <p:stCondLst>
+                                            <p:cond delay="0"/>
+                                          </p:stCondLst>
+                                        </p:cTn>
+                                        <p:tgtEl>
+                                          <p:spTgt spid="9"/>
+                                        </p:tgtEl>
+                                        <p:attrNameLst>
+                                          <p:attrName>style.visibility</p:attrName>
+                                        </p:attrNameLst>
+                                      </p:cBhvr>
+                                      <p:to>
+                                        <p:strVal val="visible"/>
+                                      </p:to>
+                                    </p:set>
+                                    <p:animEffect transition="in" filter="fade">
+                                      <p:cBhvr>
+                                        <p:cTn id="34" dur="500"/>
+                                        <p:tgtEl>
+                                          <p:spTgt spid="9"/>
+                                        </p:tgtEl>
+                                      </p:cBhvr>
+                                    </p:animEffect>
+                                  </p:childTnLst>
+                                </p:cTn>
+                              </p:par>
+                              <p:par>
+                                <p:cTn id="35" presetID="10" presetClass="entr" presetSubtype="0" fill="hold" nodeType="withEffect">
+                                  <p:stCondLst>
+                                    <p:cond delay="0"/>
+                                  </p:stCondLst>
+                                  <p:childTnLst>
+                                    <p:set>
+                                      <p:cBhvr>
+                                        <p:cTn id="36" dur="1" fill="hold">
+                                          <p:stCondLst>
+                                            <p:cond delay="0"/>
+                                          </p:stCondLst>
+                                        </p:cTn>
+                                        <p:tgtEl>
+                                          <p:spTgt spid="13"/>
+                                        </p:tgtEl>
+                                        <p:attrNameLst>
+                                          <p:attrName>style.visibility</p:attrName>
+                                        </p:attrNameLst>
+                                      </p:cBhvr>
+                                      <p:to>
+                                        <p:strVal val="visible"/>
+                                      </p:to>
+                                    </p:set>
+                                    <p:animEffect transition="in" filter="fade">
+                                      <p:cBhvr>
+                                        <p:cTn id="37" dur="500"/>
+                                        <p:tgtEl>
+                                          <p:spTgt spid="13"/>
+                                        </p:tgtEl>
+                                      </p:cBhvr>
+                                    </p:animEffect>
+                                  </p:childTnLst>
+                                </p:cTn>
+                              </p:par>
+                              <p:par>
+                                <p:cTn id="38" presetID="10" presetClass="entr" presetSubtype="0" fill="hold" grpId="0" nodeType="withEffect">
+                                  <p:stCondLst>
+                                    <p:cond delay="0"/>
+                                  </p:stCondLst>
+                                  <p:childTnLst>
+                                    <p:set>
+                                      <p:cBhvr>
                                         <p:cTn id="39" dur="1" fill="hold">
                                           <p:stCondLst>
                                             <p:cond delay="0"/>
                                           </p:stCondLst>
                                         </p:cTn>
                                         <p:tgtEl>
-                                          <p:spTgt spid="14"/>
+                                          <p:spTgt spid="29"/>
                                         </p:tgtEl>
                                         <p:attrNameLst>
                                           <p:attrName>style.visibility</p:attrName>
@@ -11620,77 +11620,7 @@
                                       <p:cBhvr>
                                         <p:cTn id="40" dur="500"/>
                                         <p:tgtEl>
-                                          <p:spTgt spid="14"/>
-                                        </p:tgtEl>
-                                      </p:cBhvr>
-                                    </p:animEffect>
-                                  </p:childTnLst>
-                                </p:cTn>
-                              </p:par>
-                              <p:par>
-                                <p:cTn id="41" presetID="10" presetClass="entr" presetSubtype="0" fill="hold" grpId="0" nodeType="withEffect">
-                                  <p:stCondLst>
-                                    <p:cond delay="0"/>
-                                  </p:stCondLst>
-                                  <p:childTnLst>
-                                    <p:set>
-                                      <p:cBhvr>
-                                        <p:cTn id="42" dur="1" fill="hold">
-                                          <p:stCondLst>
-                                            <p:cond delay="0"/>
-                                          </p:stCondLst>
-                                        </p:cTn>
-                                        <p:tgtEl>
-                                          <p:spTgt spid="15"/>
-                                        </p:tgtEl>
-                                        <p:attrNameLst>
-                                          <p:attrName>style.visibility</p:attrName>
-                                        </p:attrNameLst>
-                                      </p:cBhvr>
-                                      <p:to>
-                                        <p:strVal val="visible"/>
-                                      </p:to>
-                                    </p:set>
-                                    <p:animEffect transition="in" filter="fade">
-                                      <p:cBhvr>
-                                        <p:cTn id="43" dur="500"/>
-                                        <p:tgtEl>
-                                          <p:spTgt spid="15"/>
-                                        </p:tgtEl>
-                                      </p:cBhvr>
-                                    </p:animEffect>
-                                  </p:childTnLst>
-                                </p:cTn>
-                              </p:par>
-                              <p:par>
-                                <p:cTn id="44" presetID="10" presetClass="entr" presetSubtype="0" fill="hold" nodeType="withEffect">
-                                  <p:stCondLst>
-                                    <p:cond delay="0"/>
-                                  </p:stCondLst>
-                                  <p:childTnLst>
-                                    <p:set>
-                                      <p:cBhvr>
-                                        <p:cTn id="45" dur="1" fill="hold">
-                                          <p:stCondLst>
-                                            <p:cond delay="0"/>
-                                          </p:stCondLst>
-                                        </p:cTn>
-                                        <p:tgtEl>
-                                          <p:spTgt spid="31"/>
-                                        </p:tgtEl>
-                                        <p:attrNameLst>
-                                          <p:attrName>style.visibility</p:attrName>
-                                        </p:attrNameLst>
-                                      </p:cBhvr>
-                                      <p:to>
-                                        <p:strVal val="visible"/>
-                                      </p:to>
-                                    </p:set>
-                                    <p:animEffect transition="in" filter="fade">
-                                      <p:cBhvr>
-                                        <p:cTn id="46" dur="500"/>
-                                        <p:tgtEl>
-                                          <p:spTgt spid="31"/>
+                                          <p:spTgt spid="29"/>
                                         </p:tgtEl>
                                       </p:cBhvr>
                                     </p:animEffect>
@@ -11704,32 +11634,102 @@
                     </p:cTn>
                   </p:par>
                   <p:par>
-                    <p:cTn id="47" fill="hold">
+                    <p:cTn id="41" fill="hold">
                       <p:stCondLst>
                         <p:cond delay="indefinite"/>
                       </p:stCondLst>
                       <p:childTnLst>
                         <p:par>
-                          <p:cTn id="48" fill="hold">
+                          <p:cTn id="42" fill="hold">
                             <p:stCondLst>
                               <p:cond delay="0"/>
                             </p:stCondLst>
                             <p:childTnLst>
                               <p:par>
-                                <p:cTn id="49" presetID="10" presetClass="entr" presetSubtype="0" fill="hold" grpId="0" nodeType="clickEffect">
+                                <p:cTn id="43" presetID="10" presetClass="entr" presetSubtype="0" fill="hold" nodeType="clickEffect">
                                   <p:stCondLst>
                                     <p:cond delay="0"/>
                                   </p:stCondLst>
                                   <p:childTnLst>
                                     <p:set>
                                       <p:cBhvr>
+                                        <p:cTn id="44" dur="1" fill="hold">
+                                          <p:stCondLst>
+                                            <p:cond delay="0"/>
+                                          </p:stCondLst>
+                                        </p:cTn>
+                                        <p:tgtEl>
+                                          <p:spTgt spid="14"/>
+                                        </p:tgtEl>
+                                        <p:attrNameLst>
+                                          <p:attrName>style.visibility</p:attrName>
+                                        </p:attrNameLst>
+                                      </p:cBhvr>
+                                      <p:to>
+                                        <p:strVal val="visible"/>
+                                      </p:to>
+                                    </p:set>
+                                    <p:animEffect transition="in" filter="fade">
+                                      <p:cBhvr>
+                                        <p:cTn id="45" dur="500"/>
+                                        <p:tgtEl>
+                                          <p:spTgt spid="14"/>
+                                        </p:tgtEl>
+                                      </p:cBhvr>
+                                    </p:animEffect>
+                                  </p:childTnLst>
+                                </p:cTn>
+                              </p:par>
+                              <p:par>
+                                <p:cTn id="46" presetID="10" presetClass="entr" presetSubtype="0" fill="hold" grpId="0" nodeType="withEffect">
+                                  <p:stCondLst>
+                                    <p:cond delay="0"/>
+                                  </p:stCondLst>
+                                  <p:childTnLst>
+                                    <p:set>
+                                      <p:cBhvr>
+                                        <p:cTn id="47" dur="1" fill="hold">
+                                          <p:stCondLst>
+                                            <p:cond delay="0"/>
+                                          </p:stCondLst>
+                                        </p:cTn>
+                                        <p:tgtEl>
+                                          <p:spTgt spid="15"/>
+                                        </p:tgtEl>
+                                        <p:attrNameLst>
+                                          <p:attrName>style.visibility</p:attrName>
+                                        </p:attrNameLst>
+                                      </p:cBhvr>
+                                      <p:to>
+                                        <p:strVal val="visible"/>
+                                      </p:to>
+                                    </p:set>
+                                    <p:animEffect transition="in" filter="fade">
+                                      <p:cBhvr>
+                                        <p:cTn id="48" dur="500"/>
+                                        <p:tgtEl>
+                                          <p:spTgt spid="15"/>
+                                        </p:tgtEl>
+                                      </p:cBhvr>
+                                    </p:animEffect>
+                                  </p:childTnLst>
+                                </p:cTn>
+                              </p:par>
+                              <p:par>
+                                <p:cTn id="49" presetID="10" presetClass="entr" presetSubtype="0" fill="hold" nodeType="withEffect">
+                                  <p:stCondLst>
+                                    <p:cond delay="0"/>
+                                  </p:stCondLst>
+                                  <p:childTnLst>
+                                    <p:set>
+                                      <p:cBhvr>
                                         <p:cTn id="50" dur="1" fill="hold">
                                           <p:stCondLst>
                                             <p:cond delay="0"/>
                                           </p:stCondLst>
                                         </p:cTn>
                                         <p:tgtEl>
-                                          <p:spTgt spid="17"/>
+                                          <p:spTgt spid="31"/>
                                         </p:tgtEl>
                                         <p:attrNameLst>
                                           <p:attrName>style.visibility</p:attrName>
@@ -11742,6 +11742,59 @@
                                     <p:animEffect transition="in" filter="fade">
                                       <p:cBhvr>
                                         <p:cTn id="51" dur="500"/>
+                                        <p:tgtEl>
+                                          <p:spTgt spid="31"/>
+                                        </p:tgtEl>
+                                      </p:cBhvr>
+                                    </p:animEffect>
+                                  </p:childTnLst>
+                                </p:cTn>
+                              </p:par>
+                            </p:childTnLst>
+                          </p:cTn>
+                        </p:par>
+                      </p:childTnLst>
+                    </p:cTn>
+                  </p:par>
+                  <p:par>
+                    <p:cTn id="52" fill="hold">
+                      <p:stCondLst>
+                        <p:cond delay="indefinite"/>
+                      </p:stCondLst>
+                      <p:childTnLst>
+                        <p:par>
+                          <p:cTn id="53" fill="hold">
+                            <p:stCondLst>
+                              <p:cond delay="0"/>
+                            </p:stCondLst>
+                            <p:childTnLst>
+                              <p:par>
+                                <p:cTn id="54" presetID="10" presetClass="entr" presetSubtype="0" fill="hold" grpId="0" nodeType="clickEffect">
+                                  <p:stCondLst>
+                                    <p:cond delay="0"/>
+                                  </p:stCondLst>
+                                  <p:childTnLst>
+                                    <p:set>
+                                      <p:cBhvr>
+                                        <p:cTn id="55" dur="1" fill="hold">
+                                          <p:stCondLst>
+                                            <p:cond delay="0"/>
+                                          </p:stCondLst>
+                                        </p:cTn>
+                                        <p:tgtEl>
+                                          <p:spTgt spid="17"/>
+                                        </p:tgtEl>
+                                        <p:attrNameLst>
+                                          <p:attrName>style.visibility</p:attrName>
+                                        </p:attrNameLst>
+                                      </p:cBhvr>
+                                      <p:to>
+                                        <p:strVal val="visible"/>
+                                      </p:to>
+                                    </p:set>
+                                    <p:animEffect transition="in" filter="fade">
+                                      <p:cBhvr>
+                                        <p:cTn id="56" dur="500"/>
                                         <p:tgtEl>
                                           <p:spTgt spid="17"/>
                                         </p:tgtEl>
@@ -11780,6 +11833,7 @@
     <p:bldLst>
       <p:bldP spid="6" grpId="0" animBg="1"/>
       <p:bldP spid="7" grpId="0" animBg="1"/>
+      <p:bldP spid="8" grpId="0" animBg="1"/>
       <p:bldP spid="9" grpId="0" animBg="1"/>
       <p:bldP spid="15" grpId="0"/>
       <p:bldP spid="17" grpId="0"/>
